--- a/Hydraulic drawing/redcrane_anotator.pptx
+++ b/Hydraulic drawing/redcrane_anotator.pptx
@@ -200,7 +200,7 @@
           <a:p>
             <a:fld id="{6674AB72-428D-4829-85BA-134047D80F56}" type="datetimeFigureOut">
               <a:rPr lang="en-GB" smtClean="0"/>
-              <a:t>13/02/2025</a:t>
+              <a:t>14/02/2025</a:t>
             </a:fld>
             <a:endParaRPr lang="en-GB"/>
           </a:p>
@@ -785,7 +785,7 @@
           <a:p>
             <a:fld id="{DCCC9C05-9639-4EC7-951E-4D67C5F3A0E0}" type="datetimeFigureOut">
               <a:rPr lang="en-GB" smtClean="0"/>
-              <a:t>13/02/2025</a:t>
+              <a:t>14/02/2025</a:t>
             </a:fld>
             <a:endParaRPr lang="en-GB"/>
           </a:p>
@@ -985,7 +985,7 @@
           <a:p>
             <a:fld id="{DCCC9C05-9639-4EC7-951E-4D67C5F3A0E0}" type="datetimeFigureOut">
               <a:rPr lang="en-GB" smtClean="0"/>
-              <a:t>13/02/2025</a:t>
+              <a:t>14/02/2025</a:t>
             </a:fld>
             <a:endParaRPr lang="en-GB"/>
           </a:p>
@@ -1195,7 +1195,7 @@
           <a:p>
             <a:fld id="{DCCC9C05-9639-4EC7-951E-4D67C5F3A0E0}" type="datetimeFigureOut">
               <a:rPr lang="en-GB" smtClean="0"/>
-              <a:t>13/02/2025</a:t>
+              <a:t>14/02/2025</a:t>
             </a:fld>
             <a:endParaRPr lang="en-GB"/>
           </a:p>
@@ -1395,7 +1395,7 @@
           <a:p>
             <a:fld id="{DCCC9C05-9639-4EC7-951E-4D67C5F3A0E0}" type="datetimeFigureOut">
               <a:rPr lang="en-GB" smtClean="0"/>
-              <a:t>13/02/2025</a:t>
+              <a:t>14/02/2025</a:t>
             </a:fld>
             <a:endParaRPr lang="en-GB"/>
           </a:p>
@@ -1671,7 +1671,7 @@
           <a:p>
             <a:fld id="{DCCC9C05-9639-4EC7-951E-4D67C5F3A0E0}" type="datetimeFigureOut">
               <a:rPr lang="en-GB" smtClean="0"/>
-              <a:t>13/02/2025</a:t>
+              <a:t>14/02/2025</a:t>
             </a:fld>
             <a:endParaRPr lang="en-GB"/>
           </a:p>
@@ -1939,7 +1939,7 @@
           <a:p>
             <a:fld id="{DCCC9C05-9639-4EC7-951E-4D67C5F3A0E0}" type="datetimeFigureOut">
               <a:rPr lang="en-GB" smtClean="0"/>
-              <a:t>13/02/2025</a:t>
+              <a:t>14/02/2025</a:t>
             </a:fld>
             <a:endParaRPr lang="en-GB"/>
           </a:p>
@@ -2354,7 +2354,7 @@
           <a:p>
             <a:fld id="{DCCC9C05-9639-4EC7-951E-4D67C5F3A0E0}" type="datetimeFigureOut">
               <a:rPr lang="en-GB" smtClean="0"/>
-              <a:t>13/02/2025</a:t>
+              <a:t>14/02/2025</a:t>
             </a:fld>
             <a:endParaRPr lang="en-GB"/>
           </a:p>
@@ -2496,7 +2496,7 @@
           <a:p>
             <a:fld id="{DCCC9C05-9639-4EC7-951E-4D67C5F3A0E0}" type="datetimeFigureOut">
               <a:rPr lang="en-GB" smtClean="0"/>
-              <a:t>13/02/2025</a:t>
+              <a:t>14/02/2025</a:t>
             </a:fld>
             <a:endParaRPr lang="en-GB"/>
           </a:p>
@@ -2609,7 +2609,7 @@
           <a:p>
             <a:fld id="{DCCC9C05-9639-4EC7-951E-4D67C5F3A0E0}" type="datetimeFigureOut">
               <a:rPr lang="en-GB" smtClean="0"/>
-              <a:t>13/02/2025</a:t>
+              <a:t>14/02/2025</a:t>
             </a:fld>
             <a:endParaRPr lang="en-GB"/>
           </a:p>
@@ -2922,7 +2922,7 @@
           <a:p>
             <a:fld id="{DCCC9C05-9639-4EC7-951E-4D67C5F3A0E0}" type="datetimeFigureOut">
               <a:rPr lang="en-GB" smtClean="0"/>
-              <a:t>13/02/2025</a:t>
+              <a:t>14/02/2025</a:t>
             </a:fld>
             <a:endParaRPr lang="en-GB"/>
           </a:p>
@@ -3211,7 +3211,7 @@
           <a:p>
             <a:fld id="{DCCC9C05-9639-4EC7-951E-4D67C5F3A0E0}" type="datetimeFigureOut">
               <a:rPr lang="en-GB" smtClean="0"/>
-              <a:t>13/02/2025</a:t>
+              <a:t>14/02/2025</a:t>
             </a:fld>
             <a:endParaRPr lang="en-GB"/>
           </a:p>
@@ -3454,7 +3454,7 @@
           <a:p>
             <a:fld id="{DCCC9C05-9639-4EC7-951E-4D67C5F3A0E0}" type="datetimeFigureOut">
               <a:rPr lang="en-GB" smtClean="0"/>
-              <a:t>13/02/2025</a:t>
+              <a:t>14/02/2025</a:t>
             </a:fld>
             <a:endParaRPr lang="en-GB"/>
           </a:p>
@@ -12320,7 +12320,7 @@
             </a:pPr>
             <a:r>
               <a:rPr lang="nb-NO" sz="1600" dirty="0"/>
-              <a:t>Pb_k_</a:t>
+              <a:t>Pb1</a:t>
             </a:r>
           </a:p>
           <a:p>

--- a/Hydraulic drawing/redcrane_anotator.pptx
+++ b/Hydraulic drawing/redcrane_anotator.pptx
@@ -217,7 +217,7 @@
           <a:p>
             <a:fld id="{6674AB72-428D-4829-85BA-134047D80F56}" type="datetimeFigureOut">
               <a:rPr lang="en-GB" smtClean="0"/>
-              <a:t>17/02/2025</a:t>
+              <a:t>14/03/2025</a:t>
             </a:fld>
             <a:endParaRPr lang="en-GB"/>
           </a:p>
@@ -1018,7 +1018,7 @@
           <a:p>
             <a:fld id="{DCCC9C05-9639-4EC7-951E-4D67C5F3A0E0}" type="datetimeFigureOut">
               <a:rPr lang="en-GB" smtClean="0"/>
-              <a:t>17/02/2025</a:t>
+              <a:t>14/03/2025</a:t>
             </a:fld>
             <a:endParaRPr lang="en-GB"/>
           </a:p>
@@ -1218,7 +1218,7 @@
           <a:p>
             <a:fld id="{DCCC9C05-9639-4EC7-951E-4D67C5F3A0E0}" type="datetimeFigureOut">
               <a:rPr lang="en-GB" smtClean="0"/>
-              <a:t>17/02/2025</a:t>
+              <a:t>14/03/2025</a:t>
             </a:fld>
             <a:endParaRPr lang="en-GB"/>
           </a:p>
@@ -1428,7 +1428,7 @@
           <a:p>
             <a:fld id="{DCCC9C05-9639-4EC7-951E-4D67C5F3A0E0}" type="datetimeFigureOut">
               <a:rPr lang="en-GB" smtClean="0"/>
-              <a:t>17/02/2025</a:t>
+              <a:t>14/03/2025</a:t>
             </a:fld>
             <a:endParaRPr lang="en-GB"/>
           </a:p>
@@ -1628,7 +1628,7 @@
           <a:p>
             <a:fld id="{DCCC9C05-9639-4EC7-951E-4D67C5F3A0E0}" type="datetimeFigureOut">
               <a:rPr lang="en-GB" smtClean="0"/>
-              <a:t>17/02/2025</a:t>
+              <a:t>14/03/2025</a:t>
             </a:fld>
             <a:endParaRPr lang="en-GB"/>
           </a:p>
@@ -1904,7 +1904,7 @@
           <a:p>
             <a:fld id="{DCCC9C05-9639-4EC7-951E-4D67C5F3A0E0}" type="datetimeFigureOut">
               <a:rPr lang="en-GB" smtClean="0"/>
-              <a:t>17/02/2025</a:t>
+              <a:t>14/03/2025</a:t>
             </a:fld>
             <a:endParaRPr lang="en-GB"/>
           </a:p>
@@ -2172,7 +2172,7 @@
           <a:p>
             <a:fld id="{DCCC9C05-9639-4EC7-951E-4D67C5F3A0E0}" type="datetimeFigureOut">
               <a:rPr lang="en-GB" smtClean="0"/>
-              <a:t>17/02/2025</a:t>
+              <a:t>14/03/2025</a:t>
             </a:fld>
             <a:endParaRPr lang="en-GB"/>
           </a:p>
@@ -2587,7 +2587,7 @@
           <a:p>
             <a:fld id="{DCCC9C05-9639-4EC7-951E-4D67C5F3A0E0}" type="datetimeFigureOut">
               <a:rPr lang="en-GB" smtClean="0"/>
-              <a:t>17/02/2025</a:t>
+              <a:t>14/03/2025</a:t>
             </a:fld>
             <a:endParaRPr lang="en-GB"/>
           </a:p>
@@ -2729,7 +2729,7 @@
           <a:p>
             <a:fld id="{DCCC9C05-9639-4EC7-951E-4D67C5F3A0E0}" type="datetimeFigureOut">
               <a:rPr lang="en-GB" smtClean="0"/>
-              <a:t>17/02/2025</a:t>
+              <a:t>14/03/2025</a:t>
             </a:fld>
             <a:endParaRPr lang="en-GB"/>
           </a:p>
@@ -2842,7 +2842,7 @@
           <a:p>
             <a:fld id="{DCCC9C05-9639-4EC7-951E-4D67C5F3A0E0}" type="datetimeFigureOut">
               <a:rPr lang="en-GB" smtClean="0"/>
-              <a:t>17/02/2025</a:t>
+              <a:t>14/03/2025</a:t>
             </a:fld>
             <a:endParaRPr lang="en-GB"/>
           </a:p>
@@ -3155,7 +3155,7 @@
           <a:p>
             <a:fld id="{DCCC9C05-9639-4EC7-951E-4D67C5F3A0E0}" type="datetimeFigureOut">
               <a:rPr lang="en-GB" smtClean="0"/>
-              <a:t>17/02/2025</a:t>
+              <a:t>14/03/2025</a:t>
             </a:fld>
             <a:endParaRPr lang="en-GB"/>
           </a:p>
@@ -3444,7 +3444,7 @@
           <a:p>
             <a:fld id="{DCCC9C05-9639-4EC7-951E-4D67C5F3A0E0}" type="datetimeFigureOut">
               <a:rPr lang="en-GB" smtClean="0"/>
-              <a:t>17/02/2025</a:t>
+              <a:t>14/03/2025</a:t>
             </a:fld>
             <a:endParaRPr lang="en-GB"/>
           </a:p>
@@ -3687,7 +3687,7 @@
           <a:p>
             <a:fld id="{DCCC9C05-9639-4EC7-951E-4D67C5F3A0E0}" type="datetimeFigureOut">
               <a:rPr lang="en-GB" smtClean="0"/>
-              <a:t>17/02/2025</a:t>
+              <a:t>14/03/2025</a:t>
             </a:fld>
             <a:endParaRPr lang="en-GB"/>
           </a:p>
@@ -5403,7 +5403,7 @@
             </a:pPr>
             <a:r>
               <a:rPr lang="nb-NO" sz="1600" dirty="0"/>
-              <a:t>Knucle cylinder</a:t>
+              <a:t>Jib cylinder</a:t>
             </a:r>
           </a:p>
           <a:p>
@@ -5429,7 +5429,7 @@
             </a:pPr>
             <a:r>
               <a:rPr lang="nb-NO" sz="1600" dirty="0"/>
-              <a:t>Knuckle counter balance valve block</a:t>
+              <a:t>Jib counter balance valve block</a:t>
             </a:r>
           </a:p>
           <a:p>
@@ -7647,7 +7647,7 @@
             </a:pPr>
             <a:r>
               <a:rPr lang="nb-NO" sz="1600" dirty="0"/>
-              <a:t>Knucle cylinder</a:t>
+              <a:t>Jib cylinder</a:t>
             </a:r>
           </a:p>
           <a:p>
@@ -7673,7 +7673,7 @@
             </a:pPr>
             <a:r>
               <a:rPr lang="nb-NO" sz="1600" dirty="0"/>
-              <a:t>Knuckle arm</a:t>
+              <a:t>Jib arm</a:t>
             </a:r>
           </a:p>
         </p:txBody>
@@ -7769,7 +7769,7 @@
             </a:pPr>
             <a:r>
               <a:rPr lang="nb-NO" sz="1600" dirty="0"/>
-              <a:t>Pb_K_DCV</a:t>
+              <a:t>Pb_Jib_DCV</a:t>
             </a:r>
           </a:p>
           <a:p>
@@ -7782,7 +7782,7 @@
             </a:pPr>
             <a:r>
               <a:rPr lang="nb-NO" sz="1600" dirty="0"/>
-              <a:t>Pb_K_Cyl</a:t>
+              <a:t>Pb_Jib_Cyl</a:t>
             </a:r>
           </a:p>
           <a:p>
@@ -7795,7 +7795,7 @@
             </a:pPr>
             <a:r>
               <a:rPr lang="nb-NO" sz="1600" dirty="0"/>
-              <a:t>Pa_K_Cyl</a:t>
+              <a:t>Pa_Jib_Cyl</a:t>
             </a:r>
           </a:p>
           <a:p>
@@ -7808,7 +7808,7 @@
             </a:pPr>
             <a:r>
               <a:rPr lang="nb-NO" sz="1600" dirty="0"/>
-              <a:t>Pa_K_DCV</a:t>
+              <a:t>Pa_Jib_DCV</a:t>
             </a:r>
           </a:p>
           <a:p>
@@ -7821,7 +7821,7 @@
             </a:pPr>
             <a:r>
               <a:rPr lang="nb-NO" sz="1600" dirty="0"/>
-              <a:t>Pa_M_DCV</a:t>
+              <a:t>Pa_Main_DCV</a:t>
             </a:r>
           </a:p>
           <a:p>
@@ -7834,7 +7834,7 @@
             </a:pPr>
             <a:r>
               <a:rPr lang="nb-NO" sz="1600" dirty="0"/>
-              <a:t>Pa_M_Cyl</a:t>
+              <a:t>Pa_Main_Cyl</a:t>
             </a:r>
           </a:p>
           <a:p>
@@ -7847,7 +7847,7 @@
             </a:pPr>
             <a:r>
               <a:rPr lang="nb-NO" sz="1600" dirty="0"/>
-              <a:t>Pb_M</a:t>
+              <a:t>Pb_Main</a:t>
             </a:r>
           </a:p>
           <a:p>
@@ -7873,7 +7873,7 @@
             </a:pPr>
             <a:r>
               <a:rPr lang="nb-NO" sz="1600" dirty="0"/>
-              <a:t>Stroke_M_Cyl</a:t>
+              <a:t>Stroke_Main_Cyl</a:t>
             </a:r>
           </a:p>
           <a:p>
@@ -7886,7 +7886,7 @@
             </a:pPr>
             <a:r>
               <a:rPr lang="nb-NO" sz="1600" dirty="0"/>
-              <a:t>Stroke_K_Cyl</a:t>
+              <a:t>Stroke_Jib_Cyl</a:t>
             </a:r>
           </a:p>
         </p:txBody>
@@ -12918,7 +12918,7 @@
             </a:pPr>
             <a:r>
               <a:rPr lang="nb-NO" sz="1600" dirty="0"/>
-              <a:t>Pb_K_DCV</a:t>
+              <a:t>Pb_Jib_DCV</a:t>
             </a:r>
           </a:p>
           <a:p>
@@ -12931,7 +12931,7 @@
             </a:pPr>
             <a:r>
               <a:rPr lang="nb-NO" sz="1600" dirty="0"/>
-              <a:t>Pb_K_Cyl</a:t>
+              <a:t>Pb_Jib_Cyl</a:t>
             </a:r>
           </a:p>
           <a:p>
@@ -12944,7 +12944,7 @@
             </a:pPr>
             <a:r>
               <a:rPr lang="nb-NO" sz="1600" dirty="0"/>
-              <a:t>Pa_K_Cyl</a:t>
+              <a:t>Pa_Jib_Cyl</a:t>
             </a:r>
           </a:p>
           <a:p>
@@ -12957,7 +12957,7 @@
             </a:pPr>
             <a:r>
               <a:rPr lang="nb-NO" sz="1600" dirty="0"/>
-              <a:t>Pa_K_DCV</a:t>
+              <a:t>Pa_Jib_DCV</a:t>
             </a:r>
           </a:p>
           <a:p>
@@ -12970,7 +12970,7 @@
             </a:pPr>
             <a:r>
               <a:rPr lang="nb-NO" sz="1600" dirty="0"/>
-              <a:t>Pa_M_DCV</a:t>
+              <a:t>Pa_Main_DCV</a:t>
             </a:r>
           </a:p>
           <a:p>
@@ -12983,7 +12983,7 @@
             </a:pPr>
             <a:r>
               <a:rPr lang="nb-NO" sz="1600" dirty="0"/>
-              <a:t>Pa_M_Cyl</a:t>
+              <a:t>Pa_Main_Cyl</a:t>
             </a:r>
           </a:p>
           <a:p>
@@ -12996,7 +12996,7 @@
             </a:pPr>
             <a:r>
               <a:rPr lang="nb-NO" sz="1600" dirty="0"/>
-              <a:t>Pb_M</a:t>
+              <a:t>Pb_Main</a:t>
             </a:r>
           </a:p>
           <a:p>
@@ -13022,7 +13022,7 @@
             </a:pPr>
             <a:r>
               <a:rPr lang="nb-NO" sz="1600" dirty="0"/>
-              <a:t>Stroke_M_Cyl</a:t>
+              <a:t>Stroke_Main_Cyl</a:t>
             </a:r>
           </a:p>
           <a:p>
@@ -13035,7 +13035,7 @@
             </a:pPr>
             <a:r>
               <a:rPr lang="nb-NO" sz="1600" dirty="0"/>
-              <a:t>Stroke_K_Cyl</a:t>
+              <a:t>Stroke_Jib_Cyl</a:t>
             </a:r>
           </a:p>
         </p:txBody>

--- a/Hydraulic drawing/redcrane_anotator.pptx
+++ b/Hydraulic drawing/redcrane_anotator.pptx
@@ -5,14 +5,18 @@
     <p:sldMasterId id="2147483648" r:id="rId1"/>
   </p:sldMasterIdLst>
   <p:notesMasterIdLst>
-    <p:notesMasterId r:id="rId7"/>
+    <p:notesMasterId r:id="rId11"/>
   </p:notesMasterIdLst>
   <p:sldIdLst>
     <p:sldId id="260" r:id="rId2"/>
-    <p:sldId id="257" r:id="rId3"/>
-    <p:sldId id="259" r:id="rId4"/>
-    <p:sldId id="261" r:id="rId5"/>
-    <p:sldId id="262" r:id="rId6"/>
+    <p:sldId id="263" r:id="rId3"/>
+    <p:sldId id="265" r:id="rId4"/>
+    <p:sldId id="266" r:id="rId5"/>
+    <p:sldId id="264" r:id="rId6"/>
+    <p:sldId id="257" r:id="rId7"/>
+    <p:sldId id="259" r:id="rId8"/>
+    <p:sldId id="261" r:id="rId9"/>
+    <p:sldId id="262" r:id="rId10"/>
   </p:sldIdLst>
   <p:sldSz cx="12192000" cy="6858000"/>
   <p:notesSz cx="6858000" cy="9144000"/>
@@ -117,6 +121,10 @@
         <p14:section name="Default Section" id="{47F95798-0207-4BC9-A1AD-5C0AECAF9795}">
           <p14:sldIdLst>
             <p14:sldId id="260"/>
+            <p14:sldId id="263"/>
+            <p14:sldId id="265"/>
+            <p14:sldId id="266"/>
+            <p14:sldId id="264"/>
             <p14:sldId id="257"/>
             <p14:sldId id="259"/>
             <p14:sldId id="261"/>
@@ -217,7 +225,7 @@
           <a:p>
             <a:fld id="{6674AB72-428D-4829-85BA-134047D80F56}" type="datetimeFigureOut">
               <a:rPr lang="en-GB" smtClean="0"/>
-              <a:t>14/03/2025</a:t>
+              <a:t>05/05/2025</a:t>
             </a:fld>
             <a:endParaRPr lang="en-GB"/>
           </a:p>
@@ -490,7 +498,13 @@
   <p:cSld>
     <p:spTree>
       <p:nvGrpSpPr>
-        <p:cNvPr id="1" name=""/>
+        <p:cNvPr id="1" name="">
+          <a:extLst>
+            <a:ext uri="{FF2B5EF4-FFF2-40B4-BE49-F238E27FC236}">
+              <a16:creationId xmlns:a16="http://schemas.microsoft.com/office/drawing/2014/main" id="{A785BD5D-06CD-E252-15D0-93636599F9DB}"/>
+            </a:ext>
+          </a:extLst>
+        </p:cNvPr>
         <p:cNvGrpSpPr/>
         <p:nvPr/>
       </p:nvGrpSpPr>
@@ -504,7 +518,13 @@
       </p:grpSpPr>
       <p:sp>
         <p:nvSpPr>
-          <p:cNvPr id="2" name="Slide Image Placeholder 1"/>
+          <p:cNvPr id="2" name="Slide Image Placeholder 1">
+            <a:extLst>
+              <a:ext uri="{FF2B5EF4-FFF2-40B4-BE49-F238E27FC236}">
+                <a16:creationId xmlns:a16="http://schemas.microsoft.com/office/drawing/2014/main" id="{79A6B02F-F018-AFBE-D13A-9A0E95CF1DEE}"/>
+              </a:ext>
+            </a:extLst>
+          </p:cNvPr>
           <p:cNvSpPr>
             <a:spLocks noGrp="1" noRot="1" noChangeAspect="1"/>
           </p:cNvSpPr>
@@ -516,7 +536,13 @@
       </p:sp>
       <p:sp>
         <p:nvSpPr>
-          <p:cNvPr id="3" name="Notes Placeholder 2"/>
+          <p:cNvPr id="3" name="Notes Placeholder 2">
+            <a:extLst>
+              <a:ext uri="{FF2B5EF4-FFF2-40B4-BE49-F238E27FC236}">
+                <a16:creationId xmlns:a16="http://schemas.microsoft.com/office/drawing/2014/main" id="{8E7E15B0-1A2B-98B4-229D-CBD272B4C285}"/>
+              </a:ext>
+            </a:extLst>
+          </p:cNvPr>
           <p:cNvSpPr>
             <a:spLocks noGrp="1"/>
           </p:cNvSpPr>
@@ -535,7 +561,13 @@
       </p:sp>
       <p:sp>
         <p:nvSpPr>
-          <p:cNvPr id="4" name="Slide Number Placeholder 3"/>
+          <p:cNvPr id="4" name="Slide Number Placeholder 3">
+            <a:extLst>
+              <a:ext uri="{FF2B5EF4-FFF2-40B4-BE49-F238E27FC236}">
+                <a16:creationId xmlns:a16="http://schemas.microsoft.com/office/drawing/2014/main" id="{05BF1C78-DB20-2A64-0F43-D44934086DF4}"/>
+              </a:ext>
+            </a:extLst>
+          </p:cNvPr>
           <p:cNvSpPr>
             <a:spLocks noGrp="1"/>
           </p:cNvSpPr>
@@ -550,7 +582,7 @@
           <a:p>
             <a:fld id="{BB56B3E0-9C92-43DF-8659-12C732B55634}" type="slidenum">
               <a:rPr lang="en-GB" smtClean="0"/>
-              <a:t>2</a:t>
+              <a:t>5</a:t>
             </a:fld>
             <a:endParaRPr lang="en-GB"/>
           </a:p>
@@ -559,7 +591,7 @@
     </p:spTree>
     <p:extLst>
       <p:ext uri="{BB962C8B-B14F-4D97-AF65-F5344CB8AC3E}">
-        <p14:creationId xmlns:p14="http://schemas.microsoft.com/office/powerpoint/2010/main" val="2124488862"/>
+        <p14:creationId xmlns:p14="http://schemas.microsoft.com/office/powerpoint/2010/main" val="2245007797"/>
       </p:ext>
     </p:extLst>
   </p:cSld>
@@ -634,7 +666,91 @@
           <a:p>
             <a:fld id="{BB56B3E0-9C92-43DF-8659-12C732B55634}" type="slidenum">
               <a:rPr lang="en-GB" smtClean="0"/>
-              <a:t>3</a:t>
+              <a:t>6</a:t>
+            </a:fld>
+            <a:endParaRPr lang="en-GB"/>
+          </a:p>
+        </p:txBody>
+      </p:sp>
+    </p:spTree>
+    <p:extLst>
+      <p:ext uri="{BB962C8B-B14F-4D97-AF65-F5344CB8AC3E}">
+        <p14:creationId xmlns:p14="http://schemas.microsoft.com/office/powerpoint/2010/main" val="2124488862"/>
+      </p:ext>
+    </p:extLst>
+  </p:cSld>
+  <p:clrMapOvr>
+    <a:masterClrMapping/>
+  </p:clrMapOvr>
+</p:notes>
+</file>
+
+<file path=ppt/notesSlides/notesSlide3.xml><?xml version="1.0" encoding="utf-8"?>
+<p:notes xmlns:a="http://schemas.openxmlformats.org/drawingml/2006/main" xmlns:r="http://schemas.openxmlformats.org/officeDocument/2006/relationships" xmlns:p="http://schemas.openxmlformats.org/presentationml/2006/main">
+  <p:cSld>
+    <p:spTree>
+      <p:nvGrpSpPr>
+        <p:cNvPr id="1" name=""/>
+        <p:cNvGrpSpPr/>
+        <p:nvPr/>
+      </p:nvGrpSpPr>
+      <p:grpSpPr>
+        <a:xfrm>
+          <a:off x="0" y="0"/>
+          <a:ext cx="0" cy="0"/>
+          <a:chOff x="0" y="0"/>
+          <a:chExt cx="0" cy="0"/>
+        </a:xfrm>
+      </p:grpSpPr>
+      <p:sp>
+        <p:nvSpPr>
+          <p:cNvPr id="2" name="Slide Image Placeholder 1"/>
+          <p:cNvSpPr>
+            <a:spLocks noGrp="1" noRot="1" noChangeAspect="1"/>
+          </p:cNvSpPr>
+          <p:nvPr>
+            <p:ph type="sldImg"/>
+          </p:nvPr>
+        </p:nvSpPr>
+        <p:spPr/>
+      </p:sp>
+      <p:sp>
+        <p:nvSpPr>
+          <p:cNvPr id="3" name="Notes Placeholder 2"/>
+          <p:cNvSpPr>
+            <a:spLocks noGrp="1"/>
+          </p:cNvSpPr>
+          <p:nvPr>
+            <p:ph type="body" idx="1"/>
+          </p:nvPr>
+        </p:nvSpPr>
+        <p:spPr/>
+        <p:txBody>
+          <a:bodyPr/>
+          <a:lstStyle/>
+          <a:p>
+            <a:endParaRPr lang="en-GB" dirty="0"/>
+          </a:p>
+        </p:txBody>
+      </p:sp>
+      <p:sp>
+        <p:nvSpPr>
+          <p:cNvPr id="4" name="Slide Number Placeholder 3"/>
+          <p:cNvSpPr>
+            <a:spLocks noGrp="1"/>
+          </p:cNvSpPr>
+          <p:nvPr>
+            <p:ph type="sldNum" sz="quarter" idx="5"/>
+          </p:nvPr>
+        </p:nvSpPr>
+        <p:spPr/>
+        <p:txBody>
+          <a:bodyPr/>
+          <a:lstStyle/>
+          <a:p>
+            <a:fld id="{BB56B3E0-9C92-43DF-8659-12C732B55634}" type="slidenum">
+              <a:rPr lang="en-GB" smtClean="0"/>
+              <a:t>7</a:t>
             </a:fld>
             <a:endParaRPr lang="en-GB"/>
           </a:p>
@@ -653,7 +769,7 @@
 </p:notes>
 </file>
 
-<file path=ppt/notesSlides/notesSlide3.xml><?xml version="1.0" encoding="utf-8"?>
+<file path=ppt/notesSlides/notesSlide4.xml><?xml version="1.0" encoding="utf-8"?>
 <p:notes xmlns:a="http://schemas.openxmlformats.org/drawingml/2006/main" xmlns:r="http://schemas.openxmlformats.org/officeDocument/2006/relationships" xmlns:p="http://schemas.openxmlformats.org/presentationml/2006/main">
   <p:cSld>
     <p:spTree>
@@ -742,7 +858,7 @@
           <a:p>
             <a:fld id="{BB56B3E0-9C92-43DF-8659-12C732B55634}" type="slidenum">
               <a:rPr lang="en-GB" smtClean="0"/>
-              <a:t>4</a:t>
+              <a:t>8</a:t>
             </a:fld>
             <a:endParaRPr lang="en-GB"/>
           </a:p>
@@ -761,7 +877,7 @@
 </p:notes>
 </file>
 
-<file path=ppt/notesSlides/notesSlide4.xml><?xml version="1.0" encoding="utf-8"?>
+<file path=ppt/notesSlides/notesSlide5.xml><?xml version="1.0" encoding="utf-8"?>
 <p:notes xmlns:a="http://schemas.openxmlformats.org/drawingml/2006/main" xmlns:r="http://schemas.openxmlformats.org/officeDocument/2006/relationships" xmlns:p="http://schemas.openxmlformats.org/presentationml/2006/main">
   <p:cSld>
     <p:spTree>
@@ -850,7 +966,7 @@
           <a:p>
             <a:fld id="{BB56B3E0-9C92-43DF-8659-12C732B55634}" type="slidenum">
               <a:rPr lang="en-GB" smtClean="0"/>
-              <a:t>5</a:t>
+              <a:t>9</a:t>
             </a:fld>
             <a:endParaRPr lang="en-GB"/>
           </a:p>
@@ -1018,7 +1134,7 @@
           <a:p>
             <a:fld id="{DCCC9C05-9639-4EC7-951E-4D67C5F3A0E0}" type="datetimeFigureOut">
               <a:rPr lang="en-GB" smtClean="0"/>
-              <a:t>14/03/2025</a:t>
+              <a:t>05/05/2025</a:t>
             </a:fld>
             <a:endParaRPr lang="en-GB"/>
           </a:p>
@@ -1218,7 +1334,7 @@
           <a:p>
             <a:fld id="{DCCC9C05-9639-4EC7-951E-4D67C5F3A0E0}" type="datetimeFigureOut">
               <a:rPr lang="en-GB" smtClean="0"/>
-              <a:t>14/03/2025</a:t>
+              <a:t>05/05/2025</a:t>
             </a:fld>
             <a:endParaRPr lang="en-GB"/>
           </a:p>
@@ -1428,7 +1544,7 @@
           <a:p>
             <a:fld id="{DCCC9C05-9639-4EC7-951E-4D67C5F3A0E0}" type="datetimeFigureOut">
               <a:rPr lang="en-GB" smtClean="0"/>
-              <a:t>14/03/2025</a:t>
+              <a:t>05/05/2025</a:t>
             </a:fld>
             <a:endParaRPr lang="en-GB"/>
           </a:p>
@@ -1628,7 +1744,7 @@
           <a:p>
             <a:fld id="{DCCC9C05-9639-4EC7-951E-4D67C5F3A0E0}" type="datetimeFigureOut">
               <a:rPr lang="en-GB" smtClean="0"/>
-              <a:t>14/03/2025</a:t>
+              <a:t>05/05/2025</a:t>
             </a:fld>
             <a:endParaRPr lang="en-GB"/>
           </a:p>
@@ -1904,7 +2020,7 @@
           <a:p>
             <a:fld id="{DCCC9C05-9639-4EC7-951E-4D67C5F3A0E0}" type="datetimeFigureOut">
               <a:rPr lang="en-GB" smtClean="0"/>
-              <a:t>14/03/2025</a:t>
+              <a:t>05/05/2025</a:t>
             </a:fld>
             <a:endParaRPr lang="en-GB"/>
           </a:p>
@@ -2172,7 +2288,7 @@
           <a:p>
             <a:fld id="{DCCC9C05-9639-4EC7-951E-4D67C5F3A0E0}" type="datetimeFigureOut">
               <a:rPr lang="en-GB" smtClean="0"/>
-              <a:t>14/03/2025</a:t>
+              <a:t>05/05/2025</a:t>
             </a:fld>
             <a:endParaRPr lang="en-GB"/>
           </a:p>
@@ -2587,7 +2703,7 @@
           <a:p>
             <a:fld id="{DCCC9C05-9639-4EC7-951E-4D67C5F3A0E0}" type="datetimeFigureOut">
               <a:rPr lang="en-GB" smtClean="0"/>
-              <a:t>14/03/2025</a:t>
+              <a:t>05/05/2025</a:t>
             </a:fld>
             <a:endParaRPr lang="en-GB"/>
           </a:p>
@@ -2729,7 +2845,7 @@
           <a:p>
             <a:fld id="{DCCC9C05-9639-4EC7-951E-4D67C5F3A0E0}" type="datetimeFigureOut">
               <a:rPr lang="en-GB" smtClean="0"/>
-              <a:t>14/03/2025</a:t>
+              <a:t>05/05/2025</a:t>
             </a:fld>
             <a:endParaRPr lang="en-GB"/>
           </a:p>
@@ -2842,7 +2958,7 @@
           <a:p>
             <a:fld id="{DCCC9C05-9639-4EC7-951E-4D67C5F3A0E0}" type="datetimeFigureOut">
               <a:rPr lang="en-GB" smtClean="0"/>
-              <a:t>14/03/2025</a:t>
+              <a:t>05/05/2025</a:t>
             </a:fld>
             <a:endParaRPr lang="en-GB"/>
           </a:p>
@@ -3155,7 +3271,7 @@
           <a:p>
             <a:fld id="{DCCC9C05-9639-4EC7-951E-4D67C5F3A0E0}" type="datetimeFigureOut">
               <a:rPr lang="en-GB" smtClean="0"/>
-              <a:t>14/03/2025</a:t>
+              <a:t>05/05/2025</a:t>
             </a:fld>
             <a:endParaRPr lang="en-GB"/>
           </a:p>
@@ -3444,7 +3560,7 @@
           <a:p>
             <a:fld id="{DCCC9C05-9639-4EC7-951E-4D67C5F3A0E0}" type="datetimeFigureOut">
               <a:rPr lang="en-GB" smtClean="0"/>
-              <a:t>14/03/2025</a:t>
+              <a:t>05/05/2025</a:t>
             </a:fld>
             <a:endParaRPr lang="en-GB"/>
           </a:p>
@@ -3687,7 +3803,7 @@
           <a:p>
             <a:fld id="{DCCC9C05-9639-4EC7-951E-4D67C5F3A0E0}" type="datetimeFigureOut">
               <a:rPr lang="en-GB" smtClean="0"/>
-              <a:t>14/03/2025</a:t>
+              <a:t>05/05/2025</a:t>
             </a:fld>
             <a:endParaRPr lang="en-GB"/>
           </a:p>
@@ -4335,6 +4451,6250 @@
   <p:cSld>
     <p:spTree>
       <p:nvGrpSpPr>
+        <p:cNvPr id="1" name=""/>
+        <p:cNvGrpSpPr/>
+        <p:nvPr/>
+      </p:nvGrpSpPr>
+      <p:grpSpPr>
+        <a:xfrm>
+          <a:off x="0" y="0"/>
+          <a:ext cx="0" cy="0"/>
+          <a:chOff x="0" y="0"/>
+          <a:chExt cx="0" cy="0"/>
+        </a:xfrm>
+      </p:grpSpPr>
+      <p:grpSp>
+        <p:nvGrpSpPr>
+          <p:cNvPr id="27" name="Group 26">
+            <a:extLst>
+              <a:ext uri="{FF2B5EF4-FFF2-40B4-BE49-F238E27FC236}">
+                <a16:creationId xmlns:a16="http://schemas.microsoft.com/office/drawing/2014/main" id="{81E2D17A-81C2-2849-8778-98614864FADF}"/>
+              </a:ext>
+            </a:extLst>
+          </p:cNvPr>
+          <p:cNvGrpSpPr/>
+          <p:nvPr/>
+        </p:nvGrpSpPr>
+        <p:grpSpPr>
+          <a:xfrm>
+            <a:off x="638536" y="0"/>
+            <a:ext cx="10914927" cy="6857999"/>
+            <a:chOff x="638536" y="0"/>
+            <a:chExt cx="10914927" cy="6857999"/>
+          </a:xfrm>
+        </p:grpSpPr>
+        <p:pic>
+          <p:nvPicPr>
+            <p:cNvPr id="10" name="Picture 9">
+              <a:extLst>
+                <a:ext uri="{FF2B5EF4-FFF2-40B4-BE49-F238E27FC236}">
+                  <a16:creationId xmlns:a16="http://schemas.microsoft.com/office/drawing/2014/main" id="{3A40E457-4784-09E3-5744-801A21B51CA1}"/>
+                </a:ext>
+              </a:extLst>
+            </p:cNvPr>
+            <p:cNvPicPr>
+              <a:picLocks noChangeAspect="1"/>
+            </p:cNvPicPr>
+            <p:nvPr/>
+          </p:nvPicPr>
+          <p:blipFill>
+            <a:blip r:embed="rId2"/>
+            <a:srcRect l="38222" t="14443" r="21832" b="32369"/>
+            <a:stretch/>
+          </p:blipFill>
+          <p:spPr>
+            <a:xfrm>
+              <a:off x="638536" y="0"/>
+              <a:ext cx="10914927" cy="6857999"/>
+            </a:xfrm>
+            <a:prstGeom prst="rect">
+              <a:avLst/>
+            </a:prstGeom>
+          </p:spPr>
+        </p:pic>
+        <p:sp>
+          <p:nvSpPr>
+            <p:cNvPr id="11" name="TextBox 10">
+              <a:extLst>
+                <a:ext uri="{FF2B5EF4-FFF2-40B4-BE49-F238E27FC236}">
+                  <a16:creationId xmlns:a16="http://schemas.microsoft.com/office/drawing/2014/main" id="{46CCE48E-96BB-4A9B-84B5-139B3FDEE8EA}"/>
+                </a:ext>
+              </a:extLst>
+            </p:cNvPr>
+            <p:cNvSpPr txBox="1"/>
+            <p:nvPr/>
+          </p:nvSpPr>
+          <p:spPr>
+            <a:xfrm>
+              <a:off x="7801273" y="2954212"/>
+              <a:ext cx="203200" cy="307777"/>
+            </a:xfrm>
+            <a:prstGeom prst="rect">
+              <a:avLst/>
+            </a:prstGeom>
+            <a:noFill/>
+            <a:ln>
+              <a:noFill/>
+            </a:ln>
+          </p:spPr>
+          <p:txBody>
+            <a:bodyPr wrap="square" rtlCol="0">
+              <a:spAutoFit/>
+            </a:bodyPr>
+            <a:lstStyle/>
+            <a:p>
+              <a:r>
+                <a:rPr lang="nb-NO" sz="1400" dirty="0"/>
+                <a:t>P</a:t>
+              </a:r>
+              <a:endParaRPr lang="en-GB" sz="1400" dirty="0"/>
+            </a:p>
+          </p:txBody>
+        </p:sp>
+        <p:sp>
+          <p:nvSpPr>
+            <p:cNvPr id="12" name="TextBox 11">
+              <a:extLst>
+                <a:ext uri="{FF2B5EF4-FFF2-40B4-BE49-F238E27FC236}">
+                  <a16:creationId xmlns:a16="http://schemas.microsoft.com/office/drawing/2014/main" id="{FF5C3F52-17F3-5FBE-15EE-4AFF5A0C500A}"/>
+                </a:ext>
+              </a:extLst>
+            </p:cNvPr>
+            <p:cNvSpPr txBox="1"/>
+            <p:nvPr/>
+          </p:nvSpPr>
+          <p:spPr>
+            <a:xfrm rot="10800000">
+              <a:off x="8071523" y="2793097"/>
+              <a:ext cx="203200" cy="307777"/>
+            </a:xfrm>
+            <a:prstGeom prst="rect">
+              <a:avLst/>
+            </a:prstGeom>
+            <a:noFill/>
+            <a:ln>
+              <a:noFill/>
+            </a:ln>
+          </p:spPr>
+          <p:txBody>
+            <a:bodyPr wrap="square" rtlCol="0">
+              <a:spAutoFit/>
+            </a:bodyPr>
+            <a:lstStyle/>
+            <a:p>
+              <a:r>
+                <a:rPr lang="nb-NO" sz="1400" dirty="0"/>
+                <a:t>U</a:t>
+              </a:r>
+              <a:endParaRPr lang="en-GB" sz="1400" dirty="0"/>
+            </a:p>
+          </p:txBody>
+        </p:sp>
+        <p:sp>
+          <p:nvSpPr>
+            <p:cNvPr id="13" name="TextBox 12">
+              <a:extLst>
+                <a:ext uri="{FF2B5EF4-FFF2-40B4-BE49-F238E27FC236}">
+                  <a16:creationId xmlns:a16="http://schemas.microsoft.com/office/drawing/2014/main" id="{58A65CE9-B43A-BF95-486F-39BE4099C6FC}"/>
+                </a:ext>
+              </a:extLst>
+            </p:cNvPr>
+            <p:cNvSpPr txBox="1"/>
+            <p:nvPr/>
+          </p:nvSpPr>
+          <p:spPr>
+            <a:xfrm>
+              <a:off x="9788150" y="2959260"/>
+              <a:ext cx="203200" cy="307777"/>
+            </a:xfrm>
+            <a:prstGeom prst="rect">
+              <a:avLst/>
+            </a:prstGeom>
+            <a:noFill/>
+            <a:ln>
+              <a:noFill/>
+            </a:ln>
+          </p:spPr>
+          <p:txBody>
+            <a:bodyPr wrap="square" rtlCol="0">
+              <a:spAutoFit/>
+            </a:bodyPr>
+            <a:lstStyle/>
+            <a:p>
+              <a:r>
+                <a:rPr lang="nb-NO" sz="1400" dirty="0"/>
+                <a:t>P</a:t>
+              </a:r>
+              <a:endParaRPr lang="en-GB" sz="1400" dirty="0"/>
+            </a:p>
+          </p:txBody>
+        </p:sp>
+        <p:sp>
+          <p:nvSpPr>
+            <p:cNvPr id="14" name="TextBox 13">
+              <a:extLst>
+                <a:ext uri="{FF2B5EF4-FFF2-40B4-BE49-F238E27FC236}">
+                  <a16:creationId xmlns:a16="http://schemas.microsoft.com/office/drawing/2014/main" id="{ACB9234A-893A-011C-260D-03FA0F2E9430}"/>
+                </a:ext>
+              </a:extLst>
+            </p:cNvPr>
+            <p:cNvSpPr txBox="1"/>
+            <p:nvPr/>
+          </p:nvSpPr>
+          <p:spPr>
+            <a:xfrm rot="10800000">
+              <a:off x="10050697" y="2798145"/>
+              <a:ext cx="203200" cy="307777"/>
+            </a:xfrm>
+            <a:prstGeom prst="rect">
+              <a:avLst/>
+            </a:prstGeom>
+            <a:noFill/>
+            <a:ln>
+              <a:noFill/>
+            </a:ln>
+          </p:spPr>
+          <p:txBody>
+            <a:bodyPr wrap="square" rtlCol="0">
+              <a:spAutoFit/>
+            </a:bodyPr>
+            <a:lstStyle/>
+            <a:p>
+              <a:r>
+                <a:rPr lang="nb-NO" sz="1400" dirty="0"/>
+                <a:t>U</a:t>
+              </a:r>
+              <a:endParaRPr lang="en-GB" sz="1400" dirty="0"/>
+            </a:p>
+          </p:txBody>
+        </p:sp>
+        <p:sp>
+          <p:nvSpPr>
+            <p:cNvPr id="15" name="TextBox 14">
+              <a:extLst>
+                <a:ext uri="{FF2B5EF4-FFF2-40B4-BE49-F238E27FC236}">
+                  <a16:creationId xmlns:a16="http://schemas.microsoft.com/office/drawing/2014/main" id="{91E31F9A-AF87-4AFD-9DA3-1FA6490778AC}"/>
+                </a:ext>
+              </a:extLst>
+            </p:cNvPr>
+            <p:cNvSpPr txBox="1"/>
+            <p:nvPr/>
+          </p:nvSpPr>
+          <p:spPr>
+            <a:xfrm>
+              <a:off x="9780447" y="835960"/>
+              <a:ext cx="203200" cy="307777"/>
+            </a:xfrm>
+            <a:prstGeom prst="rect">
+              <a:avLst/>
+            </a:prstGeom>
+            <a:noFill/>
+            <a:ln>
+              <a:noFill/>
+            </a:ln>
+          </p:spPr>
+          <p:txBody>
+            <a:bodyPr wrap="square" rtlCol="0">
+              <a:spAutoFit/>
+            </a:bodyPr>
+            <a:lstStyle/>
+            <a:p>
+              <a:r>
+                <a:rPr lang="nb-NO" sz="1400" dirty="0"/>
+                <a:t>P</a:t>
+              </a:r>
+              <a:endParaRPr lang="en-GB" sz="1400" dirty="0"/>
+            </a:p>
+          </p:txBody>
+        </p:sp>
+        <p:sp>
+          <p:nvSpPr>
+            <p:cNvPr id="16" name="TextBox 15">
+              <a:extLst>
+                <a:ext uri="{FF2B5EF4-FFF2-40B4-BE49-F238E27FC236}">
+                  <a16:creationId xmlns:a16="http://schemas.microsoft.com/office/drawing/2014/main" id="{E8815D09-5187-C107-2436-D9E4A6E698EF}"/>
+                </a:ext>
+              </a:extLst>
+            </p:cNvPr>
+            <p:cNvSpPr txBox="1"/>
+            <p:nvPr/>
+          </p:nvSpPr>
+          <p:spPr>
+            <a:xfrm rot="10800000">
+              <a:off x="10050697" y="674845"/>
+              <a:ext cx="203200" cy="307777"/>
+            </a:xfrm>
+            <a:prstGeom prst="rect">
+              <a:avLst/>
+            </a:prstGeom>
+            <a:noFill/>
+            <a:ln>
+              <a:noFill/>
+            </a:ln>
+          </p:spPr>
+          <p:txBody>
+            <a:bodyPr wrap="square" rtlCol="0">
+              <a:spAutoFit/>
+            </a:bodyPr>
+            <a:lstStyle/>
+            <a:p>
+              <a:r>
+                <a:rPr lang="nb-NO" sz="1400" dirty="0"/>
+                <a:t>U</a:t>
+              </a:r>
+              <a:endParaRPr lang="en-GB" sz="1400" dirty="0"/>
+            </a:p>
+          </p:txBody>
+        </p:sp>
+        <p:sp>
+          <p:nvSpPr>
+            <p:cNvPr id="17" name="TextBox 16">
+              <a:extLst>
+                <a:ext uri="{FF2B5EF4-FFF2-40B4-BE49-F238E27FC236}">
+                  <a16:creationId xmlns:a16="http://schemas.microsoft.com/office/drawing/2014/main" id="{06E2E0A3-B535-76D9-10D7-366638CF6654}"/>
+                </a:ext>
+              </a:extLst>
+            </p:cNvPr>
+            <p:cNvSpPr txBox="1"/>
+            <p:nvPr/>
+          </p:nvSpPr>
+          <p:spPr>
+            <a:xfrm>
+              <a:off x="7788237" y="835960"/>
+              <a:ext cx="203200" cy="307777"/>
+            </a:xfrm>
+            <a:prstGeom prst="rect">
+              <a:avLst/>
+            </a:prstGeom>
+            <a:noFill/>
+            <a:ln>
+              <a:noFill/>
+            </a:ln>
+          </p:spPr>
+          <p:txBody>
+            <a:bodyPr wrap="square" rtlCol="0">
+              <a:spAutoFit/>
+            </a:bodyPr>
+            <a:lstStyle/>
+            <a:p>
+              <a:r>
+                <a:rPr lang="nb-NO" sz="1400" dirty="0"/>
+                <a:t>P</a:t>
+              </a:r>
+              <a:endParaRPr lang="en-GB" sz="1400" dirty="0"/>
+            </a:p>
+          </p:txBody>
+        </p:sp>
+        <p:sp>
+          <p:nvSpPr>
+            <p:cNvPr id="18" name="TextBox 17">
+              <a:extLst>
+                <a:ext uri="{FF2B5EF4-FFF2-40B4-BE49-F238E27FC236}">
+                  <a16:creationId xmlns:a16="http://schemas.microsoft.com/office/drawing/2014/main" id="{BB682512-5D4D-A086-EB43-0FC26AFA7E82}"/>
+                </a:ext>
+              </a:extLst>
+            </p:cNvPr>
+            <p:cNvSpPr txBox="1"/>
+            <p:nvPr/>
+          </p:nvSpPr>
+          <p:spPr>
+            <a:xfrm rot="10800000">
+              <a:off x="8058487" y="674845"/>
+              <a:ext cx="203200" cy="307777"/>
+            </a:xfrm>
+            <a:prstGeom prst="rect">
+              <a:avLst/>
+            </a:prstGeom>
+            <a:noFill/>
+            <a:ln>
+              <a:noFill/>
+            </a:ln>
+          </p:spPr>
+          <p:txBody>
+            <a:bodyPr wrap="square" rtlCol="0">
+              <a:spAutoFit/>
+            </a:bodyPr>
+            <a:lstStyle/>
+            <a:p>
+              <a:r>
+                <a:rPr lang="nb-NO" sz="1400" dirty="0"/>
+                <a:t>U</a:t>
+              </a:r>
+              <a:endParaRPr lang="en-GB" sz="1400" dirty="0"/>
+            </a:p>
+          </p:txBody>
+        </p:sp>
+        <p:sp>
+          <p:nvSpPr>
+            <p:cNvPr id="19" name="TextBox 18">
+              <a:extLst>
+                <a:ext uri="{FF2B5EF4-FFF2-40B4-BE49-F238E27FC236}">
+                  <a16:creationId xmlns:a16="http://schemas.microsoft.com/office/drawing/2014/main" id="{951E7534-8705-E32B-683D-BFA7EF80DA03}"/>
+                </a:ext>
+              </a:extLst>
+            </p:cNvPr>
+            <p:cNvSpPr txBox="1"/>
+            <p:nvPr/>
+          </p:nvSpPr>
+          <p:spPr>
+            <a:xfrm>
+              <a:off x="2429009" y="248243"/>
+              <a:ext cx="203200" cy="307777"/>
+            </a:xfrm>
+            <a:prstGeom prst="rect">
+              <a:avLst/>
+            </a:prstGeom>
+            <a:noFill/>
+            <a:ln>
+              <a:noFill/>
+            </a:ln>
+          </p:spPr>
+          <p:txBody>
+            <a:bodyPr wrap="square" rtlCol="0">
+              <a:spAutoFit/>
+            </a:bodyPr>
+            <a:lstStyle/>
+            <a:p>
+              <a:r>
+                <a:rPr lang="nb-NO" sz="1400" dirty="0"/>
+                <a:t>P</a:t>
+              </a:r>
+              <a:endParaRPr lang="en-GB" sz="1400" dirty="0"/>
+            </a:p>
+          </p:txBody>
+        </p:sp>
+        <p:sp>
+          <p:nvSpPr>
+            <p:cNvPr id="20" name="TextBox 19">
+              <a:extLst>
+                <a:ext uri="{FF2B5EF4-FFF2-40B4-BE49-F238E27FC236}">
+                  <a16:creationId xmlns:a16="http://schemas.microsoft.com/office/drawing/2014/main" id="{A74A4E21-6D2C-A32F-B473-3EFFE675EB82}"/>
+                </a:ext>
+              </a:extLst>
+            </p:cNvPr>
+            <p:cNvSpPr txBox="1"/>
+            <p:nvPr/>
+          </p:nvSpPr>
+          <p:spPr>
+            <a:xfrm rot="10800000">
+              <a:off x="2699259" y="87128"/>
+              <a:ext cx="203200" cy="307777"/>
+            </a:xfrm>
+            <a:prstGeom prst="rect">
+              <a:avLst/>
+            </a:prstGeom>
+            <a:noFill/>
+            <a:ln>
+              <a:noFill/>
+            </a:ln>
+          </p:spPr>
+          <p:txBody>
+            <a:bodyPr wrap="square" rtlCol="0">
+              <a:spAutoFit/>
+            </a:bodyPr>
+            <a:lstStyle/>
+            <a:p>
+              <a:r>
+                <a:rPr lang="nb-NO" sz="1400" dirty="0"/>
+                <a:t>U</a:t>
+              </a:r>
+              <a:endParaRPr lang="en-GB" sz="1400" dirty="0"/>
+            </a:p>
+          </p:txBody>
+        </p:sp>
+        <p:sp>
+          <p:nvSpPr>
+            <p:cNvPr id="21" name="TextBox 20">
+              <a:extLst>
+                <a:ext uri="{FF2B5EF4-FFF2-40B4-BE49-F238E27FC236}">
+                  <a16:creationId xmlns:a16="http://schemas.microsoft.com/office/drawing/2014/main" id="{A14A1548-6AD2-4D9A-2615-B9543CC44B9E}"/>
+                </a:ext>
+              </a:extLst>
+            </p:cNvPr>
+            <p:cNvSpPr txBox="1"/>
+            <p:nvPr/>
+          </p:nvSpPr>
+          <p:spPr>
+            <a:xfrm>
+              <a:off x="1734340" y="2749457"/>
+              <a:ext cx="203200" cy="307777"/>
+            </a:xfrm>
+            <a:prstGeom prst="rect">
+              <a:avLst/>
+            </a:prstGeom>
+            <a:noFill/>
+            <a:ln>
+              <a:noFill/>
+            </a:ln>
+          </p:spPr>
+          <p:txBody>
+            <a:bodyPr wrap="square" rtlCol="0">
+              <a:spAutoFit/>
+            </a:bodyPr>
+            <a:lstStyle/>
+            <a:p>
+              <a:r>
+                <a:rPr lang="nb-NO" sz="1400" dirty="0"/>
+                <a:t>P</a:t>
+              </a:r>
+              <a:endParaRPr lang="en-GB" sz="1400" dirty="0"/>
+            </a:p>
+          </p:txBody>
+        </p:sp>
+        <p:sp>
+          <p:nvSpPr>
+            <p:cNvPr id="22" name="TextBox 21">
+              <a:extLst>
+                <a:ext uri="{FF2B5EF4-FFF2-40B4-BE49-F238E27FC236}">
+                  <a16:creationId xmlns:a16="http://schemas.microsoft.com/office/drawing/2014/main" id="{AEECF0B2-10A6-80CD-F66D-E73D77610914}"/>
+                </a:ext>
+              </a:extLst>
+            </p:cNvPr>
+            <p:cNvSpPr txBox="1"/>
+            <p:nvPr/>
+          </p:nvSpPr>
+          <p:spPr>
+            <a:xfrm rot="10800000">
+              <a:off x="2004590" y="2588342"/>
+              <a:ext cx="203200" cy="307777"/>
+            </a:xfrm>
+            <a:prstGeom prst="rect">
+              <a:avLst/>
+            </a:prstGeom>
+            <a:noFill/>
+            <a:ln>
+              <a:noFill/>
+            </a:ln>
+          </p:spPr>
+          <p:txBody>
+            <a:bodyPr wrap="square" rtlCol="0">
+              <a:spAutoFit/>
+            </a:bodyPr>
+            <a:lstStyle/>
+            <a:p>
+              <a:r>
+                <a:rPr lang="nb-NO" sz="1400" dirty="0"/>
+                <a:t>U</a:t>
+              </a:r>
+              <a:endParaRPr lang="en-GB" sz="1400" dirty="0"/>
+            </a:p>
+          </p:txBody>
+        </p:sp>
+        <p:sp>
+          <p:nvSpPr>
+            <p:cNvPr id="23" name="TextBox 22">
+              <a:extLst>
+                <a:ext uri="{FF2B5EF4-FFF2-40B4-BE49-F238E27FC236}">
+                  <a16:creationId xmlns:a16="http://schemas.microsoft.com/office/drawing/2014/main" id="{E52A8C02-503C-982D-10D2-ADB6A2471A42}"/>
+                </a:ext>
+              </a:extLst>
+            </p:cNvPr>
+            <p:cNvSpPr txBox="1"/>
+            <p:nvPr/>
+          </p:nvSpPr>
+          <p:spPr>
+            <a:xfrm>
+              <a:off x="4242791" y="2744691"/>
+              <a:ext cx="203200" cy="307777"/>
+            </a:xfrm>
+            <a:prstGeom prst="rect">
+              <a:avLst/>
+            </a:prstGeom>
+            <a:noFill/>
+            <a:ln>
+              <a:noFill/>
+            </a:ln>
+          </p:spPr>
+          <p:txBody>
+            <a:bodyPr wrap="square" rtlCol="0">
+              <a:spAutoFit/>
+            </a:bodyPr>
+            <a:lstStyle/>
+            <a:p>
+              <a:r>
+                <a:rPr lang="nb-NO" sz="1400" dirty="0"/>
+                <a:t>P</a:t>
+              </a:r>
+              <a:endParaRPr lang="en-GB" sz="1400" dirty="0"/>
+            </a:p>
+          </p:txBody>
+        </p:sp>
+        <p:sp>
+          <p:nvSpPr>
+            <p:cNvPr id="24" name="TextBox 23">
+              <a:extLst>
+                <a:ext uri="{FF2B5EF4-FFF2-40B4-BE49-F238E27FC236}">
+                  <a16:creationId xmlns:a16="http://schemas.microsoft.com/office/drawing/2014/main" id="{FCE22167-6B9D-E33A-2DCB-D5EF8AC0EEE1}"/>
+                </a:ext>
+              </a:extLst>
+            </p:cNvPr>
+            <p:cNvSpPr txBox="1"/>
+            <p:nvPr/>
+          </p:nvSpPr>
+          <p:spPr>
+            <a:xfrm rot="10800000">
+              <a:off x="4508090" y="2588343"/>
+              <a:ext cx="203200" cy="307777"/>
+            </a:xfrm>
+            <a:prstGeom prst="rect">
+              <a:avLst/>
+            </a:prstGeom>
+            <a:noFill/>
+            <a:ln>
+              <a:noFill/>
+            </a:ln>
+          </p:spPr>
+          <p:txBody>
+            <a:bodyPr wrap="square" rtlCol="0">
+              <a:spAutoFit/>
+            </a:bodyPr>
+            <a:lstStyle/>
+            <a:p>
+              <a:r>
+                <a:rPr lang="nb-NO" sz="1400" dirty="0"/>
+                <a:t>U</a:t>
+              </a:r>
+              <a:endParaRPr lang="en-GB" sz="1400" dirty="0"/>
+            </a:p>
+          </p:txBody>
+        </p:sp>
+        <p:sp>
+          <p:nvSpPr>
+            <p:cNvPr id="25" name="TextBox 24">
+              <a:extLst>
+                <a:ext uri="{FF2B5EF4-FFF2-40B4-BE49-F238E27FC236}">
+                  <a16:creationId xmlns:a16="http://schemas.microsoft.com/office/drawing/2014/main" id="{5CF0BE45-271A-4BA3-53C9-BE11BBC96E8B}"/>
+                </a:ext>
+              </a:extLst>
+            </p:cNvPr>
+            <p:cNvSpPr txBox="1"/>
+            <p:nvPr/>
+          </p:nvSpPr>
+          <p:spPr>
+            <a:xfrm>
+              <a:off x="5319359" y="4453751"/>
+              <a:ext cx="203200" cy="307777"/>
+            </a:xfrm>
+            <a:prstGeom prst="rect">
+              <a:avLst/>
+            </a:prstGeom>
+            <a:noFill/>
+            <a:ln>
+              <a:noFill/>
+            </a:ln>
+          </p:spPr>
+          <p:txBody>
+            <a:bodyPr wrap="square" rtlCol="0">
+              <a:spAutoFit/>
+            </a:bodyPr>
+            <a:lstStyle/>
+            <a:p>
+              <a:r>
+                <a:rPr lang="nb-NO" sz="1400" dirty="0"/>
+                <a:t>P</a:t>
+              </a:r>
+              <a:endParaRPr lang="en-GB" sz="1400" dirty="0"/>
+            </a:p>
+          </p:txBody>
+        </p:sp>
+        <p:sp>
+          <p:nvSpPr>
+            <p:cNvPr id="26" name="TextBox 25">
+              <a:extLst>
+                <a:ext uri="{FF2B5EF4-FFF2-40B4-BE49-F238E27FC236}">
+                  <a16:creationId xmlns:a16="http://schemas.microsoft.com/office/drawing/2014/main" id="{EAE1649B-6A65-7A0A-6206-25A8A47D719B}"/>
+                </a:ext>
+              </a:extLst>
+            </p:cNvPr>
+            <p:cNvSpPr txBox="1"/>
+            <p:nvPr/>
+          </p:nvSpPr>
+          <p:spPr>
+            <a:xfrm rot="10800000">
+              <a:off x="5589609" y="4292636"/>
+              <a:ext cx="203200" cy="307777"/>
+            </a:xfrm>
+            <a:prstGeom prst="rect">
+              <a:avLst/>
+            </a:prstGeom>
+            <a:noFill/>
+            <a:ln>
+              <a:noFill/>
+            </a:ln>
+          </p:spPr>
+          <p:txBody>
+            <a:bodyPr wrap="square" rtlCol="0">
+              <a:spAutoFit/>
+            </a:bodyPr>
+            <a:lstStyle/>
+            <a:p>
+              <a:r>
+                <a:rPr lang="nb-NO" sz="1400" dirty="0"/>
+                <a:t>U</a:t>
+              </a:r>
+              <a:endParaRPr lang="en-GB" sz="1400" dirty="0"/>
+            </a:p>
+          </p:txBody>
+        </p:sp>
+      </p:grpSp>
+    </p:spTree>
+    <p:extLst>
+      <p:ext uri="{BB962C8B-B14F-4D97-AF65-F5344CB8AC3E}">
+        <p14:creationId xmlns:p14="http://schemas.microsoft.com/office/powerpoint/2010/main" val="2107774029"/>
+      </p:ext>
+    </p:extLst>
+  </p:cSld>
+  <p:clrMapOvr>
+    <a:masterClrMapping/>
+  </p:clrMapOvr>
+</p:sld>
+</file>
+
+<file path=ppt/slides/slide3.xml><?xml version="1.0" encoding="utf-8"?>
+<p:sld xmlns:a="http://schemas.openxmlformats.org/drawingml/2006/main" xmlns:r="http://schemas.openxmlformats.org/officeDocument/2006/relationships" xmlns:p="http://schemas.openxmlformats.org/presentationml/2006/main">
+  <p:cSld>
+    <p:spTree>
+      <p:nvGrpSpPr>
+        <p:cNvPr id="1" name=""/>
+        <p:cNvGrpSpPr/>
+        <p:nvPr/>
+      </p:nvGrpSpPr>
+      <p:grpSpPr>
+        <a:xfrm>
+          <a:off x="0" y="0"/>
+          <a:ext cx="0" cy="0"/>
+          <a:chOff x="0" y="0"/>
+          <a:chExt cx="0" cy="0"/>
+        </a:xfrm>
+      </p:grpSpPr>
+      <p:grpSp>
+        <p:nvGrpSpPr>
+          <p:cNvPr id="69" name="Group 68">
+            <a:extLst>
+              <a:ext uri="{FF2B5EF4-FFF2-40B4-BE49-F238E27FC236}">
+                <a16:creationId xmlns:a16="http://schemas.microsoft.com/office/drawing/2014/main" id="{5D7DD531-E53D-DF90-D812-3D8640BACDE3}"/>
+              </a:ext>
+            </a:extLst>
+          </p:cNvPr>
+          <p:cNvGrpSpPr/>
+          <p:nvPr/>
+        </p:nvGrpSpPr>
+        <p:grpSpPr>
+          <a:xfrm>
+            <a:off x="638536" y="0"/>
+            <a:ext cx="11112307" cy="6857999"/>
+            <a:chOff x="638536" y="0"/>
+            <a:chExt cx="11112307" cy="6857999"/>
+          </a:xfrm>
+        </p:grpSpPr>
+        <p:pic>
+          <p:nvPicPr>
+            <p:cNvPr id="7" name="Picture 6">
+              <a:extLst>
+                <a:ext uri="{FF2B5EF4-FFF2-40B4-BE49-F238E27FC236}">
+                  <a16:creationId xmlns:a16="http://schemas.microsoft.com/office/drawing/2014/main" id="{BB623B25-6A7E-2E1B-FAEC-BA383BC2DD20}"/>
+                </a:ext>
+              </a:extLst>
+            </p:cNvPr>
+            <p:cNvPicPr>
+              <a:picLocks noChangeAspect="1"/>
+            </p:cNvPicPr>
+            <p:nvPr/>
+          </p:nvPicPr>
+          <p:blipFill>
+            <a:blip r:embed="rId2"/>
+            <a:srcRect l="38222" t="14443" r="21832" b="32369"/>
+            <a:stretch/>
+          </p:blipFill>
+          <p:spPr>
+            <a:xfrm>
+              <a:off x="638536" y="0"/>
+              <a:ext cx="10914927" cy="6857999"/>
+            </a:xfrm>
+            <a:prstGeom prst="rect">
+              <a:avLst/>
+            </a:prstGeom>
+          </p:spPr>
+        </p:pic>
+        <p:grpSp>
+          <p:nvGrpSpPr>
+            <p:cNvPr id="9" name="Group 8">
+              <a:extLst>
+                <a:ext uri="{FF2B5EF4-FFF2-40B4-BE49-F238E27FC236}">
+                  <a16:creationId xmlns:a16="http://schemas.microsoft.com/office/drawing/2014/main" id="{F1643901-9666-0898-BEA1-E1FF8FA862F9}"/>
+                </a:ext>
+              </a:extLst>
+            </p:cNvPr>
+            <p:cNvGrpSpPr/>
+            <p:nvPr/>
+          </p:nvGrpSpPr>
+          <p:grpSpPr>
+            <a:xfrm>
+              <a:off x="795561" y="1771518"/>
+              <a:ext cx="10600878" cy="4622629"/>
+              <a:chOff x="997231" y="1801470"/>
+              <a:chExt cx="10600878" cy="4622629"/>
+            </a:xfrm>
+          </p:grpSpPr>
+          <p:grpSp>
+            <p:nvGrpSpPr>
+              <p:cNvPr id="10" name="Group 9">
+                <a:extLst>
+                  <a:ext uri="{FF2B5EF4-FFF2-40B4-BE49-F238E27FC236}">
+                    <a16:creationId xmlns:a16="http://schemas.microsoft.com/office/drawing/2014/main" id="{9CF27DD1-5E41-A22C-1342-9AA9EE8C0434}"/>
+                  </a:ext>
+                </a:extLst>
+              </p:cNvPr>
+              <p:cNvGrpSpPr/>
+              <p:nvPr/>
+            </p:nvGrpSpPr>
+            <p:grpSpPr>
+              <a:xfrm>
+                <a:off x="10055225" y="3291941"/>
+                <a:ext cx="360000" cy="827894"/>
+                <a:chOff x="10055225" y="3291941"/>
+                <a:chExt cx="360000" cy="827894"/>
+              </a:xfrm>
+            </p:grpSpPr>
+            <p:cxnSp>
+              <p:nvCxnSpPr>
+                <p:cNvPr id="29" name="Straight Arrow Connector 28">
+                  <a:extLst>
+                    <a:ext uri="{FF2B5EF4-FFF2-40B4-BE49-F238E27FC236}">
+                      <a16:creationId xmlns:a16="http://schemas.microsoft.com/office/drawing/2014/main" id="{854AE735-6611-D000-8DC1-762197DB7D4D}"/>
+                    </a:ext>
+                  </a:extLst>
+                </p:cNvPr>
+                <p:cNvCxnSpPr>
+                  <a:cxnSpLocks/>
+                  <a:stCxn id="30" idx="0"/>
+                </p:cNvCxnSpPr>
+                <p:nvPr/>
+              </p:nvCxnSpPr>
+              <p:spPr>
+                <a:xfrm flipV="1">
+                  <a:off x="10235225" y="3291941"/>
+                  <a:ext cx="0" cy="467894"/>
+                </a:xfrm>
+                <a:prstGeom prst="straightConnector1">
+                  <a:avLst/>
+                </a:prstGeom>
+                <a:ln w="19050">
+                  <a:tailEnd type="triangle"/>
+                </a:ln>
+              </p:spPr>
+              <p:style>
+                <a:lnRef idx="2">
+                  <a:schemeClr val="accent1"/>
+                </a:lnRef>
+                <a:fillRef idx="0">
+                  <a:schemeClr val="accent1"/>
+                </a:fillRef>
+                <a:effectRef idx="1">
+                  <a:schemeClr val="accent1"/>
+                </a:effectRef>
+                <a:fontRef idx="minor">
+                  <a:schemeClr val="tx1"/>
+                </a:fontRef>
+              </p:style>
+            </p:cxnSp>
+            <p:sp>
+              <p:nvSpPr>
+                <p:cNvPr id="30" name="Oval 29">
+                  <a:extLst>
+                    <a:ext uri="{FF2B5EF4-FFF2-40B4-BE49-F238E27FC236}">
+                      <a16:creationId xmlns:a16="http://schemas.microsoft.com/office/drawing/2014/main" id="{0CE97570-BC43-EFF6-70E9-F8BAC53AA211}"/>
+                    </a:ext>
+                  </a:extLst>
+                </p:cNvPr>
+                <p:cNvSpPr/>
+                <p:nvPr/>
+              </p:nvSpPr>
+              <p:spPr>
+                <a:xfrm>
+                  <a:off x="10055225" y="3759835"/>
+                  <a:ext cx="360000" cy="360000"/>
+                </a:xfrm>
+                <a:prstGeom prst="ellipse">
+                  <a:avLst/>
+                </a:prstGeom>
+                <a:noFill/>
+                <a:ln w="19050" cap="flat" cmpd="sng" algn="ctr">
+                  <a:solidFill>
+                    <a:schemeClr val="accent1"/>
+                  </a:solidFill>
+                  <a:prstDash val="solid"/>
+                  <a:round/>
+                  <a:headEnd type="none" w="med" len="med"/>
+                  <a:tailEnd type="none" w="med" len="med"/>
+                </a:ln>
+              </p:spPr>
+              <p:style>
+                <a:lnRef idx="0">
+                  <a:scrgbClr r="0" g="0" b="0"/>
+                </a:lnRef>
+                <a:fillRef idx="0">
+                  <a:scrgbClr r="0" g="0" b="0"/>
+                </a:fillRef>
+                <a:effectRef idx="0">
+                  <a:scrgbClr r="0" g="0" b="0"/>
+                </a:effectRef>
+                <a:fontRef idx="minor">
+                  <a:schemeClr val="accent1"/>
+                </a:fontRef>
+              </p:style>
+              <p:txBody>
+                <a:bodyPr rtlCol="0" anchor="ctr"/>
+                <a:lstStyle/>
+                <a:p>
+                  <a:pPr algn="ctr"/>
+                  <a:r>
+                    <a:rPr lang="nb-NO" dirty="0"/>
+                    <a:t>2</a:t>
+                  </a:r>
+                  <a:endParaRPr lang="en-GB" dirty="0"/>
+                </a:p>
+              </p:txBody>
+            </p:sp>
+          </p:grpSp>
+          <p:grpSp>
+            <p:nvGrpSpPr>
+              <p:cNvPr id="11" name="Group 10">
+                <a:extLst>
+                  <a:ext uri="{FF2B5EF4-FFF2-40B4-BE49-F238E27FC236}">
+                    <a16:creationId xmlns:a16="http://schemas.microsoft.com/office/drawing/2014/main" id="{F33FFB0C-8F80-1F24-728A-8908E0765220}"/>
+                  </a:ext>
+                </a:extLst>
+              </p:cNvPr>
+              <p:cNvGrpSpPr/>
+              <p:nvPr/>
+            </p:nvGrpSpPr>
+            <p:grpSpPr>
+              <a:xfrm>
+                <a:off x="7600536" y="1801470"/>
+                <a:ext cx="855118" cy="360000"/>
+                <a:chOff x="9543337" y="1327014"/>
+                <a:chExt cx="855118" cy="360000"/>
+              </a:xfrm>
+            </p:grpSpPr>
+            <p:cxnSp>
+              <p:nvCxnSpPr>
+                <p:cNvPr id="27" name="Straight Arrow Connector 26">
+                  <a:extLst>
+                    <a:ext uri="{FF2B5EF4-FFF2-40B4-BE49-F238E27FC236}">
+                      <a16:creationId xmlns:a16="http://schemas.microsoft.com/office/drawing/2014/main" id="{02DE9AA2-96C9-0F15-9B2C-7C0556015D29}"/>
+                    </a:ext>
+                  </a:extLst>
+                </p:cNvPr>
+                <p:cNvCxnSpPr/>
+                <p:nvPr/>
+              </p:nvCxnSpPr>
+              <p:spPr>
+                <a:xfrm flipV="1">
+                  <a:off x="9909108" y="1507014"/>
+                  <a:ext cx="489347" cy="229"/>
+                </a:xfrm>
+                <a:prstGeom prst="straightConnector1">
+                  <a:avLst/>
+                </a:prstGeom>
+                <a:ln w="19050">
+                  <a:tailEnd type="triangle"/>
+                </a:ln>
+              </p:spPr>
+              <p:style>
+                <a:lnRef idx="2">
+                  <a:schemeClr val="accent1"/>
+                </a:lnRef>
+                <a:fillRef idx="0">
+                  <a:schemeClr val="accent1"/>
+                </a:fillRef>
+                <a:effectRef idx="1">
+                  <a:schemeClr val="accent1"/>
+                </a:effectRef>
+                <a:fontRef idx="minor">
+                  <a:schemeClr val="tx1"/>
+                </a:fontRef>
+              </p:style>
+            </p:cxnSp>
+            <p:sp>
+              <p:nvSpPr>
+                <p:cNvPr id="28" name="Oval 27">
+                  <a:extLst>
+                    <a:ext uri="{FF2B5EF4-FFF2-40B4-BE49-F238E27FC236}">
+                      <a16:creationId xmlns:a16="http://schemas.microsoft.com/office/drawing/2014/main" id="{BFFD49F6-FEB7-B94B-4A7E-FE4B8199E174}"/>
+                    </a:ext>
+                  </a:extLst>
+                </p:cNvPr>
+                <p:cNvSpPr/>
+                <p:nvPr/>
+              </p:nvSpPr>
+              <p:spPr>
+                <a:xfrm>
+                  <a:off x="9543337" y="1327014"/>
+                  <a:ext cx="360000" cy="360000"/>
+                </a:xfrm>
+                <a:prstGeom prst="ellipse">
+                  <a:avLst/>
+                </a:prstGeom>
+                <a:noFill/>
+                <a:ln w="19050" cap="flat" cmpd="sng" algn="ctr">
+                  <a:solidFill>
+                    <a:schemeClr val="accent1"/>
+                  </a:solidFill>
+                  <a:prstDash val="solid"/>
+                  <a:round/>
+                  <a:headEnd type="none" w="med" len="med"/>
+                  <a:tailEnd type="none" w="med" len="med"/>
+                </a:ln>
+              </p:spPr>
+              <p:style>
+                <a:lnRef idx="0">
+                  <a:scrgbClr r="0" g="0" b="0"/>
+                </a:lnRef>
+                <a:fillRef idx="0">
+                  <a:scrgbClr r="0" g="0" b="0"/>
+                </a:fillRef>
+                <a:effectRef idx="0">
+                  <a:scrgbClr r="0" g="0" b="0"/>
+                </a:effectRef>
+                <a:fontRef idx="minor">
+                  <a:schemeClr val="accent1"/>
+                </a:fontRef>
+              </p:style>
+              <p:txBody>
+                <a:bodyPr rtlCol="0" anchor="ctr"/>
+                <a:lstStyle/>
+                <a:p>
+                  <a:pPr algn="ctr"/>
+                  <a:r>
+                    <a:rPr lang="nb-NO" dirty="0"/>
+                    <a:t>3</a:t>
+                  </a:r>
+                  <a:endParaRPr lang="en-GB" dirty="0"/>
+                </a:p>
+              </p:txBody>
+            </p:sp>
+          </p:grpSp>
+          <p:grpSp>
+            <p:nvGrpSpPr>
+              <p:cNvPr id="12" name="Group 11">
+                <a:extLst>
+                  <a:ext uri="{FF2B5EF4-FFF2-40B4-BE49-F238E27FC236}">
+                    <a16:creationId xmlns:a16="http://schemas.microsoft.com/office/drawing/2014/main" id="{3506B7FC-16D6-0A24-C96B-D79A9962ED89}"/>
+                  </a:ext>
+                </a:extLst>
+              </p:cNvPr>
+              <p:cNvGrpSpPr/>
+              <p:nvPr/>
+            </p:nvGrpSpPr>
+            <p:grpSpPr>
+              <a:xfrm>
+                <a:off x="11238109" y="3555472"/>
+                <a:ext cx="360000" cy="644716"/>
+                <a:chOff x="10626600" y="4236356"/>
+                <a:chExt cx="360000" cy="644716"/>
+              </a:xfrm>
+            </p:grpSpPr>
+            <p:cxnSp>
+              <p:nvCxnSpPr>
+                <p:cNvPr id="25" name="Straight Arrow Connector 24">
+                  <a:extLst>
+                    <a:ext uri="{FF2B5EF4-FFF2-40B4-BE49-F238E27FC236}">
+                      <a16:creationId xmlns:a16="http://schemas.microsoft.com/office/drawing/2014/main" id="{AC1A3CCF-5BA1-4029-B315-7F32C0399DDD}"/>
+                    </a:ext>
+                  </a:extLst>
+                </p:cNvPr>
+                <p:cNvCxnSpPr>
+                  <a:stCxn id="26" idx="0"/>
+                </p:cNvCxnSpPr>
+                <p:nvPr/>
+              </p:nvCxnSpPr>
+              <p:spPr>
+                <a:xfrm flipH="1" flipV="1">
+                  <a:off x="10799834" y="4236356"/>
+                  <a:ext cx="6766" cy="284716"/>
+                </a:xfrm>
+                <a:prstGeom prst="straightConnector1">
+                  <a:avLst/>
+                </a:prstGeom>
+                <a:ln w="19050">
+                  <a:tailEnd type="triangle"/>
+                </a:ln>
+              </p:spPr>
+              <p:style>
+                <a:lnRef idx="2">
+                  <a:schemeClr val="accent1"/>
+                </a:lnRef>
+                <a:fillRef idx="0">
+                  <a:schemeClr val="accent1"/>
+                </a:fillRef>
+                <a:effectRef idx="1">
+                  <a:schemeClr val="accent1"/>
+                </a:effectRef>
+                <a:fontRef idx="minor">
+                  <a:schemeClr val="tx1"/>
+                </a:fontRef>
+              </p:style>
+            </p:cxnSp>
+            <p:sp>
+              <p:nvSpPr>
+                <p:cNvPr id="26" name="Oval 25">
+                  <a:extLst>
+                    <a:ext uri="{FF2B5EF4-FFF2-40B4-BE49-F238E27FC236}">
+                      <a16:creationId xmlns:a16="http://schemas.microsoft.com/office/drawing/2014/main" id="{C5228D45-DE1F-B4E3-8EA3-DB10D55E604F}"/>
+                    </a:ext>
+                  </a:extLst>
+                </p:cNvPr>
+                <p:cNvSpPr/>
+                <p:nvPr/>
+              </p:nvSpPr>
+              <p:spPr>
+                <a:xfrm>
+                  <a:off x="10626600" y="4521072"/>
+                  <a:ext cx="360000" cy="360000"/>
+                </a:xfrm>
+                <a:prstGeom prst="ellipse">
+                  <a:avLst/>
+                </a:prstGeom>
+                <a:noFill/>
+                <a:ln w="19050" cap="flat" cmpd="sng" algn="ctr">
+                  <a:solidFill>
+                    <a:schemeClr val="accent1"/>
+                  </a:solidFill>
+                  <a:prstDash val="solid"/>
+                  <a:round/>
+                  <a:headEnd type="none" w="med" len="med"/>
+                  <a:tailEnd type="none" w="med" len="med"/>
+                </a:ln>
+              </p:spPr>
+              <p:style>
+                <a:lnRef idx="0">
+                  <a:scrgbClr r="0" g="0" b="0"/>
+                </a:lnRef>
+                <a:fillRef idx="0">
+                  <a:scrgbClr r="0" g="0" b="0"/>
+                </a:fillRef>
+                <a:effectRef idx="0">
+                  <a:scrgbClr r="0" g="0" b="0"/>
+                </a:effectRef>
+                <a:fontRef idx="minor">
+                  <a:schemeClr val="accent1"/>
+                </a:fontRef>
+              </p:style>
+              <p:txBody>
+                <a:bodyPr rtlCol="0" anchor="ctr"/>
+                <a:lstStyle/>
+                <a:p>
+                  <a:pPr algn="ctr"/>
+                  <a:r>
+                    <a:rPr lang="nb-NO" dirty="0"/>
+                    <a:t>1</a:t>
+                  </a:r>
+                  <a:endParaRPr lang="en-GB" dirty="0"/>
+                </a:p>
+              </p:txBody>
+            </p:sp>
+          </p:grpSp>
+          <p:grpSp>
+            <p:nvGrpSpPr>
+              <p:cNvPr id="13" name="Group 12">
+                <a:extLst>
+                  <a:ext uri="{FF2B5EF4-FFF2-40B4-BE49-F238E27FC236}">
+                    <a16:creationId xmlns:a16="http://schemas.microsoft.com/office/drawing/2014/main" id="{5D941E1F-0C87-045D-7075-C12BD05AFB40}"/>
+                  </a:ext>
+                </a:extLst>
+              </p:cNvPr>
+              <p:cNvGrpSpPr/>
+              <p:nvPr/>
+            </p:nvGrpSpPr>
+            <p:grpSpPr>
+              <a:xfrm>
+                <a:off x="8075670" y="3840188"/>
+                <a:ext cx="667096" cy="636289"/>
+                <a:chOff x="11090919" y="3114611"/>
+                <a:chExt cx="667096" cy="636289"/>
+              </a:xfrm>
+            </p:grpSpPr>
+            <p:cxnSp>
+              <p:nvCxnSpPr>
+                <p:cNvPr id="23" name="Straight Arrow Connector 22">
+                  <a:extLst>
+                    <a:ext uri="{FF2B5EF4-FFF2-40B4-BE49-F238E27FC236}">
+                      <a16:creationId xmlns:a16="http://schemas.microsoft.com/office/drawing/2014/main" id="{64C9B9FC-6184-1861-DA73-C713BEFAB4E8}"/>
+                    </a:ext>
+                  </a:extLst>
+                </p:cNvPr>
+                <p:cNvCxnSpPr>
+                  <a:stCxn id="24" idx="1"/>
+                </p:cNvCxnSpPr>
+                <p:nvPr/>
+              </p:nvCxnSpPr>
+              <p:spPr>
+                <a:xfrm flipH="1" flipV="1">
+                  <a:off x="11090919" y="3114611"/>
+                  <a:ext cx="359817" cy="329010"/>
+                </a:xfrm>
+                <a:prstGeom prst="straightConnector1">
+                  <a:avLst/>
+                </a:prstGeom>
+                <a:ln w="19050">
+                  <a:tailEnd type="triangle"/>
+                </a:ln>
+              </p:spPr>
+              <p:style>
+                <a:lnRef idx="2">
+                  <a:schemeClr val="accent1"/>
+                </a:lnRef>
+                <a:fillRef idx="0">
+                  <a:schemeClr val="accent1"/>
+                </a:fillRef>
+                <a:effectRef idx="1">
+                  <a:schemeClr val="accent1"/>
+                </a:effectRef>
+                <a:fontRef idx="minor">
+                  <a:schemeClr val="tx1"/>
+                </a:fontRef>
+              </p:style>
+            </p:cxnSp>
+            <p:sp>
+              <p:nvSpPr>
+                <p:cNvPr id="24" name="Oval 23">
+                  <a:extLst>
+                    <a:ext uri="{FF2B5EF4-FFF2-40B4-BE49-F238E27FC236}">
+                      <a16:creationId xmlns:a16="http://schemas.microsoft.com/office/drawing/2014/main" id="{85EF38DD-86AC-B252-B7CC-6DF4715E918D}"/>
+                    </a:ext>
+                  </a:extLst>
+                </p:cNvPr>
+                <p:cNvSpPr/>
+                <p:nvPr/>
+              </p:nvSpPr>
+              <p:spPr>
+                <a:xfrm>
+                  <a:off x="11398015" y="3390900"/>
+                  <a:ext cx="360000" cy="360000"/>
+                </a:xfrm>
+                <a:prstGeom prst="ellipse">
+                  <a:avLst/>
+                </a:prstGeom>
+                <a:noFill/>
+                <a:ln w="19050" cap="flat" cmpd="sng" algn="ctr">
+                  <a:solidFill>
+                    <a:schemeClr val="accent1"/>
+                  </a:solidFill>
+                  <a:prstDash val="solid"/>
+                  <a:round/>
+                  <a:headEnd type="none" w="med" len="med"/>
+                  <a:tailEnd type="none" w="med" len="med"/>
+                </a:ln>
+              </p:spPr>
+              <p:style>
+                <a:lnRef idx="0">
+                  <a:scrgbClr r="0" g="0" b="0"/>
+                </a:lnRef>
+                <a:fillRef idx="0">
+                  <a:scrgbClr r="0" g="0" b="0"/>
+                </a:fillRef>
+                <a:effectRef idx="0">
+                  <a:scrgbClr r="0" g="0" b="0"/>
+                </a:effectRef>
+                <a:fontRef idx="minor">
+                  <a:schemeClr val="accent1"/>
+                </a:fontRef>
+              </p:style>
+              <p:txBody>
+                <a:bodyPr rtlCol="0" anchor="ctr"/>
+                <a:lstStyle/>
+                <a:p>
+                  <a:pPr algn="ctr"/>
+                  <a:r>
+                    <a:rPr lang="nb-NO" dirty="0"/>
+                    <a:t>4</a:t>
+                  </a:r>
+                  <a:endParaRPr lang="en-GB" dirty="0"/>
+                </a:p>
+              </p:txBody>
+            </p:sp>
+          </p:grpSp>
+          <p:grpSp>
+            <p:nvGrpSpPr>
+              <p:cNvPr id="14" name="Group 13">
+                <a:extLst>
+                  <a:ext uri="{FF2B5EF4-FFF2-40B4-BE49-F238E27FC236}">
+                    <a16:creationId xmlns:a16="http://schemas.microsoft.com/office/drawing/2014/main" id="{2E1CB1C8-51EB-0619-0628-E3AD23566B90}"/>
+                  </a:ext>
+                </a:extLst>
+              </p:cNvPr>
+              <p:cNvGrpSpPr/>
+              <p:nvPr/>
+            </p:nvGrpSpPr>
+            <p:grpSpPr>
+              <a:xfrm>
+                <a:off x="5870351" y="6064099"/>
+                <a:ext cx="688859" cy="360000"/>
+                <a:chOff x="13294115" y="4148455"/>
+                <a:chExt cx="688859" cy="360000"/>
+              </a:xfrm>
+            </p:grpSpPr>
+            <p:cxnSp>
+              <p:nvCxnSpPr>
+                <p:cNvPr id="21" name="Straight Arrow Connector 20">
+                  <a:extLst>
+                    <a:ext uri="{FF2B5EF4-FFF2-40B4-BE49-F238E27FC236}">
+                      <a16:creationId xmlns:a16="http://schemas.microsoft.com/office/drawing/2014/main" id="{A94BA312-3D65-2AEE-42DC-0DBCA53D72CC}"/>
+                    </a:ext>
+                  </a:extLst>
+                </p:cNvPr>
+                <p:cNvCxnSpPr/>
+                <p:nvPr/>
+              </p:nvCxnSpPr>
+              <p:spPr>
+                <a:xfrm flipH="1" flipV="1">
+                  <a:off x="13294115" y="4149385"/>
+                  <a:ext cx="331470" cy="115812"/>
+                </a:xfrm>
+                <a:prstGeom prst="straightConnector1">
+                  <a:avLst/>
+                </a:prstGeom>
+                <a:ln w="19050">
+                  <a:tailEnd type="triangle"/>
+                </a:ln>
+              </p:spPr>
+              <p:style>
+                <a:lnRef idx="2">
+                  <a:schemeClr val="accent1"/>
+                </a:lnRef>
+                <a:fillRef idx="0">
+                  <a:schemeClr val="accent1"/>
+                </a:fillRef>
+                <a:effectRef idx="1">
+                  <a:schemeClr val="accent1"/>
+                </a:effectRef>
+                <a:fontRef idx="minor">
+                  <a:schemeClr val="tx1"/>
+                </a:fontRef>
+              </p:style>
+            </p:cxnSp>
+            <p:sp>
+              <p:nvSpPr>
+                <p:cNvPr id="22" name="Oval 21">
+                  <a:extLst>
+                    <a:ext uri="{FF2B5EF4-FFF2-40B4-BE49-F238E27FC236}">
+                      <a16:creationId xmlns:a16="http://schemas.microsoft.com/office/drawing/2014/main" id="{35498B3B-5D1B-DE54-76E4-B5BD075492C6}"/>
+                    </a:ext>
+                  </a:extLst>
+                </p:cNvPr>
+                <p:cNvSpPr/>
+                <p:nvPr/>
+              </p:nvSpPr>
+              <p:spPr>
+                <a:xfrm>
+                  <a:off x="13622974" y="4148455"/>
+                  <a:ext cx="360000" cy="360000"/>
+                </a:xfrm>
+                <a:prstGeom prst="ellipse">
+                  <a:avLst/>
+                </a:prstGeom>
+                <a:noFill/>
+                <a:ln w="19050" cap="flat" cmpd="sng" algn="ctr">
+                  <a:solidFill>
+                    <a:schemeClr val="accent1"/>
+                  </a:solidFill>
+                  <a:prstDash val="solid"/>
+                  <a:round/>
+                  <a:headEnd type="none" w="med" len="med"/>
+                  <a:tailEnd type="none" w="med" len="med"/>
+                </a:ln>
+              </p:spPr>
+              <p:style>
+                <a:lnRef idx="0">
+                  <a:scrgbClr r="0" g="0" b="0"/>
+                </a:lnRef>
+                <a:fillRef idx="0">
+                  <a:scrgbClr r="0" g="0" b="0"/>
+                </a:fillRef>
+                <a:effectRef idx="0">
+                  <a:scrgbClr r="0" g="0" b="0"/>
+                </a:effectRef>
+                <a:fontRef idx="minor">
+                  <a:schemeClr val="accent1"/>
+                </a:fontRef>
+              </p:style>
+              <p:txBody>
+                <a:bodyPr rtlCol="0" anchor="ctr"/>
+                <a:lstStyle/>
+                <a:p>
+                  <a:pPr algn="ctr"/>
+                  <a:r>
+                    <a:rPr lang="nb-NO" dirty="0"/>
+                    <a:t>6</a:t>
+                  </a:r>
+                  <a:endParaRPr lang="en-GB" dirty="0"/>
+                </a:p>
+              </p:txBody>
+            </p:sp>
+          </p:grpSp>
+          <p:grpSp>
+            <p:nvGrpSpPr>
+              <p:cNvPr id="15" name="Group 14">
+                <a:extLst>
+                  <a:ext uri="{FF2B5EF4-FFF2-40B4-BE49-F238E27FC236}">
+                    <a16:creationId xmlns:a16="http://schemas.microsoft.com/office/drawing/2014/main" id="{F1096292-3CEF-2AE4-3B69-2D1E17472C76}"/>
+                  </a:ext>
+                </a:extLst>
+              </p:cNvPr>
+              <p:cNvGrpSpPr/>
+              <p:nvPr/>
+            </p:nvGrpSpPr>
+            <p:grpSpPr>
+              <a:xfrm>
+                <a:off x="3058861" y="3946571"/>
+                <a:ext cx="360000" cy="709906"/>
+                <a:chOff x="11230397" y="3054268"/>
+                <a:chExt cx="360000" cy="709906"/>
+              </a:xfrm>
+            </p:grpSpPr>
+            <p:cxnSp>
+              <p:nvCxnSpPr>
+                <p:cNvPr id="19" name="Straight Arrow Connector 18">
+                  <a:extLst>
+                    <a:ext uri="{FF2B5EF4-FFF2-40B4-BE49-F238E27FC236}">
+                      <a16:creationId xmlns:a16="http://schemas.microsoft.com/office/drawing/2014/main" id="{1C9DFE49-44F2-0013-5B1F-F3D71931093E}"/>
+                    </a:ext>
+                  </a:extLst>
+                </p:cNvPr>
+                <p:cNvCxnSpPr>
+                  <a:stCxn id="20" idx="0"/>
+                </p:cNvCxnSpPr>
+                <p:nvPr/>
+              </p:nvCxnSpPr>
+              <p:spPr>
+                <a:xfrm flipV="1">
+                  <a:off x="11410397" y="3054268"/>
+                  <a:ext cx="0" cy="349906"/>
+                </a:xfrm>
+                <a:prstGeom prst="straightConnector1">
+                  <a:avLst/>
+                </a:prstGeom>
+                <a:ln w="19050">
+                  <a:tailEnd type="triangle"/>
+                </a:ln>
+              </p:spPr>
+              <p:style>
+                <a:lnRef idx="2">
+                  <a:schemeClr val="accent1"/>
+                </a:lnRef>
+                <a:fillRef idx="0">
+                  <a:schemeClr val="accent1"/>
+                </a:fillRef>
+                <a:effectRef idx="1">
+                  <a:schemeClr val="accent1"/>
+                </a:effectRef>
+                <a:fontRef idx="minor">
+                  <a:schemeClr val="tx1"/>
+                </a:fontRef>
+              </p:style>
+            </p:cxnSp>
+            <p:sp>
+              <p:nvSpPr>
+                <p:cNvPr id="20" name="Oval 19">
+                  <a:extLst>
+                    <a:ext uri="{FF2B5EF4-FFF2-40B4-BE49-F238E27FC236}">
+                      <a16:creationId xmlns:a16="http://schemas.microsoft.com/office/drawing/2014/main" id="{A3091CAC-C1F6-D3F9-FC25-BB1A37B87470}"/>
+                    </a:ext>
+                  </a:extLst>
+                </p:cNvPr>
+                <p:cNvSpPr/>
+                <p:nvPr/>
+              </p:nvSpPr>
+              <p:spPr>
+                <a:xfrm>
+                  <a:off x="11230397" y="3404174"/>
+                  <a:ext cx="360000" cy="360000"/>
+                </a:xfrm>
+                <a:prstGeom prst="ellipse">
+                  <a:avLst/>
+                </a:prstGeom>
+                <a:noFill/>
+                <a:ln w="19050" cap="flat" cmpd="sng" algn="ctr">
+                  <a:solidFill>
+                    <a:schemeClr val="accent1"/>
+                  </a:solidFill>
+                  <a:prstDash val="solid"/>
+                  <a:round/>
+                  <a:headEnd type="none" w="med" len="med"/>
+                  <a:tailEnd type="none" w="med" len="med"/>
+                </a:ln>
+              </p:spPr>
+              <p:style>
+                <a:lnRef idx="0">
+                  <a:scrgbClr r="0" g="0" b="0"/>
+                </a:lnRef>
+                <a:fillRef idx="0">
+                  <a:scrgbClr r="0" g="0" b="0"/>
+                </a:fillRef>
+                <a:effectRef idx="0">
+                  <a:scrgbClr r="0" g="0" b="0"/>
+                </a:effectRef>
+                <a:fontRef idx="minor">
+                  <a:schemeClr val="accent1"/>
+                </a:fontRef>
+              </p:style>
+              <p:txBody>
+                <a:bodyPr rtlCol="0" anchor="ctr"/>
+                <a:lstStyle/>
+                <a:p>
+                  <a:pPr algn="ctr"/>
+                  <a:r>
+                    <a:rPr lang="nb-NO" dirty="0"/>
+                    <a:t>7</a:t>
+                  </a:r>
+                  <a:endParaRPr lang="en-GB" dirty="0"/>
+                </a:p>
+              </p:txBody>
+            </p:sp>
+          </p:grpSp>
+          <p:grpSp>
+            <p:nvGrpSpPr>
+              <p:cNvPr id="16" name="Group 15">
+                <a:extLst>
+                  <a:ext uri="{FF2B5EF4-FFF2-40B4-BE49-F238E27FC236}">
+                    <a16:creationId xmlns:a16="http://schemas.microsoft.com/office/drawing/2014/main" id="{9E99263A-962F-399F-1A2A-9A4B1C9C1A1D}"/>
+                  </a:ext>
+                </a:extLst>
+              </p:cNvPr>
+              <p:cNvGrpSpPr/>
+              <p:nvPr/>
+            </p:nvGrpSpPr>
+            <p:grpSpPr>
+              <a:xfrm>
+                <a:off x="997231" y="3555035"/>
+                <a:ext cx="360000" cy="645153"/>
+                <a:chOff x="11058652" y="4197357"/>
+                <a:chExt cx="360000" cy="645153"/>
+              </a:xfrm>
+            </p:grpSpPr>
+            <p:cxnSp>
+              <p:nvCxnSpPr>
+                <p:cNvPr id="17" name="Straight Arrow Connector 16">
+                  <a:extLst>
+                    <a:ext uri="{FF2B5EF4-FFF2-40B4-BE49-F238E27FC236}">
+                      <a16:creationId xmlns:a16="http://schemas.microsoft.com/office/drawing/2014/main" id="{9C5AB1E2-8BC5-4CAD-8D84-A15C8BA4DDAE}"/>
+                    </a:ext>
+                  </a:extLst>
+                </p:cNvPr>
+                <p:cNvCxnSpPr/>
+                <p:nvPr/>
+              </p:nvCxnSpPr>
+              <p:spPr>
+                <a:xfrm flipV="1">
+                  <a:off x="11238652" y="4197357"/>
+                  <a:ext cx="0" cy="285153"/>
+                </a:xfrm>
+                <a:prstGeom prst="straightConnector1">
+                  <a:avLst/>
+                </a:prstGeom>
+                <a:ln w="19050">
+                  <a:tailEnd type="triangle"/>
+                </a:ln>
+              </p:spPr>
+              <p:style>
+                <a:lnRef idx="2">
+                  <a:schemeClr val="accent1"/>
+                </a:lnRef>
+                <a:fillRef idx="0">
+                  <a:schemeClr val="accent1"/>
+                </a:fillRef>
+                <a:effectRef idx="1">
+                  <a:schemeClr val="accent1"/>
+                </a:effectRef>
+                <a:fontRef idx="minor">
+                  <a:schemeClr val="tx1"/>
+                </a:fontRef>
+              </p:style>
+            </p:cxnSp>
+            <p:sp>
+              <p:nvSpPr>
+                <p:cNvPr id="18" name="Oval 17">
+                  <a:extLst>
+                    <a:ext uri="{FF2B5EF4-FFF2-40B4-BE49-F238E27FC236}">
+                      <a16:creationId xmlns:a16="http://schemas.microsoft.com/office/drawing/2014/main" id="{AC476E91-519A-3E01-0DA9-B4E2D4FDF078}"/>
+                    </a:ext>
+                  </a:extLst>
+                </p:cNvPr>
+                <p:cNvSpPr/>
+                <p:nvPr/>
+              </p:nvSpPr>
+              <p:spPr>
+                <a:xfrm>
+                  <a:off x="11058652" y="4482510"/>
+                  <a:ext cx="360000" cy="360000"/>
+                </a:xfrm>
+                <a:prstGeom prst="ellipse">
+                  <a:avLst/>
+                </a:prstGeom>
+                <a:noFill/>
+                <a:ln w="19050" cap="flat" cmpd="sng" algn="ctr">
+                  <a:solidFill>
+                    <a:schemeClr val="accent1"/>
+                  </a:solidFill>
+                  <a:prstDash val="solid"/>
+                  <a:round/>
+                  <a:headEnd type="none" w="med" len="med"/>
+                  <a:tailEnd type="none" w="med" len="med"/>
+                </a:ln>
+              </p:spPr>
+              <p:style>
+                <a:lnRef idx="0">
+                  <a:scrgbClr r="0" g="0" b="0"/>
+                </a:lnRef>
+                <a:fillRef idx="0">
+                  <a:scrgbClr r="0" g="0" b="0"/>
+                </a:fillRef>
+                <a:effectRef idx="0">
+                  <a:scrgbClr r="0" g="0" b="0"/>
+                </a:effectRef>
+                <a:fontRef idx="minor">
+                  <a:schemeClr val="accent1"/>
+                </a:fontRef>
+              </p:style>
+              <p:txBody>
+                <a:bodyPr rtlCol="0" anchor="ctr"/>
+                <a:lstStyle/>
+                <a:p>
+                  <a:pPr algn="ctr"/>
+                  <a:r>
+                    <a:rPr lang="nb-NO" dirty="0"/>
+                    <a:t>8</a:t>
+                  </a:r>
+                  <a:endParaRPr lang="en-GB" dirty="0"/>
+                </a:p>
+              </p:txBody>
+            </p:sp>
+          </p:grpSp>
+        </p:grpSp>
+        <p:sp>
+          <p:nvSpPr>
+            <p:cNvPr id="31" name="Rectangle: Rounded Corners 30">
+              <a:extLst>
+                <a:ext uri="{FF2B5EF4-FFF2-40B4-BE49-F238E27FC236}">
+                  <a16:creationId xmlns:a16="http://schemas.microsoft.com/office/drawing/2014/main" id="{0BFED2B6-9D5B-7883-AC4E-4EEF8ABD21B8}"/>
+                </a:ext>
+              </a:extLst>
+            </p:cNvPr>
+            <p:cNvSpPr/>
+            <p:nvPr/>
+          </p:nvSpPr>
+          <p:spPr>
+            <a:xfrm>
+              <a:off x="7812714" y="4545030"/>
+              <a:ext cx="3938129" cy="2249835"/>
+            </a:xfrm>
+            <a:prstGeom prst="roundRect">
+              <a:avLst>
+                <a:gd name="adj" fmla="val 8869"/>
+              </a:avLst>
+            </a:prstGeom>
+            <a:ln w="38100">
+              <a:solidFill>
+                <a:schemeClr val="accent1"/>
+              </a:solidFill>
+            </a:ln>
+          </p:spPr>
+          <p:style>
+            <a:lnRef idx="2">
+              <a:schemeClr val="dk1"/>
+            </a:lnRef>
+            <a:fillRef idx="1">
+              <a:schemeClr val="lt1"/>
+            </a:fillRef>
+            <a:effectRef idx="0">
+              <a:schemeClr val="dk1"/>
+            </a:effectRef>
+            <a:fontRef idx="minor">
+              <a:schemeClr val="dk1"/>
+            </a:fontRef>
+          </p:style>
+          <p:txBody>
+            <a:bodyPr rtlCol="0" anchor="ctr"/>
+            <a:lstStyle/>
+            <a:p>
+              <a:pPr marL="342900" indent="-342900">
+                <a:buClr>
+                  <a:schemeClr val="accent1"/>
+                </a:buClr>
+                <a:buFont typeface="+mj-lt"/>
+                <a:buAutoNum type="arabicPeriod"/>
+              </a:pPr>
+              <a:r>
+                <a:rPr lang="nb-NO" sz="1600" dirty="0"/>
+                <a:t>Jib cylinder</a:t>
+              </a:r>
+            </a:p>
+            <a:p>
+              <a:pPr marL="342900" indent="-342900">
+                <a:buClr>
+                  <a:schemeClr val="accent1"/>
+                </a:buClr>
+                <a:buFont typeface="+mj-lt"/>
+                <a:buAutoNum type="arabicPeriod"/>
+              </a:pPr>
+              <a:r>
+                <a:rPr lang="nb-NO" sz="1600" dirty="0"/>
+                <a:t>Pressure transduser</a:t>
+              </a:r>
+            </a:p>
+            <a:p>
+              <a:pPr marL="342900" indent="-342900">
+                <a:buClr>
+                  <a:schemeClr val="accent1"/>
+                </a:buClr>
+                <a:buFont typeface="+mj-lt"/>
+                <a:buAutoNum type="arabicPeriod"/>
+              </a:pPr>
+              <a:r>
+                <a:rPr lang="nb-NO" sz="1600" dirty="0"/>
+                <a:t>Jib counter balance valve block</a:t>
+              </a:r>
+            </a:p>
+            <a:p>
+              <a:pPr marL="342900" indent="-342900">
+                <a:buClr>
+                  <a:schemeClr val="accent1"/>
+                </a:buClr>
+                <a:buFont typeface="+mj-lt"/>
+                <a:buAutoNum type="arabicPeriod"/>
+              </a:pPr>
+              <a:r>
+                <a:rPr lang="nb-NO" sz="1600" dirty="0"/>
+                <a:t>Hawe directional control valve</a:t>
+              </a:r>
+            </a:p>
+            <a:p>
+              <a:pPr marL="342900" indent="-342900">
+                <a:buClr>
+                  <a:schemeClr val="accent1"/>
+                </a:buClr>
+                <a:buFont typeface="+mj-lt"/>
+                <a:buAutoNum type="arabicPeriod" startAt="5"/>
+              </a:pPr>
+              <a:r>
+                <a:rPr lang="nb-NO" sz="1600" dirty="0"/>
+                <a:t>Hawe directional control valve</a:t>
+              </a:r>
+            </a:p>
+            <a:p>
+              <a:pPr marL="342900" indent="-342900">
+                <a:buClr>
+                  <a:schemeClr val="accent1"/>
+                </a:buClr>
+                <a:buFont typeface="+mj-lt"/>
+                <a:buAutoNum type="arabicPeriod" startAt="5"/>
+              </a:pPr>
+              <a:r>
+                <a:rPr lang="nb-NO" sz="1600" dirty="0"/>
+                <a:t>Pump</a:t>
+              </a:r>
+            </a:p>
+            <a:p>
+              <a:pPr marL="342900" indent="-342900">
+                <a:buClr>
+                  <a:schemeClr val="accent1"/>
+                </a:buClr>
+                <a:buFont typeface="+mj-lt"/>
+                <a:buAutoNum type="arabicPeriod" startAt="5"/>
+              </a:pPr>
+              <a:r>
+                <a:rPr lang="nb-NO" sz="1600" dirty="0"/>
+                <a:t>Main counter balance valve block</a:t>
+              </a:r>
+            </a:p>
+            <a:p>
+              <a:pPr marL="342900" indent="-342900">
+                <a:buClr>
+                  <a:schemeClr val="accent1"/>
+                </a:buClr>
+                <a:buFont typeface="+mj-lt"/>
+                <a:buAutoNum type="arabicPeriod" startAt="5"/>
+              </a:pPr>
+              <a:r>
+                <a:rPr lang="nb-NO" sz="1600" dirty="0"/>
+                <a:t>Main cylinder</a:t>
+              </a:r>
+            </a:p>
+          </p:txBody>
+        </p:sp>
+        <p:grpSp>
+          <p:nvGrpSpPr>
+            <p:cNvPr id="32" name="Group 31">
+              <a:extLst>
+                <a:ext uri="{FF2B5EF4-FFF2-40B4-BE49-F238E27FC236}">
+                  <a16:creationId xmlns:a16="http://schemas.microsoft.com/office/drawing/2014/main" id="{BC0570E8-9818-5E6C-7759-584845E895EC}"/>
+                </a:ext>
+              </a:extLst>
+            </p:cNvPr>
+            <p:cNvGrpSpPr/>
+            <p:nvPr/>
+          </p:nvGrpSpPr>
+          <p:grpSpPr>
+            <a:xfrm>
+              <a:off x="1699946" y="87128"/>
+              <a:ext cx="8553951" cy="4674400"/>
+              <a:chOff x="1699946" y="87128"/>
+              <a:chExt cx="8553951" cy="4674400"/>
+            </a:xfrm>
+          </p:grpSpPr>
+          <p:grpSp>
+            <p:nvGrpSpPr>
+              <p:cNvPr id="33" name="Group 32">
+                <a:extLst>
+                  <a:ext uri="{FF2B5EF4-FFF2-40B4-BE49-F238E27FC236}">
+                    <a16:creationId xmlns:a16="http://schemas.microsoft.com/office/drawing/2014/main" id="{5FF3C7B7-3B6B-51F3-49D3-07C178FE55FF}"/>
+                  </a:ext>
+                </a:extLst>
+              </p:cNvPr>
+              <p:cNvGrpSpPr/>
+              <p:nvPr/>
+            </p:nvGrpSpPr>
+            <p:grpSpPr>
+              <a:xfrm>
+                <a:off x="7793570" y="2793097"/>
+                <a:ext cx="473450" cy="468892"/>
+                <a:chOff x="7793570" y="2793097"/>
+                <a:chExt cx="473450" cy="468892"/>
+              </a:xfrm>
+            </p:grpSpPr>
+            <p:sp>
+              <p:nvSpPr>
+                <p:cNvPr id="62" name="TextBox 61">
+                  <a:extLst>
+                    <a:ext uri="{FF2B5EF4-FFF2-40B4-BE49-F238E27FC236}">
+                      <a16:creationId xmlns:a16="http://schemas.microsoft.com/office/drawing/2014/main" id="{1B6618C1-1051-3516-81F0-B69C73684241}"/>
+                    </a:ext>
+                  </a:extLst>
+                </p:cNvPr>
+                <p:cNvSpPr txBox="1"/>
+                <p:nvPr/>
+              </p:nvSpPr>
+              <p:spPr>
+                <a:xfrm>
+                  <a:off x="7793570" y="2954212"/>
+                  <a:ext cx="203200" cy="307777"/>
+                </a:xfrm>
+                <a:prstGeom prst="rect">
+                  <a:avLst/>
+                </a:prstGeom>
+                <a:noFill/>
+                <a:ln>
+                  <a:noFill/>
+                </a:ln>
+              </p:spPr>
+              <p:txBody>
+                <a:bodyPr wrap="square" rtlCol="0">
+                  <a:spAutoFit/>
+                </a:bodyPr>
+                <a:lstStyle/>
+                <a:p>
+                  <a:r>
+                    <a:rPr lang="nb-NO" sz="1400" dirty="0"/>
+                    <a:t>P</a:t>
+                  </a:r>
+                  <a:endParaRPr lang="en-GB" sz="1400" dirty="0"/>
+                </a:p>
+              </p:txBody>
+            </p:sp>
+            <p:sp>
+              <p:nvSpPr>
+                <p:cNvPr id="63" name="TextBox 62">
+                  <a:extLst>
+                    <a:ext uri="{FF2B5EF4-FFF2-40B4-BE49-F238E27FC236}">
+                      <a16:creationId xmlns:a16="http://schemas.microsoft.com/office/drawing/2014/main" id="{C45E2EEF-8033-71B8-AB6C-0E0500DFCC41}"/>
+                    </a:ext>
+                  </a:extLst>
+                </p:cNvPr>
+                <p:cNvSpPr txBox="1"/>
+                <p:nvPr/>
+              </p:nvSpPr>
+              <p:spPr>
+                <a:xfrm rot="10800000">
+                  <a:off x="8063820" y="2793097"/>
+                  <a:ext cx="203200" cy="307777"/>
+                </a:xfrm>
+                <a:prstGeom prst="rect">
+                  <a:avLst/>
+                </a:prstGeom>
+                <a:noFill/>
+                <a:ln>
+                  <a:noFill/>
+                </a:ln>
+              </p:spPr>
+              <p:txBody>
+                <a:bodyPr wrap="square" rtlCol="0">
+                  <a:spAutoFit/>
+                </a:bodyPr>
+                <a:lstStyle/>
+                <a:p>
+                  <a:r>
+                    <a:rPr lang="nb-NO" sz="1400" dirty="0"/>
+                    <a:t>U</a:t>
+                  </a:r>
+                  <a:endParaRPr lang="en-GB" sz="1400" dirty="0"/>
+                </a:p>
+              </p:txBody>
+            </p:sp>
+            <p:sp>
+              <p:nvSpPr>
+                <p:cNvPr id="64" name="Rectangle 63">
+                  <a:extLst>
+                    <a:ext uri="{FF2B5EF4-FFF2-40B4-BE49-F238E27FC236}">
+                      <a16:creationId xmlns:a16="http://schemas.microsoft.com/office/drawing/2014/main" id="{C42DDC23-AC49-1626-7872-6E1A70E58560}"/>
+                    </a:ext>
+                  </a:extLst>
+                </p:cNvPr>
+                <p:cNvSpPr/>
+                <p:nvPr/>
+              </p:nvSpPr>
+              <p:spPr>
+                <a:xfrm>
+                  <a:off x="7840908" y="2813111"/>
+                  <a:ext cx="378000" cy="378000"/>
+                </a:xfrm>
+                <a:prstGeom prst="rect">
+                  <a:avLst/>
+                </a:prstGeom>
+                <a:noFill/>
+                <a:ln w="3175" cap="flat" cmpd="sng" algn="ctr">
+                  <a:noFill/>
+                  <a:prstDash val="solid"/>
+                  <a:round/>
+                  <a:headEnd type="none" w="med" len="med"/>
+                  <a:tailEnd type="none" w="med" len="med"/>
+                </a:ln>
+              </p:spPr>
+              <p:style>
+                <a:lnRef idx="0">
+                  <a:scrgbClr r="0" g="0" b="0"/>
+                </a:lnRef>
+                <a:fillRef idx="0">
+                  <a:scrgbClr r="0" g="0" b="0"/>
+                </a:fillRef>
+                <a:effectRef idx="0">
+                  <a:scrgbClr r="0" g="0" b="0"/>
+                </a:effectRef>
+                <a:fontRef idx="minor">
+                  <a:schemeClr val="dk1"/>
+                </a:fontRef>
+              </p:style>
+              <p:txBody>
+                <a:bodyPr rtlCol="0" anchor="ctr"/>
+                <a:lstStyle/>
+                <a:p>
+                  <a:pPr algn="ctr"/>
+                  <a:endParaRPr lang="en-GB"/>
+                </a:p>
+              </p:txBody>
+            </p:sp>
+          </p:grpSp>
+          <p:grpSp>
+            <p:nvGrpSpPr>
+              <p:cNvPr id="34" name="Group 33">
+                <a:extLst>
+                  <a:ext uri="{FF2B5EF4-FFF2-40B4-BE49-F238E27FC236}">
+                    <a16:creationId xmlns:a16="http://schemas.microsoft.com/office/drawing/2014/main" id="{9B01BC84-1541-192E-6A2F-B4382DE10633}"/>
+                  </a:ext>
+                </a:extLst>
+              </p:cNvPr>
+              <p:cNvGrpSpPr/>
+              <p:nvPr/>
+            </p:nvGrpSpPr>
+            <p:grpSpPr>
+              <a:xfrm>
+                <a:off x="9780447" y="2798145"/>
+                <a:ext cx="473450" cy="468892"/>
+                <a:chOff x="7774895" y="2798145"/>
+                <a:chExt cx="473450" cy="468892"/>
+              </a:xfrm>
+            </p:grpSpPr>
+            <p:sp>
+              <p:nvSpPr>
+                <p:cNvPr id="59" name="TextBox 58">
+                  <a:extLst>
+                    <a:ext uri="{FF2B5EF4-FFF2-40B4-BE49-F238E27FC236}">
+                      <a16:creationId xmlns:a16="http://schemas.microsoft.com/office/drawing/2014/main" id="{2A76CDD5-0089-156D-7BF2-6927DA406693}"/>
+                    </a:ext>
+                  </a:extLst>
+                </p:cNvPr>
+                <p:cNvSpPr txBox="1"/>
+                <p:nvPr/>
+              </p:nvSpPr>
+              <p:spPr>
+                <a:xfrm>
+                  <a:off x="7774895" y="2959260"/>
+                  <a:ext cx="203200" cy="307777"/>
+                </a:xfrm>
+                <a:prstGeom prst="rect">
+                  <a:avLst/>
+                </a:prstGeom>
+                <a:noFill/>
+                <a:ln>
+                  <a:noFill/>
+                </a:ln>
+              </p:spPr>
+              <p:txBody>
+                <a:bodyPr wrap="square" rtlCol="0">
+                  <a:spAutoFit/>
+                </a:bodyPr>
+                <a:lstStyle/>
+                <a:p>
+                  <a:r>
+                    <a:rPr lang="nb-NO" sz="1400" dirty="0"/>
+                    <a:t>P</a:t>
+                  </a:r>
+                  <a:endParaRPr lang="en-GB" sz="1400" dirty="0"/>
+                </a:p>
+              </p:txBody>
+            </p:sp>
+            <p:sp>
+              <p:nvSpPr>
+                <p:cNvPr id="60" name="TextBox 59">
+                  <a:extLst>
+                    <a:ext uri="{FF2B5EF4-FFF2-40B4-BE49-F238E27FC236}">
+                      <a16:creationId xmlns:a16="http://schemas.microsoft.com/office/drawing/2014/main" id="{C25B88BC-3982-6AF1-D996-4FB801F4EF27}"/>
+                    </a:ext>
+                  </a:extLst>
+                </p:cNvPr>
+                <p:cNvSpPr txBox="1"/>
+                <p:nvPr/>
+              </p:nvSpPr>
+              <p:spPr>
+                <a:xfrm rot="10800000">
+                  <a:off x="8045145" y="2798145"/>
+                  <a:ext cx="203200" cy="307777"/>
+                </a:xfrm>
+                <a:prstGeom prst="rect">
+                  <a:avLst/>
+                </a:prstGeom>
+                <a:noFill/>
+                <a:ln>
+                  <a:noFill/>
+                </a:ln>
+              </p:spPr>
+              <p:txBody>
+                <a:bodyPr wrap="square" rtlCol="0">
+                  <a:spAutoFit/>
+                </a:bodyPr>
+                <a:lstStyle/>
+                <a:p>
+                  <a:r>
+                    <a:rPr lang="nb-NO" sz="1400" dirty="0"/>
+                    <a:t>U</a:t>
+                  </a:r>
+                  <a:endParaRPr lang="en-GB" sz="1400" dirty="0"/>
+                </a:p>
+              </p:txBody>
+            </p:sp>
+            <p:sp>
+              <p:nvSpPr>
+                <p:cNvPr id="61" name="Rectangle 60">
+                  <a:extLst>
+                    <a:ext uri="{FF2B5EF4-FFF2-40B4-BE49-F238E27FC236}">
+                      <a16:creationId xmlns:a16="http://schemas.microsoft.com/office/drawing/2014/main" id="{AFAE47C4-045F-56E0-CEFF-06DDAFCC2D12}"/>
+                    </a:ext>
+                  </a:extLst>
+                </p:cNvPr>
+                <p:cNvSpPr/>
+                <p:nvPr/>
+              </p:nvSpPr>
+              <p:spPr>
+                <a:xfrm>
+                  <a:off x="7840908" y="2813111"/>
+                  <a:ext cx="378000" cy="378000"/>
+                </a:xfrm>
+                <a:prstGeom prst="rect">
+                  <a:avLst/>
+                </a:prstGeom>
+                <a:noFill/>
+                <a:ln w="3175" cap="flat" cmpd="sng" algn="ctr">
+                  <a:noFill/>
+                  <a:prstDash val="solid"/>
+                  <a:round/>
+                  <a:headEnd type="none" w="med" len="med"/>
+                  <a:tailEnd type="none" w="med" len="med"/>
+                </a:ln>
+              </p:spPr>
+              <p:style>
+                <a:lnRef idx="0">
+                  <a:scrgbClr r="0" g="0" b="0"/>
+                </a:lnRef>
+                <a:fillRef idx="0">
+                  <a:scrgbClr r="0" g="0" b="0"/>
+                </a:fillRef>
+                <a:effectRef idx="0">
+                  <a:scrgbClr r="0" g="0" b="0"/>
+                </a:effectRef>
+                <a:fontRef idx="minor">
+                  <a:schemeClr val="dk1"/>
+                </a:fontRef>
+              </p:style>
+              <p:txBody>
+                <a:bodyPr rtlCol="0" anchor="ctr"/>
+                <a:lstStyle/>
+                <a:p>
+                  <a:pPr algn="ctr"/>
+                  <a:endParaRPr lang="en-GB"/>
+                </a:p>
+              </p:txBody>
+            </p:sp>
+          </p:grpSp>
+          <p:grpSp>
+            <p:nvGrpSpPr>
+              <p:cNvPr id="35" name="Group 34">
+                <a:extLst>
+                  <a:ext uri="{FF2B5EF4-FFF2-40B4-BE49-F238E27FC236}">
+                    <a16:creationId xmlns:a16="http://schemas.microsoft.com/office/drawing/2014/main" id="{6D9FB888-A727-3E8A-AF1F-43196781B26B}"/>
+                  </a:ext>
+                </a:extLst>
+              </p:cNvPr>
+              <p:cNvGrpSpPr/>
+              <p:nvPr/>
+            </p:nvGrpSpPr>
+            <p:grpSpPr>
+              <a:xfrm>
+                <a:off x="9772744" y="674845"/>
+                <a:ext cx="473450" cy="468892"/>
+                <a:chOff x="7767192" y="2813111"/>
+                <a:chExt cx="473450" cy="468892"/>
+              </a:xfrm>
+            </p:grpSpPr>
+            <p:sp>
+              <p:nvSpPr>
+                <p:cNvPr id="56" name="TextBox 55">
+                  <a:extLst>
+                    <a:ext uri="{FF2B5EF4-FFF2-40B4-BE49-F238E27FC236}">
+                      <a16:creationId xmlns:a16="http://schemas.microsoft.com/office/drawing/2014/main" id="{0FBC6D43-F7F0-D8FB-BEEA-B08153463ACE}"/>
+                    </a:ext>
+                  </a:extLst>
+                </p:cNvPr>
+                <p:cNvSpPr txBox="1"/>
+                <p:nvPr/>
+              </p:nvSpPr>
+              <p:spPr>
+                <a:xfrm>
+                  <a:off x="7767192" y="2974226"/>
+                  <a:ext cx="203200" cy="307777"/>
+                </a:xfrm>
+                <a:prstGeom prst="rect">
+                  <a:avLst/>
+                </a:prstGeom>
+                <a:noFill/>
+                <a:ln>
+                  <a:noFill/>
+                </a:ln>
+              </p:spPr>
+              <p:txBody>
+                <a:bodyPr wrap="square" rtlCol="0">
+                  <a:spAutoFit/>
+                </a:bodyPr>
+                <a:lstStyle/>
+                <a:p>
+                  <a:r>
+                    <a:rPr lang="nb-NO" sz="1400" dirty="0"/>
+                    <a:t>P</a:t>
+                  </a:r>
+                  <a:endParaRPr lang="en-GB" sz="1400" dirty="0"/>
+                </a:p>
+              </p:txBody>
+            </p:sp>
+            <p:sp>
+              <p:nvSpPr>
+                <p:cNvPr id="57" name="TextBox 56">
+                  <a:extLst>
+                    <a:ext uri="{FF2B5EF4-FFF2-40B4-BE49-F238E27FC236}">
+                      <a16:creationId xmlns:a16="http://schemas.microsoft.com/office/drawing/2014/main" id="{53D142E7-ACD4-6769-5C69-9C9D71D505FA}"/>
+                    </a:ext>
+                  </a:extLst>
+                </p:cNvPr>
+                <p:cNvSpPr txBox="1"/>
+                <p:nvPr/>
+              </p:nvSpPr>
+              <p:spPr>
+                <a:xfrm rot="10800000">
+                  <a:off x="8037442" y="2813111"/>
+                  <a:ext cx="203200" cy="307777"/>
+                </a:xfrm>
+                <a:prstGeom prst="rect">
+                  <a:avLst/>
+                </a:prstGeom>
+                <a:noFill/>
+                <a:ln>
+                  <a:noFill/>
+                </a:ln>
+              </p:spPr>
+              <p:txBody>
+                <a:bodyPr wrap="square" rtlCol="0">
+                  <a:spAutoFit/>
+                </a:bodyPr>
+                <a:lstStyle/>
+                <a:p>
+                  <a:r>
+                    <a:rPr lang="nb-NO" sz="1400" dirty="0"/>
+                    <a:t>U</a:t>
+                  </a:r>
+                  <a:endParaRPr lang="en-GB" sz="1400" dirty="0"/>
+                </a:p>
+              </p:txBody>
+            </p:sp>
+            <p:sp>
+              <p:nvSpPr>
+                <p:cNvPr id="58" name="Rectangle 57">
+                  <a:extLst>
+                    <a:ext uri="{FF2B5EF4-FFF2-40B4-BE49-F238E27FC236}">
+                      <a16:creationId xmlns:a16="http://schemas.microsoft.com/office/drawing/2014/main" id="{2F2B6CE9-F08F-53C9-C1B4-3ED48F7576B0}"/>
+                    </a:ext>
+                  </a:extLst>
+                </p:cNvPr>
+                <p:cNvSpPr/>
+                <p:nvPr/>
+              </p:nvSpPr>
+              <p:spPr>
+                <a:xfrm>
+                  <a:off x="7840908" y="2813111"/>
+                  <a:ext cx="378000" cy="378000"/>
+                </a:xfrm>
+                <a:prstGeom prst="rect">
+                  <a:avLst/>
+                </a:prstGeom>
+                <a:noFill/>
+                <a:ln w="3175" cap="flat" cmpd="sng" algn="ctr">
+                  <a:noFill/>
+                  <a:prstDash val="solid"/>
+                  <a:round/>
+                  <a:headEnd type="none" w="med" len="med"/>
+                  <a:tailEnd type="none" w="med" len="med"/>
+                </a:ln>
+              </p:spPr>
+              <p:style>
+                <a:lnRef idx="0">
+                  <a:scrgbClr r="0" g="0" b="0"/>
+                </a:lnRef>
+                <a:fillRef idx="0">
+                  <a:scrgbClr r="0" g="0" b="0"/>
+                </a:fillRef>
+                <a:effectRef idx="0">
+                  <a:scrgbClr r="0" g="0" b="0"/>
+                </a:effectRef>
+                <a:fontRef idx="minor">
+                  <a:schemeClr val="dk1"/>
+                </a:fontRef>
+              </p:style>
+              <p:txBody>
+                <a:bodyPr rtlCol="0" anchor="ctr"/>
+                <a:lstStyle/>
+                <a:p>
+                  <a:pPr algn="ctr"/>
+                  <a:endParaRPr lang="en-GB"/>
+                </a:p>
+              </p:txBody>
+            </p:sp>
+          </p:grpSp>
+          <p:grpSp>
+            <p:nvGrpSpPr>
+              <p:cNvPr id="36" name="Group 35">
+                <a:extLst>
+                  <a:ext uri="{FF2B5EF4-FFF2-40B4-BE49-F238E27FC236}">
+                    <a16:creationId xmlns:a16="http://schemas.microsoft.com/office/drawing/2014/main" id="{296D6F6C-0247-3F78-7A48-BEDB69E47667}"/>
+                  </a:ext>
+                </a:extLst>
+              </p:cNvPr>
+              <p:cNvGrpSpPr/>
+              <p:nvPr/>
+            </p:nvGrpSpPr>
+            <p:grpSpPr>
+              <a:xfrm>
+                <a:off x="7780534" y="674845"/>
+                <a:ext cx="473450" cy="468892"/>
+                <a:chOff x="7780534" y="2812972"/>
+                <a:chExt cx="473450" cy="468892"/>
+              </a:xfrm>
+            </p:grpSpPr>
+            <p:sp>
+              <p:nvSpPr>
+                <p:cNvPr id="53" name="TextBox 52">
+                  <a:extLst>
+                    <a:ext uri="{FF2B5EF4-FFF2-40B4-BE49-F238E27FC236}">
+                      <a16:creationId xmlns:a16="http://schemas.microsoft.com/office/drawing/2014/main" id="{72F3374F-00B4-F29E-A3B8-821F7A3FF36F}"/>
+                    </a:ext>
+                  </a:extLst>
+                </p:cNvPr>
+                <p:cNvSpPr txBox="1"/>
+                <p:nvPr/>
+              </p:nvSpPr>
+              <p:spPr>
+                <a:xfrm>
+                  <a:off x="7780534" y="2974087"/>
+                  <a:ext cx="203200" cy="307777"/>
+                </a:xfrm>
+                <a:prstGeom prst="rect">
+                  <a:avLst/>
+                </a:prstGeom>
+                <a:noFill/>
+                <a:ln>
+                  <a:noFill/>
+                </a:ln>
+              </p:spPr>
+              <p:txBody>
+                <a:bodyPr wrap="square" rtlCol="0">
+                  <a:spAutoFit/>
+                </a:bodyPr>
+                <a:lstStyle/>
+                <a:p>
+                  <a:r>
+                    <a:rPr lang="nb-NO" sz="1400" dirty="0"/>
+                    <a:t>P</a:t>
+                  </a:r>
+                  <a:endParaRPr lang="en-GB" sz="1400" dirty="0"/>
+                </a:p>
+              </p:txBody>
+            </p:sp>
+            <p:sp>
+              <p:nvSpPr>
+                <p:cNvPr id="54" name="TextBox 53">
+                  <a:extLst>
+                    <a:ext uri="{FF2B5EF4-FFF2-40B4-BE49-F238E27FC236}">
+                      <a16:creationId xmlns:a16="http://schemas.microsoft.com/office/drawing/2014/main" id="{87B5B52B-989D-F553-7AEE-B1EB4601A4DE}"/>
+                    </a:ext>
+                  </a:extLst>
+                </p:cNvPr>
+                <p:cNvSpPr txBox="1"/>
+                <p:nvPr/>
+              </p:nvSpPr>
+              <p:spPr>
+                <a:xfrm rot="10800000">
+                  <a:off x="8050784" y="2812972"/>
+                  <a:ext cx="203200" cy="307777"/>
+                </a:xfrm>
+                <a:prstGeom prst="rect">
+                  <a:avLst/>
+                </a:prstGeom>
+                <a:noFill/>
+                <a:ln>
+                  <a:noFill/>
+                </a:ln>
+              </p:spPr>
+              <p:txBody>
+                <a:bodyPr wrap="square" rtlCol="0">
+                  <a:spAutoFit/>
+                </a:bodyPr>
+                <a:lstStyle/>
+                <a:p>
+                  <a:r>
+                    <a:rPr lang="nb-NO" sz="1400" dirty="0"/>
+                    <a:t>U</a:t>
+                  </a:r>
+                  <a:endParaRPr lang="en-GB" sz="1400" dirty="0"/>
+                </a:p>
+              </p:txBody>
+            </p:sp>
+            <p:sp>
+              <p:nvSpPr>
+                <p:cNvPr id="55" name="Rectangle 54">
+                  <a:extLst>
+                    <a:ext uri="{FF2B5EF4-FFF2-40B4-BE49-F238E27FC236}">
+                      <a16:creationId xmlns:a16="http://schemas.microsoft.com/office/drawing/2014/main" id="{2E8E1AC5-3BB4-9672-7086-A47EEA414EE7}"/>
+                    </a:ext>
+                  </a:extLst>
+                </p:cNvPr>
+                <p:cNvSpPr/>
+                <p:nvPr/>
+              </p:nvSpPr>
+              <p:spPr>
+                <a:xfrm>
+                  <a:off x="7840908" y="2813111"/>
+                  <a:ext cx="378000" cy="378000"/>
+                </a:xfrm>
+                <a:prstGeom prst="rect">
+                  <a:avLst/>
+                </a:prstGeom>
+                <a:noFill/>
+                <a:ln w="3175" cap="flat" cmpd="sng" algn="ctr">
+                  <a:noFill/>
+                  <a:prstDash val="solid"/>
+                  <a:round/>
+                  <a:headEnd type="none" w="med" len="med"/>
+                  <a:tailEnd type="none" w="med" len="med"/>
+                </a:ln>
+              </p:spPr>
+              <p:style>
+                <a:lnRef idx="0">
+                  <a:scrgbClr r="0" g="0" b="0"/>
+                </a:lnRef>
+                <a:fillRef idx="0">
+                  <a:scrgbClr r="0" g="0" b="0"/>
+                </a:fillRef>
+                <a:effectRef idx="0">
+                  <a:scrgbClr r="0" g="0" b="0"/>
+                </a:effectRef>
+                <a:fontRef idx="minor">
+                  <a:schemeClr val="dk1"/>
+                </a:fontRef>
+              </p:style>
+              <p:txBody>
+                <a:bodyPr rtlCol="0" anchor="ctr"/>
+                <a:lstStyle/>
+                <a:p>
+                  <a:pPr algn="ctr"/>
+                  <a:endParaRPr lang="en-GB"/>
+                </a:p>
+              </p:txBody>
+            </p:sp>
+          </p:grpSp>
+          <p:grpSp>
+            <p:nvGrpSpPr>
+              <p:cNvPr id="37" name="Group 36">
+                <a:extLst>
+                  <a:ext uri="{FF2B5EF4-FFF2-40B4-BE49-F238E27FC236}">
+                    <a16:creationId xmlns:a16="http://schemas.microsoft.com/office/drawing/2014/main" id="{B11C5C58-F0B1-4D9E-802F-373BF4D0FC88}"/>
+                  </a:ext>
+                </a:extLst>
+              </p:cNvPr>
+              <p:cNvGrpSpPr/>
+              <p:nvPr/>
+            </p:nvGrpSpPr>
+            <p:grpSpPr>
+              <a:xfrm>
+                <a:off x="2421306" y="87128"/>
+                <a:ext cx="473450" cy="468892"/>
+                <a:chOff x="7840908" y="2813111"/>
+                <a:chExt cx="473450" cy="468892"/>
+              </a:xfrm>
+            </p:grpSpPr>
+            <p:sp>
+              <p:nvSpPr>
+                <p:cNvPr id="50" name="TextBox 49">
+                  <a:extLst>
+                    <a:ext uri="{FF2B5EF4-FFF2-40B4-BE49-F238E27FC236}">
+                      <a16:creationId xmlns:a16="http://schemas.microsoft.com/office/drawing/2014/main" id="{DB5AC01D-45FB-1073-10EA-A20CD2717A3B}"/>
+                    </a:ext>
+                  </a:extLst>
+                </p:cNvPr>
+                <p:cNvSpPr txBox="1"/>
+                <p:nvPr/>
+              </p:nvSpPr>
+              <p:spPr>
+                <a:xfrm>
+                  <a:off x="7840908" y="2974226"/>
+                  <a:ext cx="203200" cy="307777"/>
+                </a:xfrm>
+                <a:prstGeom prst="rect">
+                  <a:avLst/>
+                </a:prstGeom>
+                <a:noFill/>
+                <a:ln>
+                  <a:noFill/>
+                </a:ln>
+              </p:spPr>
+              <p:txBody>
+                <a:bodyPr wrap="square" rtlCol="0">
+                  <a:spAutoFit/>
+                </a:bodyPr>
+                <a:lstStyle/>
+                <a:p>
+                  <a:r>
+                    <a:rPr lang="nb-NO" sz="1400" dirty="0"/>
+                    <a:t>P</a:t>
+                  </a:r>
+                  <a:endParaRPr lang="en-GB" sz="1400" dirty="0"/>
+                </a:p>
+              </p:txBody>
+            </p:sp>
+            <p:sp>
+              <p:nvSpPr>
+                <p:cNvPr id="51" name="TextBox 50">
+                  <a:extLst>
+                    <a:ext uri="{FF2B5EF4-FFF2-40B4-BE49-F238E27FC236}">
+                      <a16:creationId xmlns:a16="http://schemas.microsoft.com/office/drawing/2014/main" id="{98686992-6D2B-B5F3-7C41-B333394AA4DE}"/>
+                    </a:ext>
+                  </a:extLst>
+                </p:cNvPr>
+                <p:cNvSpPr txBox="1"/>
+                <p:nvPr/>
+              </p:nvSpPr>
+              <p:spPr>
+                <a:xfrm rot="10800000">
+                  <a:off x="8111158" y="2813111"/>
+                  <a:ext cx="203200" cy="307777"/>
+                </a:xfrm>
+                <a:prstGeom prst="rect">
+                  <a:avLst/>
+                </a:prstGeom>
+                <a:noFill/>
+                <a:ln>
+                  <a:noFill/>
+                </a:ln>
+              </p:spPr>
+              <p:txBody>
+                <a:bodyPr wrap="square" rtlCol="0">
+                  <a:spAutoFit/>
+                </a:bodyPr>
+                <a:lstStyle/>
+                <a:p>
+                  <a:r>
+                    <a:rPr lang="nb-NO" sz="1400" dirty="0"/>
+                    <a:t>U</a:t>
+                  </a:r>
+                  <a:endParaRPr lang="en-GB" sz="1400" dirty="0"/>
+                </a:p>
+              </p:txBody>
+            </p:sp>
+            <p:sp>
+              <p:nvSpPr>
+                <p:cNvPr id="52" name="Rectangle 51">
+                  <a:extLst>
+                    <a:ext uri="{FF2B5EF4-FFF2-40B4-BE49-F238E27FC236}">
+                      <a16:creationId xmlns:a16="http://schemas.microsoft.com/office/drawing/2014/main" id="{FA0F6C9F-0F35-8CE6-9D7C-C02EC5B3AA29}"/>
+                    </a:ext>
+                  </a:extLst>
+                </p:cNvPr>
+                <p:cNvSpPr/>
+                <p:nvPr/>
+              </p:nvSpPr>
+              <p:spPr>
+                <a:xfrm>
+                  <a:off x="7840908" y="2813111"/>
+                  <a:ext cx="378000" cy="378000"/>
+                </a:xfrm>
+                <a:prstGeom prst="rect">
+                  <a:avLst/>
+                </a:prstGeom>
+                <a:noFill/>
+                <a:ln w="3175" cap="flat" cmpd="sng" algn="ctr">
+                  <a:noFill/>
+                  <a:prstDash val="solid"/>
+                  <a:round/>
+                  <a:headEnd type="none" w="med" len="med"/>
+                  <a:tailEnd type="none" w="med" len="med"/>
+                </a:ln>
+              </p:spPr>
+              <p:style>
+                <a:lnRef idx="0">
+                  <a:scrgbClr r="0" g="0" b="0"/>
+                </a:lnRef>
+                <a:fillRef idx="0">
+                  <a:scrgbClr r="0" g="0" b="0"/>
+                </a:fillRef>
+                <a:effectRef idx="0">
+                  <a:scrgbClr r="0" g="0" b="0"/>
+                </a:effectRef>
+                <a:fontRef idx="minor">
+                  <a:schemeClr val="dk1"/>
+                </a:fontRef>
+              </p:style>
+              <p:txBody>
+                <a:bodyPr rtlCol="0" anchor="ctr"/>
+                <a:lstStyle/>
+                <a:p>
+                  <a:pPr algn="ctr"/>
+                  <a:endParaRPr lang="en-GB"/>
+                </a:p>
+              </p:txBody>
+            </p:sp>
+          </p:grpSp>
+          <p:grpSp>
+            <p:nvGrpSpPr>
+              <p:cNvPr id="38" name="Group 37">
+                <a:extLst>
+                  <a:ext uri="{FF2B5EF4-FFF2-40B4-BE49-F238E27FC236}">
+                    <a16:creationId xmlns:a16="http://schemas.microsoft.com/office/drawing/2014/main" id="{57D6F769-7465-957E-DD39-0B34E56A7910}"/>
+                  </a:ext>
+                </a:extLst>
+              </p:cNvPr>
+              <p:cNvGrpSpPr/>
+              <p:nvPr/>
+            </p:nvGrpSpPr>
+            <p:grpSpPr>
+              <a:xfrm>
+                <a:off x="1699946" y="2588342"/>
+                <a:ext cx="500141" cy="468892"/>
+                <a:chOff x="7840908" y="2797662"/>
+                <a:chExt cx="500141" cy="468892"/>
+              </a:xfrm>
+            </p:grpSpPr>
+            <p:sp>
+              <p:nvSpPr>
+                <p:cNvPr id="47" name="TextBox 46">
+                  <a:extLst>
+                    <a:ext uri="{FF2B5EF4-FFF2-40B4-BE49-F238E27FC236}">
+                      <a16:creationId xmlns:a16="http://schemas.microsoft.com/office/drawing/2014/main" id="{632BCD95-1437-56ED-A374-D6E92887F7BE}"/>
+                    </a:ext>
+                  </a:extLst>
+                </p:cNvPr>
+                <p:cNvSpPr txBox="1"/>
+                <p:nvPr/>
+              </p:nvSpPr>
+              <p:spPr>
+                <a:xfrm>
+                  <a:off x="7867599" y="2958777"/>
+                  <a:ext cx="203200" cy="307777"/>
+                </a:xfrm>
+                <a:prstGeom prst="rect">
+                  <a:avLst/>
+                </a:prstGeom>
+                <a:noFill/>
+                <a:ln>
+                  <a:noFill/>
+                </a:ln>
+              </p:spPr>
+              <p:txBody>
+                <a:bodyPr wrap="square" rtlCol="0">
+                  <a:spAutoFit/>
+                </a:bodyPr>
+                <a:lstStyle/>
+                <a:p>
+                  <a:r>
+                    <a:rPr lang="nb-NO" sz="1400" dirty="0"/>
+                    <a:t>P</a:t>
+                  </a:r>
+                  <a:endParaRPr lang="en-GB" sz="1400" dirty="0"/>
+                </a:p>
+              </p:txBody>
+            </p:sp>
+            <p:sp>
+              <p:nvSpPr>
+                <p:cNvPr id="48" name="TextBox 47">
+                  <a:extLst>
+                    <a:ext uri="{FF2B5EF4-FFF2-40B4-BE49-F238E27FC236}">
+                      <a16:creationId xmlns:a16="http://schemas.microsoft.com/office/drawing/2014/main" id="{881055D7-5647-8C8B-AC64-B8401C04C6E0}"/>
+                    </a:ext>
+                  </a:extLst>
+                </p:cNvPr>
+                <p:cNvSpPr txBox="1"/>
+                <p:nvPr/>
+              </p:nvSpPr>
+              <p:spPr>
+                <a:xfrm rot="10800000">
+                  <a:off x="8137849" y="2797662"/>
+                  <a:ext cx="203200" cy="307777"/>
+                </a:xfrm>
+                <a:prstGeom prst="rect">
+                  <a:avLst/>
+                </a:prstGeom>
+                <a:noFill/>
+                <a:ln>
+                  <a:noFill/>
+                </a:ln>
+              </p:spPr>
+              <p:txBody>
+                <a:bodyPr wrap="square" rtlCol="0">
+                  <a:spAutoFit/>
+                </a:bodyPr>
+                <a:lstStyle/>
+                <a:p>
+                  <a:r>
+                    <a:rPr lang="nb-NO" sz="1400" dirty="0"/>
+                    <a:t>U</a:t>
+                  </a:r>
+                  <a:endParaRPr lang="en-GB" sz="1400" dirty="0"/>
+                </a:p>
+              </p:txBody>
+            </p:sp>
+            <p:sp>
+              <p:nvSpPr>
+                <p:cNvPr id="49" name="Rectangle 48">
+                  <a:extLst>
+                    <a:ext uri="{FF2B5EF4-FFF2-40B4-BE49-F238E27FC236}">
+                      <a16:creationId xmlns:a16="http://schemas.microsoft.com/office/drawing/2014/main" id="{638780B1-3359-DC89-8B5A-25D43653DEBC}"/>
+                    </a:ext>
+                  </a:extLst>
+                </p:cNvPr>
+                <p:cNvSpPr/>
+                <p:nvPr/>
+              </p:nvSpPr>
+              <p:spPr>
+                <a:xfrm>
+                  <a:off x="7840908" y="2813111"/>
+                  <a:ext cx="378000" cy="378000"/>
+                </a:xfrm>
+                <a:prstGeom prst="rect">
+                  <a:avLst/>
+                </a:prstGeom>
+                <a:noFill/>
+                <a:ln w="3175" cap="flat" cmpd="sng" algn="ctr">
+                  <a:noFill/>
+                  <a:prstDash val="solid"/>
+                  <a:round/>
+                  <a:headEnd type="none" w="med" len="med"/>
+                  <a:tailEnd type="none" w="med" len="med"/>
+                </a:ln>
+              </p:spPr>
+              <p:style>
+                <a:lnRef idx="0">
+                  <a:scrgbClr r="0" g="0" b="0"/>
+                </a:lnRef>
+                <a:fillRef idx="0">
+                  <a:scrgbClr r="0" g="0" b="0"/>
+                </a:fillRef>
+                <a:effectRef idx="0">
+                  <a:scrgbClr r="0" g="0" b="0"/>
+                </a:effectRef>
+                <a:fontRef idx="minor">
+                  <a:schemeClr val="dk1"/>
+                </a:fontRef>
+              </p:style>
+              <p:txBody>
+                <a:bodyPr rtlCol="0" anchor="ctr"/>
+                <a:lstStyle/>
+                <a:p>
+                  <a:pPr algn="ctr"/>
+                  <a:endParaRPr lang="en-GB"/>
+                </a:p>
+              </p:txBody>
+            </p:sp>
+          </p:grpSp>
+          <p:grpSp>
+            <p:nvGrpSpPr>
+              <p:cNvPr id="39" name="Group 38">
+                <a:extLst>
+                  <a:ext uri="{FF2B5EF4-FFF2-40B4-BE49-F238E27FC236}">
+                    <a16:creationId xmlns:a16="http://schemas.microsoft.com/office/drawing/2014/main" id="{0DF346E8-DF97-AA00-671E-B577F03DEDC6}"/>
+                  </a:ext>
+                </a:extLst>
+              </p:cNvPr>
+              <p:cNvGrpSpPr/>
+              <p:nvPr/>
+            </p:nvGrpSpPr>
+            <p:grpSpPr>
+              <a:xfrm>
+                <a:off x="4226897" y="2588343"/>
+                <a:ext cx="476690" cy="464125"/>
+                <a:chOff x="7840908" y="2797663"/>
+                <a:chExt cx="476690" cy="464125"/>
+              </a:xfrm>
+            </p:grpSpPr>
+            <p:sp>
+              <p:nvSpPr>
+                <p:cNvPr id="44" name="TextBox 43">
+                  <a:extLst>
+                    <a:ext uri="{FF2B5EF4-FFF2-40B4-BE49-F238E27FC236}">
+                      <a16:creationId xmlns:a16="http://schemas.microsoft.com/office/drawing/2014/main" id="{36716959-6064-2281-D5C2-A1BE13614F4A}"/>
+                    </a:ext>
+                  </a:extLst>
+                </p:cNvPr>
+                <p:cNvSpPr txBox="1"/>
+                <p:nvPr/>
+              </p:nvSpPr>
+              <p:spPr>
+                <a:xfrm>
+                  <a:off x="7849099" y="2954011"/>
+                  <a:ext cx="203200" cy="307777"/>
+                </a:xfrm>
+                <a:prstGeom prst="rect">
+                  <a:avLst/>
+                </a:prstGeom>
+                <a:noFill/>
+                <a:ln>
+                  <a:noFill/>
+                </a:ln>
+              </p:spPr>
+              <p:txBody>
+                <a:bodyPr wrap="square" rtlCol="0">
+                  <a:spAutoFit/>
+                </a:bodyPr>
+                <a:lstStyle/>
+                <a:p>
+                  <a:r>
+                    <a:rPr lang="nb-NO" sz="1400" dirty="0"/>
+                    <a:t>P</a:t>
+                  </a:r>
+                  <a:endParaRPr lang="en-GB" sz="1400" dirty="0"/>
+                </a:p>
+              </p:txBody>
+            </p:sp>
+            <p:sp>
+              <p:nvSpPr>
+                <p:cNvPr id="45" name="TextBox 44">
+                  <a:extLst>
+                    <a:ext uri="{FF2B5EF4-FFF2-40B4-BE49-F238E27FC236}">
+                      <a16:creationId xmlns:a16="http://schemas.microsoft.com/office/drawing/2014/main" id="{8204373D-DD72-25DA-E2B5-420B7E7BCF53}"/>
+                    </a:ext>
+                  </a:extLst>
+                </p:cNvPr>
+                <p:cNvSpPr txBox="1"/>
+                <p:nvPr/>
+              </p:nvSpPr>
+              <p:spPr>
+                <a:xfrm rot="10800000">
+                  <a:off x="8114398" y="2797663"/>
+                  <a:ext cx="203200" cy="307777"/>
+                </a:xfrm>
+                <a:prstGeom prst="rect">
+                  <a:avLst/>
+                </a:prstGeom>
+                <a:noFill/>
+                <a:ln>
+                  <a:noFill/>
+                </a:ln>
+              </p:spPr>
+              <p:txBody>
+                <a:bodyPr wrap="square" rtlCol="0">
+                  <a:spAutoFit/>
+                </a:bodyPr>
+                <a:lstStyle/>
+                <a:p>
+                  <a:r>
+                    <a:rPr lang="nb-NO" sz="1400" dirty="0"/>
+                    <a:t>U</a:t>
+                  </a:r>
+                  <a:endParaRPr lang="en-GB" sz="1400" dirty="0"/>
+                </a:p>
+              </p:txBody>
+            </p:sp>
+            <p:sp>
+              <p:nvSpPr>
+                <p:cNvPr id="46" name="Rectangle 45">
+                  <a:extLst>
+                    <a:ext uri="{FF2B5EF4-FFF2-40B4-BE49-F238E27FC236}">
+                      <a16:creationId xmlns:a16="http://schemas.microsoft.com/office/drawing/2014/main" id="{C46C2865-6CC4-A4D3-814B-52C9EF8ADCA3}"/>
+                    </a:ext>
+                  </a:extLst>
+                </p:cNvPr>
+                <p:cNvSpPr/>
+                <p:nvPr/>
+              </p:nvSpPr>
+              <p:spPr>
+                <a:xfrm>
+                  <a:off x="7840908" y="2813111"/>
+                  <a:ext cx="378000" cy="378000"/>
+                </a:xfrm>
+                <a:prstGeom prst="rect">
+                  <a:avLst/>
+                </a:prstGeom>
+                <a:noFill/>
+                <a:ln w="3175" cap="flat" cmpd="sng" algn="ctr">
+                  <a:noFill/>
+                  <a:prstDash val="solid"/>
+                  <a:round/>
+                  <a:headEnd type="none" w="med" len="med"/>
+                  <a:tailEnd type="none" w="med" len="med"/>
+                </a:ln>
+              </p:spPr>
+              <p:style>
+                <a:lnRef idx="0">
+                  <a:scrgbClr r="0" g="0" b="0"/>
+                </a:lnRef>
+                <a:fillRef idx="0">
+                  <a:scrgbClr r="0" g="0" b="0"/>
+                </a:fillRef>
+                <a:effectRef idx="0">
+                  <a:scrgbClr r="0" g="0" b="0"/>
+                </a:effectRef>
+                <a:fontRef idx="minor">
+                  <a:schemeClr val="dk1"/>
+                </a:fontRef>
+              </p:style>
+              <p:txBody>
+                <a:bodyPr rtlCol="0" anchor="ctr"/>
+                <a:lstStyle/>
+                <a:p>
+                  <a:pPr algn="ctr"/>
+                  <a:endParaRPr lang="en-GB"/>
+                </a:p>
+              </p:txBody>
+            </p:sp>
+          </p:grpSp>
+          <p:grpSp>
+            <p:nvGrpSpPr>
+              <p:cNvPr id="40" name="Group 39">
+                <a:extLst>
+                  <a:ext uri="{FF2B5EF4-FFF2-40B4-BE49-F238E27FC236}">
+                    <a16:creationId xmlns:a16="http://schemas.microsoft.com/office/drawing/2014/main" id="{6372C54A-47B9-5BFC-6E04-733EAD89347D}"/>
+                  </a:ext>
+                </a:extLst>
+              </p:cNvPr>
+              <p:cNvGrpSpPr/>
+              <p:nvPr/>
+            </p:nvGrpSpPr>
+            <p:grpSpPr>
+              <a:xfrm>
+                <a:off x="5311656" y="4292636"/>
+                <a:ext cx="473450" cy="468892"/>
+                <a:chOff x="7815783" y="2795072"/>
+                <a:chExt cx="473450" cy="468892"/>
+              </a:xfrm>
+            </p:grpSpPr>
+            <p:sp>
+              <p:nvSpPr>
+                <p:cNvPr id="41" name="TextBox 40">
+                  <a:extLst>
+                    <a:ext uri="{FF2B5EF4-FFF2-40B4-BE49-F238E27FC236}">
+                      <a16:creationId xmlns:a16="http://schemas.microsoft.com/office/drawing/2014/main" id="{8691CE87-B425-180B-D370-42E5957CD7FD}"/>
+                    </a:ext>
+                  </a:extLst>
+                </p:cNvPr>
+                <p:cNvSpPr txBox="1"/>
+                <p:nvPr/>
+              </p:nvSpPr>
+              <p:spPr>
+                <a:xfrm>
+                  <a:off x="7815783" y="2956187"/>
+                  <a:ext cx="203200" cy="307777"/>
+                </a:xfrm>
+                <a:prstGeom prst="rect">
+                  <a:avLst/>
+                </a:prstGeom>
+                <a:noFill/>
+                <a:ln>
+                  <a:noFill/>
+                </a:ln>
+              </p:spPr>
+              <p:txBody>
+                <a:bodyPr wrap="square" rtlCol="0">
+                  <a:spAutoFit/>
+                </a:bodyPr>
+                <a:lstStyle/>
+                <a:p>
+                  <a:r>
+                    <a:rPr lang="nb-NO" sz="1400" dirty="0"/>
+                    <a:t>P</a:t>
+                  </a:r>
+                  <a:endParaRPr lang="en-GB" sz="1400" dirty="0"/>
+                </a:p>
+              </p:txBody>
+            </p:sp>
+            <p:sp>
+              <p:nvSpPr>
+                <p:cNvPr id="42" name="TextBox 41">
+                  <a:extLst>
+                    <a:ext uri="{FF2B5EF4-FFF2-40B4-BE49-F238E27FC236}">
+                      <a16:creationId xmlns:a16="http://schemas.microsoft.com/office/drawing/2014/main" id="{2D618AC2-A299-E6B5-4400-EC3F46D5DD5B}"/>
+                    </a:ext>
+                  </a:extLst>
+                </p:cNvPr>
+                <p:cNvSpPr txBox="1"/>
+                <p:nvPr/>
+              </p:nvSpPr>
+              <p:spPr>
+                <a:xfrm rot="10800000">
+                  <a:off x="8086033" y="2795072"/>
+                  <a:ext cx="203200" cy="307777"/>
+                </a:xfrm>
+                <a:prstGeom prst="rect">
+                  <a:avLst/>
+                </a:prstGeom>
+                <a:noFill/>
+                <a:ln>
+                  <a:noFill/>
+                </a:ln>
+              </p:spPr>
+              <p:txBody>
+                <a:bodyPr wrap="square" rtlCol="0">
+                  <a:spAutoFit/>
+                </a:bodyPr>
+                <a:lstStyle/>
+                <a:p>
+                  <a:r>
+                    <a:rPr lang="nb-NO" sz="1400" dirty="0"/>
+                    <a:t>U</a:t>
+                  </a:r>
+                  <a:endParaRPr lang="en-GB" sz="1400" dirty="0"/>
+                </a:p>
+              </p:txBody>
+            </p:sp>
+            <p:sp>
+              <p:nvSpPr>
+                <p:cNvPr id="43" name="Rectangle 42">
+                  <a:extLst>
+                    <a:ext uri="{FF2B5EF4-FFF2-40B4-BE49-F238E27FC236}">
+                      <a16:creationId xmlns:a16="http://schemas.microsoft.com/office/drawing/2014/main" id="{229B8BD1-304F-C1FD-4E0A-D582A04F5AA3}"/>
+                    </a:ext>
+                  </a:extLst>
+                </p:cNvPr>
+                <p:cNvSpPr/>
+                <p:nvPr/>
+              </p:nvSpPr>
+              <p:spPr>
+                <a:xfrm>
+                  <a:off x="7840908" y="2813111"/>
+                  <a:ext cx="378000" cy="378000"/>
+                </a:xfrm>
+                <a:prstGeom prst="rect">
+                  <a:avLst/>
+                </a:prstGeom>
+                <a:noFill/>
+                <a:ln w="3175" cap="flat" cmpd="sng" algn="ctr">
+                  <a:noFill/>
+                  <a:prstDash val="solid"/>
+                  <a:round/>
+                  <a:headEnd type="none" w="med" len="med"/>
+                  <a:tailEnd type="none" w="med" len="med"/>
+                </a:ln>
+              </p:spPr>
+              <p:style>
+                <a:lnRef idx="0">
+                  <a:scrgbClr r="0" g="0" b="0"/>
+                </a:lnRef>
+                <a:fillRef idx="0">
+                  <a:scrgbClr r="0" g="0" b="0"/>
+                </a:fillRef>
+                <a:effectRef idx="0">
+                  <a:scrgbClr r="0" g="0" b="0"/>
+                </a:effectRef>
+                <a:fontRef idx="minor">
+                  <a:schemeClr val="dk1"/>
+                </a:fontRef>
+              </p:style>
+              <p:txBody>
+                <a:bodyPr rtlCol="0" anchor="ctr"/>
+                <a:lstStyle/>
+                <a:p>
+                  <a:pPr algn="ctr"/>
+                  <a:endParaRPr lang="en-GB"/>
+                </a:p>
+              </p:txBody>
+            </p:sp>
+          </p:grpSp>
+        </p:grpSp>
+        <p:sp>
+          <p:nvSpPr>
+            <p:cNvPr id="65" name="Rectangle: Rounded Corners 64">
+              <a:extLst>
+                <a:ext uri="{FF2B5EF4-FFF2-40B4-BE49-F238E27FC236}">
+                  <a16:creationId xmlns:a16="http://schemas.microsoft.com/office/drawing/2014/main" id="{1651FBA9-1B02-BC08-BF13-703B88E60810}"/>
+                </a:ext>
+              </a:extLst>
+            </p:cNvPr>
+            <p:cNvSpPr/>
+            <p:nvPr/>
+          </p:nvSpPr>
+          <p:spPr>
+            <a:xfrm>
+              <a:off x="5465291" y="87128"/>
+              <a:ext cx="1424497" cy="432000"/>
+            </a:xfrm>
+            <a:prstGeom prst="roundRect">
+              <a:avLst/>
+            </a:prstGeom>
+            <a:ln w="38100">
+              <a:solidFill>
+                <a:schemeClr val="tx1"/>
+              </a:solidFill>
+            </a:ln>
+          </p:spPr>
+          <p:style>
+            <a:lnRef idx="2">
+              <a:schemeClr val="dk1"/>
+            </a:lnRef>
+            <a:fillRef idx="1">
+              <a:schemeClr val="lt1"/>
+            </a:fillRef>
+            <a:effectRef idx="0">
+              <a:schemeClr val="dk1"/>
+            </a:effectRef>
+            <a:fontRef idx="minor">
+              <a:schemeClr val="dk1"/>
+            </a:fontRef>
+          </p:style>
+          <p:txBody>
+            <a:bodyPr rtlCol="0" anchor="ctr"/>
+            <a:lstStyle/>
+            <a:p>
+              <a:pPr algn="ctr">
+                <a:buClr>
+                  <a:srgbClr val="41BF9E"/>
+                </a:buClr>
+              </a:pPr>
+              <a:r>
+                <a:rPr lang="nb-NO" sz="1600" dirty="0"/>
+                <a:t>Components</a:t>
+              </a:r>
+            </a:p>
+          </p:txBody>
+        </p:sp>
+      </p:grpSp>
+    </p:spTree>
+    <p:extLst>
+      <p:ext uri="{BB962C8B-B14F-4D97-AF65-F5344CB8AC3E}">
+        <p14:creationId xmlns:p14="http://schemas.microsoft.com/office/powerpoint/2010/main" val="2601702211"/>
+      </p:ext>
+    </p:extLst>
+  </p:cSld>
+  <p:clrMapOvr>
+    <a:masterClrMapping/>
+  </p:clrMapOvr>
+</p:sld>
+</file>
+
+<file path=ppt/slides/slide4.xml><?xml version="1.0" encoding="utf-8"?>
+<p:sld xmlns:a="http://schemas.openxmlformats.org/drawingml/2006/main" xmlns:r="http://schemas.openxmlformats.org/officeDocument/2006/relationships" xmlns:p="http://schemas.openxmlformats.org/presentationml/2006/main">
+  <p:cSld>
+    <p:spTree>
+      <p:nvGrpSpPr>
+        <p:cNvPr id="1" name=""/>
+        <p:cNvGrpSpPr/>
+        <p:nvPr/>
+      </p:nvGrpSpPr>
+      <p:grpSpPr>
+        <a:xfrm>
+          <a:off x="0" y="0"/>
+          <a:ext cx="0" cy="0"/>
+          <a:chOff x="0" y="0"/>
+          <a:chExt cx="0" cy="0"/>
+        </a:xfrm>
+      </p:grpSpPr>
+      <p:grpSp>
+        <p:nvGrpSpPr>
+          <p:cNvPr id="25" name="Group 24">
+            <a:extLst>
+              <a:ext uri="{FF2B5EF4-FFF2-40B4-BE49-F238E27FC236}">
+                <a16:creationId xmlns:a16="http://schemas.microsoft.com/office/drawing/2014/main" id="{28B96BC3-9946-6F07-32D9-81864C1D79BD}"/>
+              </a:ext>
+            </a:extLst>
+          </p:cNvPr>
+          <p:cNvGrpSpPr/>
+          <p:nvPr/>
+        </p:nvGrpSpPr>
+        <p:grpSpPr>
+          <a:xfrm>
+            <a:off x="1236971" y="5848"/>
+            <a:ext cx="9718058" cy="6852152"/>
+            <a:chOff x="1236971" y="5848"/>
+            <a:chExt cx="9718058" cy="6852152"/>
+          </a:xfrm>
+        </p:grpSpPr>
+        <p:pic>
+          <p:nvPicPr>
+            <p:cNvPr id="24" name="Picture 23">
+              <a:extLst>
+                <a:ext uri="{FF2B5EF4-FFF2-40B4-BE49-F238E27FC236}">
+                  <a16:creationId xmlns:a16="http://schemas.microsoft.com/office/drawing/2014/main" id="{E43BED09-2C8E-2CD9-241C-AABC54A80E23}"/>
+                </a:ext>
+              </a:extLst>
+            </p:cNvPr>
+            <p:cNvPicPr>
+              <a:picLocks noChangeAspect="1"/>
+            </p:cNvPicPr>
+            <p:nvPr/>
+          </p:nvPicPr>
+          <p:blipFill>
+            <a:blip r:embed="rId2"/>
+            <a:srcRect l="36258" t="19272" r="27458" b="26513"/>
+            <a:stretch/>
+          </p:blipFill>
+          <p:spPr>
+            <a:xfrm>
+              <a:off x="1236971" y="5848"/>
+              <a:ext cx="9718058" cy="6852152"/>
+            </a:xfrm>
+            <a:prstGeom prst="rect">
+              <a:avLst/>
+            </a:prstGeom>
+          </p:spPr>
+        </p:pic>
+        <p:grpSp>
+          <p:nvGrpSpPr>
+            <p:cNvPr id="22" name="Group 21">
+              <a:extLst>
+                <a:ext uri="{FF2B5EF4-FFF2-40B4-BE49-F238E27FC236}">
+                  <a16:creationId xmlns:a16="http://schemas.microsoft.com/office/drawing/2014/main" id="{928B00F4-CA2E-EECD-66FA-021A3F025221}"/>
+                </a:ext>
+              </a:extLst>
+            </p:cNvPr>
+            <p:cNvGrpSpPr/>
+            <p:nvPr/>
+          </p:nvGrpSpPr>
+          <p:grpSpPr>
+            <a:xfrm>
+              <a:off x="2242340" y="5848"/>
+              <a:ext cx="7554357" cy="5070640"/>
+              <a:chOff x="2242340" y="5848"/>
+              <a:chExt cx="7554357" cy="5070640"/>
+            </a:xfrm>
+          </p:grpSpPr>
+          <p:sp>
+            <p:nvSpPr>
+              <p:cNvPr id="6" name="TextBox 5">
+                <a:extLst>
+                  <a:ext uri="{FF2B5EF4-FFF2-40B4-BE49-F238E27FC236}">
+                    <a16:creationId xmlns:a16="http://schemas.microsoft.com/office/drawing/2014/main" id="{129A726B-964A-F0EE-1F49-BE3DF2D87A56}"/>
+                  </a:ext>
+                </a:extLst>
+              </p:cNvPr>
+              <p:cNvSpPr txBox="1">
+                <a:spLocks/>
+              </p:cNvSpPr>
+              <p:nvPr/>
+            </p:nvSpPr>
+            <p:spPr>
+              <a:xfrm>
+                <a:off x="7575213" y="2537652"/>
+                <a:ext cx="203200" cy="307777"/>
+              </a:xfrm>
+              <a:prstGeom prst="rect">
+                <a:avLst/>
+              </a:prstGeom>
+              <a:noFill/>
+              <a:ln>
+                <a:noFill/>
+              </a:ln>
+            </p:spPr>
+            <p:txBody>
+              <a:bodyPr wrap="square" rtlCol="0">
+                <a:spAutoFit/>
+              </a:bodyPr>
+              <a:lstStyle/>
+              <a:p>
+                <a:r>
+                  <a:rPr lang="nb-NO" sz="1400" dirty="0"/>
+                  <a:t>P</a:t>
+                </a:r>
+                <a:endParaRPr lang="en-GB" sz="1400" dirty="0"/>
+              </a:p>
+            </p:txBody>
+          </p:sp>
+          <p:sp>
+            <p:nvSpPr>
+              <p:cNvPr id="7" name="TextBox 6">
+                <a:extLst>
+                  <a:ext uri="{FF2B5EF4-FFF2-40B4-BE49-F238E27FC236}">
+                    <a16:creationId xmlns:a16="http://schemas.microsoft.com/office/drawing/2014/main" id="{A7CC79A9-4886-3343-2399-E83F07C3B2AF}"/>
+                  </a:ext>
+                </a:extLst>
+              </p:cNvPr>
+              <p:cNvSpPr txBox="1">
+                <a:spLocks/>
+              </p:cNvSpPr>
+              <p:nvPr/>
+            </p:nvSpPr>
+            <p:spPr>
+              <a:xfrm rot="10800000">
+                <a:off x="7845463" y="2376537"/>
+                <a:ext cx="203200" cy="307777"/>
+              </a:xfrm>
+              <a:prstGeom prst="rect">
+                <a:avLst/>
+              </a:prstGeom>
+              <a:noFill/>
+              <a:ln>
+                <a:noFill/>
+              </a:ln>
+            </p:spPr>
+            <p:txBody>
+              <a:bodyPr wrap="square" rtlCol="0">
+                <a:spAutoFit/>
+              </a:bodyPr>
+              <a:lstStyle/>
+              <a:p>
+                <a:r>
+                  <a:rPr lang="nb-NO" sz="1400" dirty="0"/>
+                  <a:t>U</a:t>
+                </a:r>
+                <a:endParaRPr lang="en-GB" sz="1400" dirty="0"/>
+              </a:p>
+            </p:txBody>
+          </p:sp>
+          <p:sp>
+            <p:nvSpPr>
+              <p:cNvPr id="8" name="TextBox 7">
+                <a:extLst>
+                  <a:ext uri="{FF2B5EF4-FFF2-40B4-BE49-F238E27FC236}">
+                    <a16:creationId xmlns:a16="http://schemas.microsoft.com/office/drawing/2014/main" id="{E4BE4957-012B-F440-7650-252B3CF3FE36}"/>
+                  </a:ext>
+                </a:extLst>
+              </p:cNvPr>
+              <p:cNvSpPr txBox="1">
+                <a:spLocks/>
+              </p:cNvSpPr>
+              <p:nvPr/>
+            </p:nvSpPr>
+            <p:spPr>
+              <a:xfrm>
+                <a:off x="9330950" y="2542700"/>
+                <a:ext cx="203200" cy="307777"/>
+              </a:xfrm>
+              <a:prstGeom prst="rect">
+                <a:avLst/>
+              </a:prstGeom>
+              <a:noFill/>
+              <a:ln>
+                <a:noFill/>
+              </a:ln>
+            </p:spPr>
+            <p:txBody>
+              <a:bodyPr wrap="square" rtlCol="0">
+                <a:spAutoFit/>
+              </a:bodyPr>
+              <a:lstStyle/>
+              <a:p>
+                <a:r>
+                  <a:rPr lang="nb-NO" sz="1400" dirty="0"/>
+                  <a:t>P</a:t>
+                </a:r>
+                <a:endParaRPr lang="en-GB" sz="1400" dirty="0"/>
+              </a:p>
+            </p:txBody>
+          </p:sp>
+          <p:sp>
+            <p:nvSpPr>
+              <p:cNvPr id="9" name="TextBox 8">
+                <a:extLst>
+                  <a:ext uri="{FF2B5EF4-FFF2-40B4-BE49-F238E27FC236}">
+                    <a16:creationId xmlns:a16="http://schemas.microsoft.com/office/drawing/2014/main" id="{35DEED30-F44F-5C4E-1875-227928FCB8C7}"/>
+                  </a:ext>
+                </a:extLst>
+              </p:cNvPr>
+              <p:cNvSpPr txBox="1">
+                <a:spLocks/>
+              </p:cNvSpPr>
+              <p:nvPr/>
+            </p:nvSpPr>
+            <p:spPr>
+              <a:xfrm rot="10800000">
+                <a:off x="9593497" y="2381585"/>
+                <a:ext cx="203200" cy="307777"/>
+              </a:xfrm>
+              <a:prstGeom prst="rect">
+                <a:avLst/>
+              </a:prstGeom>
+              <a:noFill/>
+              <a:ln>
+                <a:noFill/>
+              </a:ln>
+            </p:spPr>
+            <p:txBody>
+              <a:bodyPr wrap="square" rtlCol="0">
+                <a:spAutoFit/>
+              </a:bodyPr>
+              <a:lstStyle/>
+              <a:p>
+                <a:r>
+                  <a:rPr lang="nb-NO" sz="1400" dirty="0"/>
+                  <a:t>U</a:t>
+                </a:r>
+                <a:endParaRPr lang="en-GB" sz="1400" dirty="0"/>
+              </a:p>
+            </p:txBody>
+          </p:sp>
+          <p:sp>
+            <p:nvSpPr>
+              <p:cNvPr id="10" name="TextBox 9">
+                <a:extLst>
+                  <a:ext uri="{FF2B5EF4-FFF2-40B4-BE49-F238E27FC236}">
+                    <a16:creationId xmlns:a16="http://schemas.microsoft.com/office/drawing/2014/main" id="{56FF6278-6D9A-B960-F9C7-FDA1395CBF94}"/>
+                  </a:ext>
+                </a:extLst>
+              </p:cNvPr>
+              <p:cNvSpPr txBox="1">
+                <a:spLocks/>
+              </p:cNvSpPr>
+              <p:nvPr/>
+            </p:nvSpPr>
+            <p:spPr>
+              <a:xfrm>
+                <a:off x="9323247" y="668320"/>
+                <a:ext cx="203200" cy="307777"/>
+              </a:xfrm>
+              <a:prstGeom prst="rect">
+                <a:avLst/>
+              </a:prstGeom>
+              <a:noFill/>
+              <a:ln>
+                <a:noFill/>
+              </a:ln>
+            </p:spPr>
+            <p:txBody>
+              <a:bodyPr wrap="square" rtlCol="0">
+                <a:spAutoFit/>
+              </a:bodyPr>
+              <a:lstStyle/>
+              <a:p>
+                <a:r>
+                  <a:rPr lang="nb-NO" sz="1400" dirty="0"/>
+                  <a:t>P</a:t>
+                </a:r>
+                <a:endParaRPr lang="en-GB" sz="1400" dirty="0"/>
+              </a:p>
+            </p:txBody>
+          </p:sp>
+          <p:sp>
+            <p:nvSpPr>
+              <p:cNvPr id="11" name="TextBox 10">
+                <a:extLst>
+                  <a:ext uri="{FF2B5EF4-FFF2-40B4-BE49-F238E27FC236}">
+                    <a16:creationId xmlns:a16="http://schemas.microsoft.com/office/drawing/2014/main" id="{4650B749-5E11-14CD-7442-4F6646575822}"/>
+                  </a:ext>
+                </a:extLst>
+              </p:cNvPr>
+              <p:cNvSpPr txBox="1">
+                <a:spLocks/>
+              </p:cNvSpPr>
+              <p:nvPr/>
+            </p:nvSpPr>
+            <p:spPr>
+              <a:xfrm rot="10800000">
+                <a:off x="9593497" y="507205"/>
+                <a:ext cx="203200" cy="307777"/>
+              </a:xfrm>
+              <a:prstGeom prst="rect">
+                <a:avLst/>
+              </a:prstGeom>
+              <a:noFill/>
+              <a:ln>
+                <a:noFill/>
+              </a:ln>
+            </p:spPr>
+            <p:txBody>
+              <a:bodyPr wrap="square" rtlCol="0">
+                <a:spAutoFit/>
+              </a:bodyPr>
+              <a:lstStyle/>
+              <a:p>
+                <a:r>
+                  <a:rPr lang="nb-NO" sz="1400" dirty="0"/>
+                  <a:t>U</a:t>
+                </a:r>
+                <a:endParaRPr lang="en-GB" sz="1400" dirty="0"/>
+              </a:p>
+            </p:txBody>
+          </p:sp>
+          <p:sp>
+            <p:nvSpPr>
+              <p:cNvPr id="12" name="TextBox 11">
+                <a:extLst>
+                  <a:ext uri="{FF2B5EF4-FFF2-40B4-BE49-F238E27FC236}">
+                    <a16:creationId xmlns:a16="http://schemas.microsoft.com/office/drawing/2014/main" id="{B766B90C-9B30-89E4-0604-2911E3F83AA5}"/>
+                  </a:ext>
+                </a:extLst>
+              </p:cNvPr>
+              <p:cNvSpPr txBox="1">
+                <a:spLocks/>
+              </p:cNvSpPr>
+              <p:nvPr/>
+            </p:nvSpPr>
+            <p:spPr>
+              <a:xfrm>
+                <a:off x="7577417" y="668320"/>
+                <a:ext cx="203200" cy="307777"/>
+              </a:xfrm>
+              <a:prstGeom prst="rect">
+                <a:avLst/>
+              </a:prstGeom>
+              <a:noFill/>
+              <a:ln>
+                <a:noFill/>
+              </a:ln>
+            </p:spPr>
+            <p:txBody>
+              <a:bodyPr wrap="square" rtlCol="0">
+                <a:spAutoFit/>
+              </a:bodyPr>
+              <a:lstStyle/>
+              <a:p>
+                <a:r>
+                  <a:rPr lang="nb-NO" sz="1400" dirty="0"/>
+                  <a:t>P</a:t>
+                </a:r>
+                <a:endParaRPr lang="en-GB" sz="1400" dirty="0"/>
+              </a:p>
+            </p:txBody>
+          </p:sp>
+          <p:sp>
+            <p:nvSpPr>
+              <p:cNvPr id="13" name="TextBox 12">
+                <a:extLst>
+                  <a:ext uri="{FF2B5EF4-FFF2-40B4-BE49-F238E27FC236}">
+                    <a16:creationId xmlns:a16="http://schemas.microsoft.com/office/drawing/2014/main" id="{CDD375E0-A726-FF52-15A8-A10A6DFAC089}"/>
+                  </a:ext>
+                </a:extLst>
+              </p:cNvPr>
+              <p:cNvSpPr txBox="1">
+                <a:spLocks/>
+              </p:cNvSpPr>
+              <p:nvPr/>
+            </p:nvSpPr>
+            <p:spPr>
+              <a:xfrm rot="10800000">
+                <a:off x="7847667" y="507205"/>
+                <a:ext cx="203200" cy="307777"/>
+              </a:xfrm>
+              <a:prstGeom prst="rect">
+                <a:avLst/>
+              </a:prstGeom>
+              <a:noFill/>
+              <a:ln>
+                <a:noFill/>
+              </a:ln>
+            </p:spPr>
+            <p:txBody>
+              <a:bodyPr wrap="square" rtlCol="0">
+                <a:spAutoFit/>
+              </a:bodyPr>
+              <a:lstStyle/>
+              <a:p>
+                <a:r>
+                  <a:rPr lang="nb-NO" sz="1400" dirty="0"/>
+                  <a:t>U</a:t>
+                </a:r>
+                <a:endParaRPr lang="en-GB" sz="1400" dirty="0"/>
+              </a:p>
+            </p:txBody>
+          </p:sp>
+          <p:sp>
+            <p:nvSpPr>
+              <p:cNvPr id="14" name="TextBox 13">
+                <a:extLst>
+                  <a:ext uri="{FF2B5EF4-FFF2-40B4-BE49-F238E27FC236}">
+                    <a16:creationId xmlns:a16="http://schemas.microsoft.com/office/drawing/2014/main" id="{97396F65-BE33-60AB-F8E7-9E01F56B55B3}"/>
+                  </a:ext>
+                </a:extLst>
+              </p:cNvPr>
+              <p:cNvSpPr txBox="1">
+                <a:spLocks/>
+              </p:cNvSpPr>
+              <p:nvPr/>
+            </p:nvSpPr>
+            <p:spPr>
+              <a:xfrm>
+                <a:off x="2855729" y="166963"/>
+                <a:ext cx="203200" cy="307777"/>
+              </a:xfrm>
+              <a:prstGeom prst="rect">
+                <a:avLst/>
+              </a:prstGeom>
+              <a:noFill/>
+              <a:ln>
+                <a:noFill/>
+              </a:ln>
+            </p:spPr>
+            <p:txBody>
+              <a:bodyPr wrap="square" rtlCol="0">
+                <a:spAutoFit/>
+              </a:bodyPr>
+              <a:lstStyle/>
+              <a:p>
+                <a:r>
+                  <a:rPr lang="nb-NO" sz="1400" dirty="0"/>
+                  <a:t>P</a:t>
+                </a:r>
+                <a:endParaRPr lang="en-GB" sz="1400" dirty="0"/>
+              </a:p>
+            </p:txBody>
+          </p:sp>
+          <p:sp>
+            <p:nvSpPr>
+              <p:cNvPr id="15" name="TextBox 14">
+                <a:extLst>
+                  <a:ext uri="{FF2B5EF4-FFF2-40B4-BE49-F238E27FC236}">
+                    <a16:creationId xmlns:a16="http://schemas.microsoft.com/office/drawing/2014/main" id="{CF305D37-3730-9ED7-7772-CC21BB2677A9}"/>
+                  </a:ext>
+                </a:extLst>
+              </p:cNvPr>
+              <p:cNvSpPr txBox="1">
+                <a:spLocks/>
+              </p:cNvSpPr>
+              <p:nvPr/>
+            </p:nvSpPr>
+            <p:spPr>
+              <a:xfrm rot="10800000">
+                <a:off x="3125979" y="5848"/>
+                <a:ext cx="203200" cy="307777"/>
+              </a:xfrm>
+              <a:prstGeom prst="rect">
+                <a:avLst/>
+              </a:prstGeom>
+              <a:noFill/>
+              <a:ln>
+                <a:noFill/>
+              </a:ln>
+            </p:spPr>
+            <p:txBody>
+              <a:bodyPr wrap="square" rtlCol="0">
+                <a:spAutoFit/>
+              </a:bodyPr>
+              <a:lstStyle/>
+              <a:p>
+                <a:r>
+                  <a:rPr lang="nb-NO" sz="1400" dirty="0"/>
+                  <a:t>U</a:t>
+                </a:r>
+                <a:endParaRPr lang="en-GB" sz="1400" dirty="0"/>
+              </a:p>
+            </p:txBody>
+          </p:sp>
+          <p:sp>
+            <p:nvSpPr>
+              <p:cNvPr id="16" name="TextBox 15">
+                <a:extLst>
+                  <a:ext uri="{FF2B5EF4-FFF2-40B4-BE49-F238E27FC236}">
+                    <a16:creationId xmlns:a16="http://schemas.microsoft.com/office/drawing/2014/main" id="{33564953-99A7-F073-4891-B0B14189CD5D}"/>
+                  </a:ext>
+                </a:extLst>
+              </p:cNvPr>
+              <p:cNvSpPr txBox="1">
+                <a:spLocks/>
+              </p:cNvSpPr>
+              <p:nvPr/>
+            </p:nvSpPr>
+            <p:spPr>
+              <a:xfrm>
+                <a:off x="2242340" y="2348137"/>
+                <a:ext cx="203200" cy="307777"/>
+              </a:xfrm>
+              <a:prstGeom prst="rect">
+                <a:avLst/>
+              </a:prstGeom>
+              <a:noFill/>
+              <a:ln>
+                <a:noFill/>
+              </a:ln>
+            </p:spPr>
+            <p:txBody>
+              <a:bodyPr wrap="square" rtlCol="0">
+                <a:spAutoFit/>
+              </a:bodyPr>
+              <a:lstStyle/>
+              <a:p>
+                <a:r>
+                  <a:rPr lang="nb-NO" sz="1400" dirty="0"/>
+                  <a:t>P</a:t>
+                </a:r>
+                <a:endParaRPr lang="en-GB" sz="1400" dirty="0"/>
+              </a:p>
+            </p:txBody>
+          </p:sp>
+          <p:sp>
+            <p:nvSpPr>
+              <p:cNvPr id="17" name="TextBox 16">
+                <a:extLst>
+                  <a:ext uri="{FF2B5EF4-FFF2-40B4-BE49-F238E27FC236}">
+                    <a16:creationId xmlns:a16="http://schemas.microsoft.com/office/drawing/2014/main" id="{B0E54C0B-7095-C8C9-5A50-DFC8544FAC77}"/>
+                  </a:ext>
+                </a:extLst>
+              </p:cNvPr>
+              <p:cNvSpPr txBox="1">
+                <a:spLocks/>
+              </p:cNvSpPr>
+              <p:nvPr/>
+            </p:nvSpPr>
+            <p:spPr>
+              <a:xfrm rot="10800000">
+                <a:off x="2512590" y="2187022"/>
+                <a:ext cx="203200" cy="307777"/>
+              </a:xfrm>
+              <a:prstGeom prst="rect">
+                <a:avLst/>
+              </a:prstGeom>
+              <a:noFill/>
+              <a:ln>
+                <a:noFill/>
+              </a:ln>
+            </p:spPr>
+            <p:txBody>
+              <a:bodyPr wrap="square" rtlCol="0">
+                <a:spAutoFit/>
+              </a:bodyPr>
+              <a:lstStyle/>
+              <a:p>
+                <a:r>
+                  <a:rPr lang="nb-NO" sz="1400" dirty="0"/>
+                  <a:t>U</a:t>
+                </a:r>
+                <a:endParaRPr lang="en-GB" sz="1400" dirty="0"/>
+              </a:p>
+            </p:txBody>
+          </p:sp>
+          <p:sp>
+            <p:nvSpPr>
+              <p:cNvPr id="18" name="TextBox 17">
+                <a:extLst>
+                  <a:ext uri="{FF2B5EF4-FFF2-40B4-BE49-F238E27FC236}">
+                    <a16:creationId xmlns:a16="http://schemas.microsoft.com/office/drawing/2014/main" id="{E47A55EA-BD06-0042-B5F9-B711211CEC3E}"/>
+                  </a:ext>
+                </a:extLst>
+              </p:cNvPr>
+              <p:cNvSpPr txBox="1">
+                <a:spLocks/>
+              </p:cNvSpPr>
+              <p:nvPr/>
+            </p:nvSpPr>
+            <p:spPr>
+              <a:xfrm>
+                <a:off x="4420591" y="2333211"/>
+                <a:ext cx="203200" cy="307777"/>
+              </a:xfrm>
+              <a:prstGeom prst="rect">
+                <a:avLst/>
+              </a:prstGeom>
+              <a:noFill/>
+              <a:ln>
+                <a:noFill/>
+              </a:ln>
+            </p:spPr>
+            <p:txBody>
+              <a:bodyPr wrap="square" rtlCol="0">
+                <a:spAutoFit/>
+              </a:bodyPr>
+              <a:lstStyle/>
+              <a:p>
+                <a:r>
+                  <a:rPr lang="nb-NO" sz="1400" dirty="0"/>
+                  <a:t>P</a:t>
+                </a:r>
+                <a:endParaRPr lang="en-GB" sz="1400" dirty="0"/>
+              </a:p>
+            </p:txBody>
+          </p:sp>
+          <p:sp>
+            <p:nvSpPr>
+              <p:cNvPr id="19" name="TextBox 18">
+                <a:extLst>
+                  <a:ext uri="{FF2B5EF4-FFF2-40B4-BE49-F238E27FC236}">
+                    <a16:creationId xmlns:a16="http://schemas.microsoft.com/office/drawing/2014/main" id="{C9C5FC80-F5A3-7336-F3DE-0B2A899DDFF8}"/>
+                  </a:ext>
+                </a:extLst>
+              </p:cNvPr>
+              <p:cNvSpPr txBox="1">
+                <a:spLocks/>
+              </p:cNvSpPr>
+              <p:nvPr/>
+            </p:nvSpPr>
+            <p:spPr>
+              <a:xfrm rot="10800000">
+                <a:off x="4685890" y="2176863"/>
+                <a:ext cx="203200" cy="307777"/>
+              </a:xfrm>
+              <a:prstGeom prst="rect">
+                <a:avLst/>
+              </a:prstGeom>
+              <a:noFill/>
+              <a:ln>
+                <a:noFill/>
+              </a:ln>
+            </p:spPr>
+            <p:txBody>
+              <a:bodyPr wrap="square" rtlCol="0">
+                <a:spAutoFit/>
+              </a:bodyPr>
+              <a:lstStyle/>
+              <a:p>
+                <a:r>
+                  <a:rPr lang="nb-NO" sz="1400" dirty="0"/>
+                  <a:t>U</a:t>
+                </a:r>
+                <a:endParaRPr lang="en-GB" sz="1400" dirty="0"/>
+              </a:p>
+            </p:txBody>
+          </p:sp>
+          <p:sp>
+            <p:nvSpPr>
+              <p:cNvPr id="20" name="TextBox 19">
+                <a:extLst>
+                  <a:ext uri="{FF2B5EF4-FFF2-40B4-BE49-F238E27FC236}">
+                    <a16:creationId xmlns:a16="http://schemas.microsoft.com/office/drawing/2014/main" id="{B27190C2-4263-0CD2-740F-54C4412ACC7F}"/>
+                  </a:ext>
+                </a:extLst>
+              </p:cNvPr>
+              <p:cNvSpPr txBox="1">
+                <a:spLocks/>
+              </p:cNvSpPr>
+              <p:nvPr/>
+            </p:nvSpPr>
+            <p:spPr>
+              <a:xfrm>
+                <a:off x="5385399" y="4768711"/>
+                <a:ext cx="203200" cy="307777"/>
+              </a:xfrm>
+              <a:prstGeom prst="rect">
+                <a:avLst/>
+              </a:prstGeom>
+              <a:noFill/>
+              <a:ln>
+                <a:noFill/>
+              </a:ln>
+            </p:spPr>
+            <p:txBody>
+              <a:bodyPr wrap="square" rtlCol="0">
+                <a:spAutoFit/>
+              </a:bodyPr>
+              <a:lstStyle/>
+              <a:p>
+                <a:r>
+                  <a:rPr lang="nb-NO" sz="1400" dirty="0"/>
+                  <a:t>P</a:t>
+                </a:r>
+                <a:endParaRPr lang="en-GB" sz="1400" dirty="0"/>
+              </a:p>
+            </p:txBody>
+          </p:sp>
+          <p:sp>
+            <p:nvSpPr>
+              <p:cNvPr id="21" name="TextBox 20">
+                <a:extLst>
+                  <a:ext uri="{FF2B5EF4-FFF2-40B4-BE49-F238E27FC236}">
+                    <a16:creationId xmlns:a16="http://schemas.microsoft.com/office/drawing/2014/main" id="{C0267C0E-F979-8B6E-E0E2-4706365F1747}"/>
+                  </a:ext>
+                </a:extLst>
+              </p:cNvPr>
+              <p:cNvSpPr txBox="1">
+                <a:spLocks/>
+              </p:cNvSpPr>
+              <p:nvPr/>
+            </p:nvSpPr>
+            <p:spPr>
+              <a:xfrm rot="10800000">
+                <a:off x="5655649" y="4607596"/>
+                <a:ext cx="203200" cy="307777"/>
+              </a:xfrm>
+              <a:prstGeom prst="rect">
+                <a:avLst/>
+              </a:prstGeom>
+              <a:noFill/>
+              <a:ln>
+                <a:noFill/>
+              </a:ln>
+            </p:spPr>
+            <p:txBody>
+              <a:bodyPr wrap="square" rtlCol="0">
+                <a:spAutoFit/>
+              </a:bodyPr>
+              <a:lstStyle/>
+              <a:p>
+                <a:r>
+                  <a:rPr lang="nb-NO" sz="1400" dirty="0"/>
+                  <a:t>U</a:t>
+                </a:r>
+                <a:endParaRPr lang="en-GB" sz="1400" dirty="0"/>
+              </a:p>
+            </p:txBody>
+          </p:sp>
+        </p:grpSp>
+      </p:grpSp>
+    </p:spTree>
+    <p:extLst>
+      <p:ext uri="{BB962C8B-B14F-4D97-AF65-F5344CB8AC3E}">
+        <p14:creationId xmlns:p14="http://schemas.microsoft.com/office/powerpoint/2010/main" val="1152743662"/>
+      </p:ext>
+    </p:extLst>
+  </p:cSld>
+  <p:clrMapOvr>
+    <a:masterClrMapping/>
+  </p:clrMapOvr>
+</p:sld>
+</file>
+
+<file path=ppt/slides/slide5.xml><?xml version="1.0" encoding="utf-8"?>
+<p:sld xmlns:a="http://schemas.openxmlformats.org/drawingml/2006/main" xmlns:r="http://schemas.openxmlformats.org/officeDocument/2006/relationships" xmlns:p="http://schemas.openxmlformats.org/presentationml/2006/main">
+  <p:cSld>
+    <p:spTree>
+      <p:nvGrpSpPr>
+        <p:cNvPr id="1" name="">
+          <a:extLst>
+            <a:ext uri="{FF2B5EF4-FFF2-40B4-BE49-F238E27FC236}">
+              <a16:creationId xmlns:a16="http://schemas.microsoft.com/office/drawing/2014/main" id="{ED07AE4B-53F5-7E7B-DA6F-86BD896BEA3F}"/>
+            </a:ext>
+          </a:extLst>
+        </p:cNvPr>
+        <p:cNvGrpSpPr/>
+        <p:nvPr/>
+      </p:nvGrpSpPr>
+      <p:grpSpPr>
+        <a:xfrm>
+          <a:off x="0" y="0"/>
+          <a:ext cx="0" cy="0"/>
+          <a:chOff x="0" y="0"/>
+          <a:chExt cx="0" cy="0"/>
+        </a:xfrm>
+      </p:grpSpPr>
+      <p:pic>
+        <p:nvPicPr>
+          <p:cNvPr id="5" name="Picture 4">
+            <a:extLst>
+              <a:ext uri="{FF2B5EF4-FFF2-40B4-BE49-F238E27FC236}">
+                <a16:creationId xmlns:a16="http://schemas.microsoft.com/office/drawing/2014/main" id="{7C027FC1-BBB0-78D9-E011-4339DE21877A}"/>
+              </a:ext>
+            </a:extLst>
+          </p:cNvPr>
+          <p:cNvPicPr>
+            <a:picLocks noGrp="1" noRot="1" noChangeAspect="1" noMove="1" noResize="1" noEditPoints="1" noAdjustHandles="1" noChangeArrowheads="1" noChangeShapeType="1" noCrop="1"/>
+          </p:cNvPicPr>
+          <p:nvPr/>
+        </p:nvPicPr>
+        <p:blipFill>
+          <a:blip r:embed="rId3"/>
+          <a:srcRect l="34647" t="15312" r="22077" b="13928"/>
+          <a:stretch/>
+        </p:blipFill>
+        <p:spPr>
+          <a:xfrm>
+            <a:off x="442047" y="-196768"/>
+            <a:ext cx="11553930" cy="7226960"/>
+          </a:xfrm>
+          <a:prstGeom prst="rect">
+            <a:avLst/>
+          </a:prstGeom>
+        </p:spPr>
+      </p:pic>
+      <p:grpSp>
+        <p:nvGrpSpPr>
+          <p:cNvPr id="144" name="Group 143">
+            <a:extLst>
+              <a:ext uri="{FF2B5EF4-FFF2-40B4-BE49-F238E27FC236}">
+                <a16:creationId xmlns:a16="http://schemas.microsoft.com/office/drawing/2014/main" id="{C1B5B7B8-E7C8-553C-39E4-207FB12C10D7}"/>
+              </a:ext>
+            </a:extLst>
+          </p:cNvPr>
+          <p:cNvGrpSpPr>
+            <a:grpSpLocks noGrp="1" noUngrp="1" noRot="1" noMove="1" noResize="1"/>
+          </p:cNvGrpSpPr>
+          <p:nvPr/>
+        </p:nvGrpSpPr>
+        <p:grpSpPr>
+          <a:xfrm>
+            <a:off x="795561" y="1771518"/>
+            <a:ext cx="10600878" cy="4622629"/>
+            <a:chOff x="997231" y="1801470"/>
+            <a:chExt cx="10600878" cy="4622629"/>
+          </a:xfrm>
+        </p:grpSpPr>
+        <p:grpSp>
+          <p:nvGrpSpPr>
+            <p:cNvPr id="109" name="Group 108">
+              <a:extLst>
+                <a:ext uri="{FF2B5EF4-FFF2-40B4-BE49-F238E27FC236}">
+                  <a16:creationId xmlns:a16="http://schemas.microsoft.com/office/drawing/2014/main" id="{0F251430-672A-6230-86FC-04A37546D7AF}"/>
+                </a:ext>
+              </a:extLst>
+            </p:cNvPr>
+            <p:cNvGrpSpPr>
+              <a:grpSpLocks noGrp="1" noUngrp="1" noRot="1" noMove="1" noResize="1"/>
+            </p:cNvGrpSpPr>
+            <p:nvPr/>
+          </p:nvGrpSpPr>
+          <p:grpSpPr>
+            <a:xfrm>
+              <a:off x="10055225" y="3220543"/>
+              <a:ext cx="360000" cy="899292"/>
+              <a:chOff x="10055225" y="3220543"/>
+              <a:chExt cx="360000" cy="899292"/>
+            </a:xfrm>
+          </p:grpSpPr>
+          <p:cxnSp>
+            <p:nvCxnSpPr>
+              <p:cNvPr id="103" name="Straight Arrow Connector 102">
+                <a:extLst>
+                  <a:ext uri="{FF2B5EF4-FFF2-40B4-BE49-F238E27FC236}">
+                    <a16:creationId xmlns:a16="http://schemas.microsoft.com/office/drawing/2014/main" id="{6275311C-19DB-AA72-2316-48B748BFE8D1}"/>
+                  </a:ext>
+                </a:extLst>
+              </p:cNvPr>
+              <p:cNvCxnSpPr>
+                <a:cxnSpLocks noGrp="1" noRot="1" noMove="1" noResize="1" noEditPoints="1" noAdjustHandles="1" noChangeArrowheads="1" noChangeShapeType="1"/>
+                <a:stCxn id="108" idx="0"/>
+              </p:cNvCxnSpPr>
+              <p:nvPr/>
+            </p:nvCxnSpPr>
+            <p:spPr>
+              <a:xfrm flipV="1">
+                <a:off x="10235225" y="3220543"/>
+                <a:ext cx="0" cy="539292"/>
+              </a:xfrm>
+              <a:prstGeom prst="straightConnector1">
+                <a:avLst/>
+              </a:prstGeom>
+              <a:ln w="19050">
+                <a:tailEnd type="triangle"/>
+              </a:ln>
+            </p:spPr>
+            <p:style>
+              <a:lnRef idx="2">
+                <a:schemeClr val="accent1"/>
+              </a:lnRef>
+              <a:fillRef idx="0">
+                <a:schemeClr val="accent1"/>
+              </a:fillRef>
+              <a:effectRef idx="1">
+                <a:schemeClr val="accent1"/>
+              </a:effectRef>
+              <a:fontRef idx="minor">
+                <a:schemeClr val="tx1"/>
+              </a:fontRef>
+            </p:style>
+          </p:cxnSp>
+          <p:sp>
+            <p:nvSpPr>
+              <p:cNvPr id="108" name="Oval 107">
+                <a:extLst>
+                  <a:ext uri="{FF2B5EF4-FFF2-40B4-BE49-F238E27FC236}">
+                    <a16:creationId xmlns:a16="http://schemas.microsoft.com/office/drawing/2014/main" id="{55F97849-75F7-4987-2B6C-D44071693F4C}"/>
+                  </a:ext>
+                </a:extLst>
+              </p:cNvPr>
+              <p:cNvSpPr>
+                <a:spLocks noGrp="1" noRot="1" noMove="1" noResize="1" noEditPoints="1" noAdjustHandles="1" noChangeArrowheads="1" noChangeShapeType="1"/>
+              </p:cNvSpPr>
+              <p:nvPr/>
+            </p:nvSpPr>
+            <p:spPr>
+              <a:xfrm>
+                <a:off x="10055225" y="3759835"/>
+                <a:ext cx="360000" cy="360000"/>
+              </a:xfrm>
+              <a:prstGeom prst="ellipse">
+                <a:avLst/>
+              </a:prstGeom>
+              <a:noFill/>
+              <a:ln w="19050" cap="flat" cmpd="sng" algn="ctr">
+                <a:solidFill>
+                  <a:schemeClr val="accent1"/>
+                </a:solidFill>
+                <a:prstDash val="solid"/>
+                <a:round/>
+                <a:headEnd type="none" w="med" len="med"/>
+                <a:tailEnd type="none" w="med" len="med"/>
+              </a:ln>
+            </p:spPr>
+            <p:style>
+              <a:lnRef idx="0">
+                <a:scrgbClr r="0" g="0" b="0"/>
+              </a:lnRef>
+              <a:fillRef idx="0">
+                <a:scrgbClr r="0" g="0" b="0"/>
+              </a:fillRef>
+              <a:effectRef idx="0">
+                <a:scrgbClr r="0" g="0" b="0"/>
+              </a:effectRef>
+              <a:fontRef idx="minor">
+                <a:schemeClr val="accent1"/>
+              </a:fontRef>
+            </p:style>
+            <p:txBody>
+              <a:bodyPr rtlCol="0" anchor="ctr"/>
+              <a:lstStyle/>
+              <a:p>
+                <a:pPr algn="ctr"/>
+                <a:r>
+                  <a:rPr lang="nb-NO" dirty="0"/>
+                  <a:t>2</a:t>
+                </a:r>
+                <a:endParaRPr lang="en-GB" dirty="0"/>
+              </a:p>
+            </p:txBody>
+          </p:sp>
+        </p:grpSp>
+        <p:grpSp>
+          <p:nvGrpSpPr>
+            <p:cNvPr id="121" name="Group 120">
+              <a:extLst>
+                <a:ext uri="{FF2B5EF4-FFF2-40B4-BE49-F238E27FC236}">
+                  <a16:creationId xmlns:a16="http://schemas.microsoft.com/office/drawing/2014/main" id="{7F6316EC-6572-6CF3-CAC8-2A6645827ADB}"/>
+                </a:ext>
+              </a:extLst>
+            </p:cNvPr>
+            <p:cNvGrpSpPr>
+              <a:grpSpLocks noGrp="1" noUngrp="1" noRot="1" noMove="1" noResize="1"/>
+            </p:cNvGrpSpPr>
+            <p:nvPr/>
+          </p:nvGrpSpPr>
+          <p:grpSpPr>
+            <a:xfrm>
+              <a:off x="7600536" y="1801470"/>
+              <a:ext cx="855118" cy="360000"/>
+              <a:chOff x="9543337" y="1327014"/>
+              <a:chExt cx="855118" cy="360000"/>
+            </a:xfrm>
+          </p:grpSpPr>
+          <p:cxnSp>
+            <p:nvCxnSpPr>
+              <p:cNvPr id="122" name="Straight Arrow Connector 121">
+                <a:extLst>
+                  <a:ext uri="{FF2B5EF4-FFF2-40B4-BE49-F238E27FC236}">
+                    <a16:creationId xmlns:a16="http://schemas.microsoft.com/office/drawing/2014/main" id="{BB3C8CE1-950F-4723-F9BD-49085D960278}"/>
+                  </a:ext>
+                </a:extLst>
+              </p:cNvPr>
+              <p:cNvCxnSpPr>
+                <a:cxnSpLocks noGrp="1" noRot="1" noMove="1" noResize="1" noEditPoints="1" noAdjustHandles="1" noChangeArrowheads="1" noChangeShapeType="1"/>
+              </p:cNvCxnSpPr>
+              <p:nvPr/>
+            </p:nvCxnSpPr>
+            <p:spPr>
+              <a:xfrm flipV="1">
+                <a:off x="9909108" y="1507014"/>
+                <a:ext cx="489347" cy="229"/>
+              </a:xfrm>
+              <a:prstGeom prst="straightConnector1">
+                <a:avLst/>
+              </a:prstGeom>
+              <a:ln w="19050">
+                <a:tailEnd type="triangle"/>
+              </a:ln>
+            </p:spPr>
+            <p:style>
+              <a:lnRef idx="2">
+                <a:schemeClr val="accent1"/>
+              </a:lnRef>
+              <a:fillRef idx="0">
+                <a:schemeClr val="accent1"/>
+              </a:fillRef>
+              <a:effectRef idx="1">
+                <a:schemeClr val="accent1"/>
+              </a:effectRef>
+              <a:fontRef idx="minor">
+                <a:schemeClr val="tx1"/>
+              </a:fontRef>
+            </p:style>
+          </p:cxnSp>
+          <p:sp>
+            <p:nvSpPr>
+              <p:cNvPr id="123" name="Oval 122">
+                <a:extLst>
+                  <a:ext uri="{FF2B5EF4-FFF2-40B4-BE49-F238E27FC236}">
+                    <a16:creationId xmlns:a16="http://schemas.microsoft.com/office/drawing/2014/main" id="{A5F0F201-FD7F-4DD9-9D2C-5A2A08A5E654}"/>
+                  </a:ext>
+                </a:extLst>
+              </p:cNvPr>
+              <p:cNvSpPr>
+                <a:spLocks noGrp="1" noRot="1" noMove="1" noResize="1" noEditPoints="1" noAdjustHandles="1" noChangeArrowheads="1" noChangeShapeType="1"/>
+              </p:cNvSpPr>
+              <p:nvPr/>
+            </p:nvSpPr>
+            <p:spPr>
+              <a:xfrm>
+                <a:off x="9543337" y="1327014"/>
+                <a:ext cx="360000" cy="360000"/>
+              </a:xfrm>
+              <a:prstGeom prst="ellipse">
+                <a:avLst/>
+              </a:prstGeom>
+              <a:noFill/>
+              <a:ln w="19050" cap="flat" cmpd="sng" algn="ctr">
+                <a:solidFill>
+                  <a:schemeClr val="accent1"/>
+                </a:solidFill>
+                <a:prstDash val="solid"/>
+                <a:round/>
+                <a:headEnd type="none" w="med" len="med"/>
+                <a:tailEnd type="none" w="med" len="med"/>
+              </a:ln>
+            </p:spPr>
+            <p:style>
+              <a:lnRef idx="0">
+                <a:scrgbClr r="0" g="0" b="0"/>
+              </a:lnRef>
+              <a:fillRef idx="0">
+                <a:scrgbClr r="0" g="0" b="0"/>
+              </a:fillRef>
+              <a:effectRef idx="0">
+                <a:scrgbClr r="0" g="0" b="0"/>
+              </a:effectRef>
+              <a:fontRef idx="minor">
+                <a:schemeClr val="accent1"/>
+              </a:fontRef>
+            </p:style>
+            <p:txBody>
+              <a:bodyPr rtlCol="0" anchor="ctr"/>
+              <a:lstStyle/>
+              <a:p>
+                <a:pPr algn="ctr"/>
+                <a:r>
+                  <a:rPr lang="nb-NO" dirty="0"/>
+                  <a:t>3</a:t>
+                </a:r>
+                <a:endParaRPr lang="en-GB" dirty="0"/>
+              </a:p>
+            </p:txBody>
+          </p:sp>
+        </p:grpSp>
+        <p:grpSp>
+          <p:nvGrpSpPr>
+            <p:cNvPr id="125" name="Group 124">
+              <a:extLst>
+                <a:ext uri="{FF2B5EF4-FFF2-40B4-BE49-F238E27FC236}">
+                  <a16:creationId xmlns:a16="http://schemas.microsoft.com/office/drawing/2014/main" id="{F3852283-088C-E3FD-83DD-77003F5A939F}"/>
+                </a:ext>
+              </a:extLst>
+            </p:cNvPr>
+            <p:cNvGrpSpPr>
+              <a:grpSpLocks noGrp="1" noUngrp="1" noRot="1" noMove="1" noResize="1"/>
+            </p:cNvGrpSpPr>
+            <p:nvPr/>
+          </p:nvGrpSpPr>
+          <p:grpSpPr>
+            <a:xfrm>
+              <a:off x="11238109" y="3555472"/>
+              <a:ext cx="360000" cy="644716"/>
+              <a:chOff x="10626600" y="4236356"/>
+              <a:chExt cx="360000" cy="644716"/>
+            </a:xfrm>
+          </p:grpSpPr>
+          <p:cxnSp>
+            <p:nvCxnSpPr>
+              <p:cNvPr id="126" name="Straight Arrow Connector 125">
+                <a:extLst>
+                  <a:ext uri="{FF2B5EF4-FFF2-40B4-BE49-F238E27FC236}">
+                    <a16:creationId xmlns:a16="http://schemas.microsoft.com/office/drawing/2014/main" id="{9D7F048D-725B-86B8-64D7-B11D0F4E58AF}"/>
+                  </a:ext>
+                </a:extLst>
+              </p:cNvPr>
+              <p:cNvCxnSpPr>
+                <a:cxnSpLocks noGrp="1" noRot="1" noMove="1" noResize="1" noEditPoints="1" noAdjustHandles="1" noChangeArrowheads="1" noChangeShapeType="1"/>
+                <a:stCxn id="127" idx="0"/>
+              </p:cNvCxnSpPr>
+              <p:nvPr/>
+            </p:nvCxnSpPr>
+            <p:spPr>
+              <a:xfrm flipH="1" flipV="1">
+                <a:off x="10799834" y="4236356"/>
+                <a:ext cx="6766" cy="284716"/>
+              </a:xfrm>
+              <a:prstGeom prst="straightConnector1">
+                <a:avLst/>
+              </a:prstGeom>
+              <a:ln w="19050">
+                <a:tailEnd type="triangle"/>
+              </a:ln>
+            </p:spPr>
+            <p:style>
+              <a:lnRef idx="2">
+                <a:schemeClr val="accent1"/>
+              </a:lnRef>
+              <a:fillRef idx="0">
+                <a:schemeClr val="accent1"/>
+              </a:fillRef>
+              <a:effectRef idx="1">
+                <a:schemeClr val="accent1"/>
+              </a:effectRef>
+              <a:fontRef idx="minor">
+                <a:schemeClr val="tx1"/>
+              </a:fontRef>
+            </p:style>
+          </p:cxnSp>
+          <p:sp>
+            <p:nvSpPr>
+              <p:cNvPr id="127" name="Oval 126">
+                <a:extLst>
+                  <a:ext uri="{FF2B5EF4-FFF2-40B4-BE49-F238E27FC236}">
+                    <a16:creationId xmlns:a16="http://schemas.microsoft.com/office/drawing/2014/main" id="{BFA83B38-5BEB-F584-FA26-87E82BDF672D}"/>
+                  </a:ext>
+                </a:extLst>
+              </p:cNvPr>
+              <p:cNvSpPr>
+                <a:spLocks noGrp="1" noRot="1" noMove="1" noResize="1" noEditPoints="1" noAdjustHandles="1" noChangeArrowheads="1" noChangeShapeType="1"/>
+              </p:cNvSpPr>
+              <p:nvPr/>
+            </p:nvSpPr>
+            <p:spPr>
+              <a:xfrm>
+                <a:off x="10626600" y="4521072"/>
+                <a:ext cx="360000" cy="360000"/>
+              </a:xfrm>
+              <a:prstGeom prst="ellipse">
+                <a:avLst/>
+              </a:prstGeom>
+              <a:noFill/>
+              <a:ln w="19050" cap="flat" cmpd="sng" algn="ctr">
+                <a:solidFill>
+                  <a:schemeClr val="accent1"/>
+                </a:solidFill>
+                <a:prstDash val="solid"/>
+                <a:round/>
+                <a:headEnd type="none" w="med" len="med"/>
+                <a:tailEnd type="none" w="med" len="med"/>
+              </a:ln>
+            </p:spPr>
+            <p:style>
+              <a:lnRef idx="0">
+                <a:scrgbClr r="0" g="0" b="0"/>
+              </a:lnRef>
+              <a:fillRef idx="0">
+                <a:scrgbClr r="0" g="0" b="0"/>
+              </a:fillRef>
+              <a:effectRef idx="0">
+                <a:scrgbClr r="0" g="0" b="0"/>
+              </a:effectRef>
+              <a:fontRef idx="minor">
+                <a:schemeClr val="accent1"/>
+              </a:fontRef>
+            </p:style>
+            <p:txBody>
+              <a:bodyPr rtlCol="0" anchor="ctr"/>
+              <a:lstStyle/>
+              <a:p>
+                <a:pPr algn="ctr"/>
+                <a:r>
+                  <a:rPr lang="nb-NO" dirty="0"/>
+                  <a:t>1</a:t>
+                </a:r>
+                <a:endParaRPr lang="en-GB" dirty="0"/>
+              </a:p>
+            </p:txBody>
+          </p:sp>
+        </p:grpSp>
+        <p:grpSp>
+          <p:nvGrpSpPr>
+            <p:cNvPr id="128" name="Group 127">
+              <a:extLst>
+                <a:ext uri="{FF2B5EF4-FFF2-40B4-BE49-F238E27FC236}">
+                  <a16:creationId xmlns:a16="http://schemas.microsoft.com/office/drawing/2014/main" id="{8A63BB5A-96DF-B981-09D2-A48C5980D6E9}"/>
+                </a:ext>
+              </a:extLst>
+            </p:cNvPr>
+            <p:cNvGrpSpPr>
+              <a:grpSpLocks noGrp="1" noUngrp="1" noRot="1" noMove="1" noResize="1"/>
+            </p:cNvGrpSpPr>
+            <p:nvPr/>
+          </p:nvGrpSpPr>
+          <p:grpSpPr>
+            <a:xfrm>
+              <a:off x="8075670" y="3840188"/>
+              <a:ext cx="667096" cy="636289"/>
+              <a:chOff x="11090919" y="3114611"/>
+              <a:chExt cx="667096" cy="636289"/>
+            </a:xfrm>
+          </p:grpSpPr>
+          <p:cxnSp>
+            <p:nvCxnSpPr>
+              <p:cNvPr id="129" name="Straight Arrow Connector 128">
+                <a:extLst>
+                  <a:ext uri="{FF2B5EF4-FFF2-40B4-BE49-F238E27FC236}">
+                    <a16:creationId xmlns:a16="http://schemas.microsoft.com/office/drawing/2014/main" id="{B4446A80-D85C-88AE-FFCC-5C3B6D82B918}"/>
+                  </a:ext>
+                </a:extLst>
+              </p:cNvPr>
+              <p:cNvCxnSpPr>
+                <a:cxnSpLocks noGrp="1" noRot="1" noMove="1" noResize="1" noEditPoints="1" noAdjustHandles="1" noChangeArrowheads="1" noChangeShapeType="1"/>
+                <a:stCxn id="130" idx="1"/>
+              </p:cNvCxnSpPr>
+              <p:nvPr/>
+            </p:nvCxnSpPr>
+            <p:spPr>
+              <a:xfrm flipH="1" flipV="1">
+                <a:off x="11090919" y="3114611"/>
+                <a:ext cx="359817" cy="329010"/>
+              </a:xfrm>
+              <a:prstGeom prst="straightConnector1">
+                <a:avLst/>
+              </a:prstGeom>
+              <a:ln w="19050">
+                <a:tailEnd type="triangle"/>
+              </a:ln>
+            </p:spPr>
+            <p:style>
+              <a:lnRef idx="2">
+                <a:schemeClr val="accent1"/>
+              </a:lnRef>
+              <a:fillRef idx="0">
+                <a:schemeClr val="accent1"/>
+              </a:fillRef>
+              <a:effectRef idx="1">
+                <a:schemeClr val="accent1"/>
+              </a:effectRef>
+              <a:fontRef idx="minor">
+                <a:schemeClr val="tx1"/>
+              </a:fontRef>
+            </p:style>
+          </p:cxnSp>
+          <p:sp>
+            <p:nvSpPr>
+              <p:cNvPr id="130" name="Oval 129">
+                <a:extLst>
+                  <a:ext uri="{FF2B5EF4-FFF2-40B4-BE49-F238E27FC236}">
+                    <a16:creationId xmlns:a16="http://schemas.microsoft.com/office/drawing/2014/main" id="{CAB4A0FE-E6DF-0B86-4DD6-1E0AFC26D239}"/>
+                  </a:ext>
+                </a:extLst>
+              </p:cNvPr>
+              <p:cNvSpPr>
+                <a:spLocks noGrp="1" noRot="1" noMove="1" noResize="1" noEditPoints="1" noAdjustHandles="1" noChangeArrowheads="1" noChangeShapeType="1"/>
+              </p:cNvSpPr>
+              <p:nvPr/>
+            </p:nvSpPr>
+            <p:spPr>
+              <a:xfrm>
+                <a:off x="11398015" y="3390900"/>
+                <a:ext cx="360000" cy="360000"/>
+              </a:xfrm>
+              <a:prstGeom prst="ellipse">
+                <a:avLst/>
+              </a:prstGeom>
+              <a:noFill/>
+              <a:ln w="19050" cap="flat" cmpd="sng" algn="ctr">
+                <a:solidFill>
+                  <a:schemeClr val="accent1"/>
+                </a:solidFill>
+                <a:prstDash val="solid"/>
+                <a:round/>
+                <a:headEnd type="none" w="med" len="med"/>
+                <a:tailEnd type="none" w="med" len="med"/>
+              </a:ln>
+            </p:spPr>
+            <p:style>
+              <a:lnRef idx="0">
+                <a:scrgbClr r="0" g="0" b="0"/>
+              </a:lnRef>
+              <a:fillRef idx="0">
+                <a:scrgbClr r="0" g="0" b="0"/>
+              </a:fillRef>
+              <a:effectRef idx="0">
+                <a:scrgbClr r="0" g="0" b="0"/>
+              </a:effectRef>
+              <a:fontRef idx="minor">
+                <a:schemeClr val="accent1"/>
+              </a:fontRef>
+            </p:style>
+            <p:txBody>
+              <a:bodyPr rtlCol="0" anchor="ctr"/>
+              <a:lstStyle/>
+              <a:p>
+                <a:pPr algn="ctr"/>
+                <a:r>
+                  <a:rPr lang="nb-NO" dirty="0"/>
+                  <a:t>4</a:t>
+                </a:r>
+                <a:endParaRPr lang="en-GB" dirty="0"/>
+              </a:p>
+            </p:txBody>
+          </p:sp>
+        </p:grpSp>
+        <p:grpSp>
+          <p:nvGrpSpPr>
+            <p:cNvPr id="131" name="Group 130">
+              <a:extLst>
+                <a:ext uri="{FF2B5EF4-FFF2-40B4-BE49-F238E27FC236}">
+                  <a16:creationId xmlns:a16="http://schemas.microsoft.com/office/drawing/2014/main" id="{A8F7E365-567B-8EF3-04ED-EEE4AF702C38}"/>
+                </a:ext>
+              </a:extLst>
+            </p:cNvPr>
+            <p:cNvGrpSpPr>
+              <a:grpSpLocks noGrp="1" noUngrp="1" noRot="1" noMove="1" noResize="1"/>
+            </p:cNvGrpSpPr>
+            <p:nvPr/>
+          </p:nvGrpSpPr>
+          <p:grpSpPr>
+            <a:xfrm>
+              <a:off x="5870351" y="6064099"/>
+              <a:ext cx="688859" cy="360000"/>
+              <a:chOff x="13294115" y="4148455"/>
+              <a:chExt cx="688859" cy="360000"/>
+            </a:xfrm>
+          </p:grpSpPr>
+          <p:cxnSp>
+            <p:nvCxnSpPr>
+              <p:cNvPr id="132" name="Straight Arrow Connector 131">
+                <a:extLst>
+                  <a:ext uri="{FF2B5EF4-FFF2-40B4-BE49-F238E27FC236}">
+                    <a16:creationId xmlns:a16="http://schemas.microsoft.com/office/drawing/2014/main" id="{8680DF91-295B-C046-F2EA-616A01EEDB4B}"/>
+                  </a:ext>
+                </a:extLst>
+              </p:cNvPr>
+              <p:cNvCxnSpPr>
+                <a:cxnSpLocks noGrp="1" noRot="1" noMove="1" noResize="1" noEditPoints="1" noAdjustHandles="1" noChangeArrowheads="1" noChangeShapeType="1"/>
+              </p:cNvCxnSpPr>
+              <p:nvPr/>
+            </p:nvCxnSpPr>
+            <p:spPr>
+              <a:xfrm flipH="1" flipV="1">
+                <a:off x="13294115" y="4149385"/>
+                <a:ext cx="331470" cy="115812"/>
+              </a:xfrm>
+              <a:prstGeom prst="straightConnector1">
+                <a:avLst/>
+              </a:prstGeom>
+              <a:ln w="19050">
+                <a:tailEnd type="triangle"/>
+              </a:ln>
+            </p:spPr>
+            <p:style>
+              <a:lnRef idx="2">
+                <a:schemeClr val="accent1"/>
+              </a:lnRef>
+              <a:fillRef idx="0">
+                <a:schemeClr val="accent1"/>
+              </a:fillRef>
+              <a:effectRef idx="1">
+                <a:schemeClr val="accent1"/>
+              </a:effectRef>
+              <a:fontRef idx="minor">
+                <a:schemeClr val="tx1"/>
+              </a:fontRef>
+            </p:style>
+          </p:cxnSp>
+          <p:sp>
+            <p:nvSpPr>
+              <p:cNvPr id="133" name="Oval 132">
+                <a:extLst>
+                  <a:ext uri="{FF2B5EF4-FFF2-40B4-BE49-F238E27FC236}">
+                    <a16:creationId xmlns:a16="http://schemas.microsoft.com/office/drawing/2014/main" id="{BE2C2D72-E99E-68E0-D150-B10200E7A712}"/>
+                  </a:ext>
+                </a:extLst>
+              </p:cNvPr>
+              <p:cNvSpPr>
+                <a:spLocks noGrp="1" noRot="1" noMove="1" noResize="1" noEditPoints="1" noAdjustHandles="1" noChangeArrowheads="1" noChangeShapeType="1"/>
+              </p:cNvSpPr>
+              <p:nvPr/>
+            </p:nvSpPr>
+            <p:spPr>
+              <a:xfrm>
+                <a:off x="13622974" y="4148455"/>
+                <a:ext cx="360000" cy="360000"/>
+              </a:xfrm>
+              <a:prstGeom prst="ellipse">
+                <a:avLst/>
+              </a:prstGeom>
+              <a:noFill/>
+              <a:ln w="19050" cap="flat" cmpd="sng" algn="ctr">
+                <a:solidFill>
+                  <a:schemeClr val="accent1"/>
+                </a:solidFill>
+                <a:prstDash val="solid"/>
+                <a:round/>
+                <a:headEnd type="none" w="med" len="med"/>
+                <a:tailEnd type="none" w="med" len="med"/>
+              </a:ln>
+            </p:spPr>
+            <p:style>
+              <a:lnRef idx="0">
+                <a:scrgbClr r="0" g="0" b="0"/>
+              </a:lnRef>
+              <a:fillRef idx="0">
+                <a:scrgbClr r="0" g="0" b="0"/>
+              </a:fillRef>
+              <a:effectRef idx="0">
+                <a:scrgbClr r="0" g="0" b="0"/>
+              </a:effectRef>
+              <a:fontRef idx="minor">
+                <a:schemeClr val="accent1"/>
+              </a:fontRef>
+            </p:style>
+            <p:txBody>
+              <a:bodyPr rtlCol="0" anchor="ctr"/>
+              <a:lstStyle/>
+              <a:p>
+                <a:pPr algn="ctr"/>
+                <a:r>
+                  <a:rPr lang="nb-NO" dirty="0"/>
+                  <a:t>6</a:t>
+                </a:r>
+                <a:endParaRPr lang="en-GB" dirty="0"/>
+              </a:p>
+            </p:txBody>
+          </p:sp>
+        </p:grpSp>
+        <p:grpSp>
+          <p:nvGrpSpPr>
+            <p:cNvPr id="138" name="Group 137">
+              <a:extLst>
+                <a:ext uri="{FF2B5EF4-FFF2-40B4-BE49-F238E27FC236}">
+                  <a16:creationId xmlns:a16="http://schemas.microsoft.com/office/drawing/2014/main" id="{E4D6A8C5-6BEF-806F-7CC7-6D60C806CE83}"/>
+                </a:ext>
+              </a:extLst>
+            </p:cNvPr>
+            <p:cNvGrpSpPr>
+              <a:grpSpLocks noGrp="1" noUngrp="1" noRot="1" noMove="1" noResize="1"/>
+            </p:cNvGrpSpPr>
+            <p:nvPr/>
+          </p:nvGrpSpPr>
+          <p:grpSpPr>
+            <a:xfrm>
+              <a:off x="3058861" y="3946571"/>
+              <a:ext cx="360000" cy="709906"/>
+              <a:chOff x="11230397" y="3054268"/>
+              <a:chExt cx="360000" cy="709906"/>
+            </a:xfrm>
+          </p:grpSpPr>
+          <p:cxnSp>
+            <p:nvCxnSpPr>
+              <p:cNvPr id="139" name="Straight Arrow Connector 138">
+                <a:extLst>
+                  <a:ext uri="{FF2B5EF4-FFF2-40B4-BE49-F238E27FC236}">
+                    <a16:creationId xmlns:a16="http://schemas.microsoft.com/office/drawing/2014/main" id="{60771E0C-9476-C3EB-570C-30E33107B7BB}"/>
+                  </a:ext>
+                </a:extLst>
+              </p:cNvPr>
+              <p:cNvCxnSpPr>
+                <a:cxnSpLocks noGrp="1" noRot="1" noMove="1" noResize="1" noEditPoints="1" noAdjustHandles="1" noChangeArrowheads="1" noChangeShapeType="1"/>
+                <a:stCxn id="140" idx="0"/>
+              </p:cNvCxnSpPr>
+              <p:nvPr/>
+            </p:nvCxnSpPr>
+            <p:spPr>
+              <a:xfrm flipV="1">
+                <a:off x="11410397" y="3054268"/>
+                <a:ext cx="0" cy="349906"/>
+              </a:xfrm>
+              <a:prstGeom prst="straightConnector1">
+                <a:avLst/>
+              </a:prstGeom>
+              <a:ln w="19050">
+                <a:tailEnd type="triangle"/>
+              </a:ln>
+            </p:spPr>
+            <p:style>
+              <a:lnRef idx="2">
+                <a:schemeClr val="accent1"/>
+              </a:lnRef>
+              <a:fillRef idx="0">
+                <a:schemeClr val="accent1"/>
+              </a:fillRef>
+              <a:effectRef idx="1">
+                <a:schemeClr val="accent1"/>
+              </a:effectRef>
+              <a:fontRef idx="minor">
+                <a:schemeClr val="tx1"/>
+              </a:fontRef>
+            </p:style>
+          </p:cxnSp>
+          <p:sp>
+            <p:nvSpPr>
+              <p:cNvPr id="140" name="Oval 139">
+                <a:extLst>
+                  <a:ext uri="{FF2B5EF4-FFF2-40B4-BE49-F238E27FC236}">
+                    <a16:creationId xmlns:a16="http://schemas.microsoft.com/office/drawing/2014/main" id="{7D64AB26-9FA7-5714-C397-52B2F884DF25}"/>
+                  </a:ext>
+                </a:extLst>
+              </p:cNvPr>
+              <p:cNvSpPr>
+                <a:spLocks noGrp="1" noRot="1" noMove="1" noResize="1" noEditPoints="1" noAdjustHandles="1" noChangeArrowheads="1" noChangeShapeType="1"/>
+              </p:cNvSpPr>
+              <p:nvPr/>
+            </p:nvSpPr>
+            <p:spPr>
+              <a:xfrm>
+                <a:off x="11230397" y="3404174"/>
+                <a:ext cx="360000" cy="360000"/>
+              </a:xfrm>
+              <a:prstGeom prst="ellipse">
+                <a:avLst/>
+              </a:prstGeom>
+              <a:noFill/>
+              <a:ln w="19050" cap="flat" cmpd="sng" algn="ctr">
+                <a:solidFill>
+                  <a:schemeClr val="accent1"/>
+                </a:solidFill>
+                <a:prstDash val="solid"/>
+                <a:round/>
+                <a:headEnd type="none" w="med" len="med"/>
+                <a:tailEnd type="none" w="med" len="med"/>
+              </a:ln>
+            </p:spPr>
+            <p:style>
+              <a:lnRef idx="0">
+                <a:scrgbClr r="0" g="0" b="0"/>
+              </a:lnRef>
+              <a:fillRef idx="0">
+                <a:scrgbClr r="0" g="0" b="0"/>
+              </a:fillRef>
+              <a:effectRef idx="0">
+                <a:scrgbClr r="0" g="0" b="0"/>
+              </a:effectRef>
+              <a:fontRef idx="minor">
+                <a:schemeClr val="accent1"/>
+              </a:fontRef>
+            </p:style>
+            <p:txBody>
+              <a:bodyPr rtlCol="0" anchor="ctr"/>
+              <a:lstStyle/>
+              <a:p>
+                <a:pPr algn="ctr"/>
+                <a:r>
+                  <a:rPr lang="nb-NO" dirty="0"/>
+                  <a:t>7</a:t>
+                </a:r>
+                <a:endParaRPr lang="en-GB" dirty="0"/>
+              </a:p>
+            </p:txBody>
+          </p:sp>
+        </p:grpSp>
+        <p:grpSp>
+          <p:nvGrpSpPr>
+            <p:cNvPr id="141" name="Group 140">
+              <a:extLst>
+                <a:ext uri="{FF2B5EF4-FFF2-40B4-BE49-F238E27FC236}">
+                  <a16:creationId xmlns:a16="http://schemas.microsoft.com/office/drawing/2014/main" id="{66E31CED-F467-EE63-243D-EF1E05F85C12}"/>
+                </a:ext>
+              </a:extLst>
+            </p:cNvPr>
+            <p:cNvGrpSpPr>
+              <a:grpSpLocks noGrp="1" noUngrp="1" noRot="1" noMove="1" noResize="1"/>
+            </p:cNvGrpSpPr>
+            <p:nvPr/>
+          </p:nvGrpSpPr>
+          <p:grpSpPr>
+            <a:xfrm>
+              <a:off x="997231" y="3555035"/>
+              <a:ext cx="360000" cy="645153"/>
+              <a:chOff x="11058652" y="4197357"/>
+              <a:chExt cx="360000" cy="645153"/>
+            </a:xfrm>
+          </p:grpSpPr>
+          <p:cxnSp>
+            <p:nvCxnSpPr>
+              <p:cNvPr id="142" name="Straight Arrow Connector 141">
+                <a:extLst>
+                  <a:ext uri="{FF2B5EF4-FFF2-40B4-BE49-F238E27FC236}">
+                    <a16:creationId xmlns:a16="http://schemas.microsoft.com/office/drawing/2014/main" id="{B44A01CD-F680-E0BD-06B6-5E86E2966B1A}"/>
+                  </a:ext>
+                </a:extLst>
+              </p:cNvPr>
+              <p:cNvCxnSpPr>
+                <a:cxnSpLocks noGrp="1" noRot="1" noMove="1" noResize="1" noEditPoints="1" noAdjustHandles="1" noChangeArrowheads="1" noChangeShapeType="1"/>
+              </p:cNvCxnSpPr>
+              <p:nvPr/>
+            </p:nvCxnSpPr>
+            <p:spPr>
+              <a:xfrm flipV="1">
+                <a:off x="11238652" y="4197357"/>
+                <a:ext cx="0" cy="285153"/>
+              </a:xfrm>
+              <a:prstGeom prst="straightConnector1">
+                <a:avLst/>
+              </a:prstGeom>
+              <a:ln w="19050">
+                <a:tailEnd type="triangle"/>
+              </a:ln>
+            </p:spPr>
+            <p:style>
+              <a:lnRef idx="2">
+                <a:schemeClr val="accent1"/>
+              </a:lnRef>
+              <a:fillRef idx="0">
+                <a:schemeClr val="accent1"/>
+              </a:fillRef>
+              <a:effectRef idx="1">
+                <a:schemeClr val="accent1"/>
+              </a:effectRef>
+              <a:fontRef idx="minor">
+                <a:schemeClr val="tx1"/>
+              </a:fontRef>
+            </p:style>
+          </p:cxnSp>
+          <p:sp>
+            <p:nvSpPr>
+              <p:cNvPr id="143" name="Oval 142">
+                <a:extLst>
+                  <a:ext uri="{FF2B5EF4-FFF2-40B4-BE49-F238E27FC236}">
+                    <a16:creationId xmlns:a16="http://schemas.microsoft.com/office/drawing/2014/main" id="{672CC555-F91F-1029-FF2B-1B5ADB12E349}"/>
+                  </a:ext>
+                </a:extLst>
+              </p:cNvPr>
+              <p:cNvSpPr>
+                <a:spLocks noGrp="1" noRot="1" noMove="1" noResize="1" noEditPoints="1" noAdjustHandles="1" noChangeArrowheads="1" noChangeShapeType="1"/>
+              </p:cNvSpPr>
+              <p:nvPr/>
+            </p:nvSpPr>
+            <p:spPr>
+              <a:xfrm>
+                <a:off x="11058652" y="4482510"/>
+                <a:ext cx="360000" cy="360000"/>
+              </a:xfrm>
+              <a:prstGeom prst="ellipse">
+                <a:avLst/>
+              </a:prstGeom>
+              <a:noFill/>
+              <a:ln w="19050" cap="flat" cmpd="sng" algn="ctr">
+                <a:solidFill>
+                  <a:schemeClr val="accent1"/>
+                </a:solidFill>
+                <a:prstDash val="solid"/>
+                <a:round/>
+                <a:headEnd type="none" w="med" len="med"/>
+                <a:tailEnd type="none" w="med" len="med"/>
+              </a:ln>
+            </p:spPr>
+            <p:style>
+              <a:lnRef idx="0">
+                <a:scrgbClr r="0" g="0" b="0"/>
+              </a:lnRef>
+              <a:fillRef idx="0">
+                <a:scrgbClr r="0" g="0" b="0"/>
+              </a:fillRef>
+              <a:effectRef idx="0">
+                <a:scrgbClr r="0" g="0" b="0"/>
+              </a:effectRef>
+              <a:fontRef idx="minor">
+                <a:schemeClr val="accent1"/>
+              </a:fontRef>
+            </p:style>
+            <p:txBody>
+              <a:bodyPr rtlCol="0" anchor="ctr"/>
+              <a:lstStyle/>
+              <a:p>
+                <a:pPr algn="ctr"/>
+                <a:r>
+                  <a:rPr lang="nb-NO" dirty="0"/>
+                  <a:t>8</a:t>
+                </a:r>
+                <a:endParaRPr lang="en-GB" dirty="0"/>
+              </a:p>
+            </p:txBody>
+          </p:sp>
+        </p:grpSp>
+      </p:grpSp>
+      <p:cxnSp>
+        <p:nvCxnSpPr>
+          <p:cNvPr id="3" name="Straight Arrow Connector 2">
+            <a:extLst>
+              <a:ext uri="{FF2B5EF4-FFF2-40B4-BE49-F238E27FC236}">
+                <a16:creationId xmlns:a16="http://schemas.microsoft.com/office/drawing/2014/main" id="{778A8A75-3F61-B06B-F571-FEFA311C641C}"/>
+              </a:ext>
+            </a:extLst>
+          </p:cNvPr>
+          <p:cNvCxnSpPr>
+            <a:cxnSpLocks/>
+            <a:stCxn id="4" idx="7"/>
+          </p:cNvCxnSpPr>
+          <p:nvPr/>
+        </p:nvCxnSpPr>
+        <p:spPr>
+          <a:xfrm flipV="1">
+            <a:off x="4971532" y="3810236"/>
+            <a:ext cx="329305" cy="307394"/>
+          </a:xfrm>
+          <a:prstGeom prst="straightConnector1">
+            <a:avLst/>
+          </a:prstGeom>
+          <a:ln w="19050">
+            <a:tailEnd type="triangle"/>
+          </a:ln>
+        </p:spPr>
+        <p:style>
+          <a:lnRef idx="2">
+            <a:schemeClr val="accent1"/>
+          </a:lnRef>
+          <a:fillRef idx="0">
+            <a:schemeClr val="accent1"/>
+          </a:fillRef>
+          <a:effectRef idx="1">
+            <a:schemeClr val="accent1"/>
+          </a:effectRef>
+          <a:fontRef idx="minor">
+            <a:schemeClr val="tx1"/>
+          </a:fontRef>
+        </p:style>
+      </p:cxnSp>
+      <p:sp>
+        <p:nvSpPr>
+          <p:cNvPr id="4" name="Oval 3">
+            <a:extLst>
+              <a:ext uri="{FF2B5EF4-FFF2-40B4-BE49-F238E27FC236}">
+                <a16:creationId xmlns:a16="http://schemas.microsoft.com/office/drawing/2014/main" id="{69EC89CC-AFF1-93D3-CB98-C34ACB28FABB}"/>
+              </a:ext>
+            </a:extLst>
+          </p:cNvPr>
+          <p:cNvSpPr/>
+          <p:nvPr/>
+        </p:nvSpPr>
+        <p:spPr>
+          <a:xfrm>
+            <a:off x="4664253" y="4064909"/>
+            <a:ext cx="360000" cy="360000"/>
+          </a:xfrm>
+          <a:prstGeom prst="ellipse">
+            <a:avLst/>
+          </a:prstGeom>
+          <a:noFill/>
+          <a:ln w="19050" cap="flat" cmpd="sng" algn="ctr">
+            <a:solidFill>
+              <a:schemeClr val="accent1"/>
+            </a:solidFill>
+            <a:prstDash val="solid"/>
+            <a:round/>
+            <a:headEnd type="none" w="med" len="med"/>
+            <a:tailEnd type="none" w="med" len="med"/>
+          </a:ln>
+        </p:spPr>
+        <p:style>
+          <a:lnRef idx="0">
+            <a:scrgbClr r="0" g="0" b="0"/>
+          </a:lnRef>
+          <a:fillRef idx="0">
+            <a:scrgbClr r="0" g="0" b="0"/>
+          </a:fillRef>
+          <a:effectRef idx="0">
+            <a:scrgbClr r="0" g="0" b="0"/>
+          </a:effectRef>
+          <a:fontRef idx="minor">
+            <a:schemeClr val="accent1"/>
+          </a:fontRef>
+        </p:style>
+        <p:txBody>
+          <a:bodyPr rtlCol="0" anchor="ctr"/>
+          <a:lstStyle/>
+          <a:p>
+            <a:pPr algn="ctr"/>
+            <a:r>
+              <a:rPr lang="nb-NO" dirty="0"/>
+              <a:t>5</a:t>
+            </a:r>
+            <a:endParaRPr lang="en-GB" dirty="0"/>
+          </a:p>
+        </p:txBody>
+      </p:sp>
+      <p:grpSp>
+        <p:nvGrpSpPr>
+          <p:cNvPr id="69" name="Group 68">
+            <a:extLst>
+              <a:ext uri="{FF2B5EF4-FFF2-40B4-BE49-F238E27FC236}">
+                <a16:creationId xmlns:a16="http://schemas.microsoft.com/office/drawing/2014/main" id="{7D4EAE95-C69B-2847-AA2F-F19575945AC3}"/>
+              </a:ext>
+            </a:extLst>
+          </p:cNvPr>
+          <p:cNvGrpSpPr>
+            <a:grpSpLocks noGrp="1" noUngrp="1" noRot="1" noMove="1" noResize="1"/>
+          </p:cNvGrpSpPr>
+          <p:nvPr/>
+        </p:nvGrpSpPr>
+        <p:grpSpPr>
+          <a:xfrm>
+            <a:off x="1652221" y="41682"/>
+            <a:ext cx="8619964" cy="4692439"/>
+            <a:chOff x="1652221" y="41682"/>
+            <a:chExt cx="8619964" cy="4692439"/>
+          </a:xfrm>
+        </p:grpSpPr>
+        <p:grpSp>
+          <p:nvGrpSpPr>
+            <p:cNvPr id="40" name="Group 39">
+              <a:extLst>
+                <a:ext uri="{FF2B5EF4-FFF2-40B4-BE49-F238E27FC236}">
+                  <a16:creationId xmlns:a16="http://schemas.microsoft.com/office/drawing/2014/main" id="{07579ECF-6F64-8146-FEA5-1406F19097CD}"/>
+                </a:ext>
+              </a:extLst>
+            </p:cNvPr>
+            <p:cNvGrpSpPr>
+              <a:grpSpLocks noGrp="1" noUngrp="1" noRot="1" noMove="1" noResize="1"/>
+            </p:cNvGrpSpPr>
+            <p:nvPr/>
+          </p:nvGrpSpPr>
+          <p:grpSpPr>
+            <a:xfrm>
+              <a:off x="7793183" y="2767665"/>
+              <a:ext cx="473450" cy="468892"/>
+              <a:chOff x="7793183" y="2767665"/>
+              <a:chExt cx="473450" cy="468892"/>
+            </a:xfrm>
+          </p:grpSpPr>
+          <p:sp>
+            <p:nvSpPr>
+              <p:cNvPr id="87" name="TextBox 86">
+                <a:extLst>
+                  <a:ext uri="{FF2B5EF4-FFF2-40B4-BE49-F238E27FC236}">
+                    <a16:creationId xmlns:a16="http://schemas.microsoft.com/office/drawing/2014/main" id="{654FA125-926D-581C-2806-F45566E1DE50}"/>
+                  </a:ext>
+                </a:extLst>
+              </p:cNvPr>
+              <p:cNvSpPr txBox="1">
+                <a:spLocks noGrp="1" noRot="1" noMove="1" noResize="1" noEditPoints="1" noAdjustHandles="1" noChangeArrowheads="1" noChangeShapeType="1"/>
+              </p:cNvSpPr>
+              <p:nvPr/>
+            </p:nvSpPr>
+            <p:spPr>
+              <a:xfrm>
+                <a:off x="7793183" y="2928780"/>
+                <a:ext cx="203200" cy="307777"/>
+              </a:xfrm>
+              <a:prstGeom prst="rect">
+                <a:avLst/>
+              </a:prstGeom>
+              <a:noFill/>
+              <a:ln>
+                <a:noFill/>
+              </a:ln>
+            </p:spPr>
+            <p:txBody>
+              <a:bodyPr wrap="square" rtlCol="0">
+                <a:spAutoFit/>
+              </a:bodyPr>
+              <a:lstStyle/>
+              <a:p>
+                <a:r>
+                  <a:rPr lang="nb-NO" sz="1400" dirty="0"/>
+                  <a:t>P</a:t>
+                </a:r>
+                <a:endParaRPr lang="en-GB" sz="1400" dirty="0"/>
+              </a:p>
+            </p:txBody>
+          </p:sp>
+          <p:sp>
+            <p:nvSpPr>
+              <p:cNvPr id="88" name="TextBox 87">
+                <a:extLst>
+                  <a:ext uri="{FF2B5EF4-FFF2-40B4-BE49-F238E27FC236}">
+                    <a16:creationId xmlns:a16="http://schemas.microsoft.com/office/drawing/2014/main" id="{D6A968F0-B1AF-67D1-B83B-C4A1FA840A23}"/>
+                  </a:ext>
+                </a:extLst>
+              </p:cNvPr>
+              <p:cNvSpPr txBox="1">
+                <a:spLocks noGrp="1" noRot="1" noMove="1" noResize="1" noEditPoints="1" noAdjustHandles="1" noChangeArrowheads="1" noChangeShapeType="1"/>
+              </p:cNvSpPr>
+              <p:nvPr/>
+            </p:nvSpPr>
+            <p:spPr>
+              <a:xfrm rot="10800000">
+                <a:off x="8063433" y="2767665"/>
+                <a:ext cx="203200" cy="307777"/>
+              </a:xfrm>
+              <a:prstGeom prst="rect">
+                <a:avLst/>
+              </a:prstGeom>
+              <a:noFill/>
+              <a:ln>
+                <a:noFill/>
+              </a:ln>
+            </p:spPr>
+            <p:txBody>
+              <a:bodyPr wrap="square" rtlCol="0">
+                <a:spAutoFit/>
+              </a:bodyPr>
+              <a:lstStyle/>
+              <a:p>
+                <a:r>
+                  <a:rPr lang="nb-NO" sz="1400" dirty="0"/>
+                  <a:t>U</a:t>
+                </a:r>
+                <a:endParaRPr lang="en-GB" sz="1400" dirty="0"/>
+              </a:p>
+            </p:txBody>
+          </p:sp>
+          <p:sp>
+            <p:nvSpPr>
+              <p:cNvPr id="89" name="Rectangle 88">
+                <a:extLst>
+                  <a:ext uri="{FF2B5EF4-FFF2-40B4-BE49-F238E27FC236}">
+                    <a16:creationId xmlns:a16="http://schemas.microsoft.com/office/drawing/2014/main" id="{5AB94157-FFE8-A753-E4E8-5FC885C8238C}"/>
+                  </a:ext>
+                </a:extLst>
+              </p:cNvPr>
+              <p:cNvSpPr>
+                <a:spLocks noGrp="1" noRot="1" noMove="1" noResize="1" noEditPoints="1" noAdjustHandles="1" noChangeArrowheads="1" noChangeShapeType="1"/>
+              </p:cNvSpPr>
+              <p:nvPr/>
+            </p:nvSpPr>
+            <p:spPr>
+              <a:xfrm>
+                <a:off x="7840908" y="2813111"/>
+                <a:ext cx="378000" cy="378000"/>
+              </a:xfrm>
+              <a:prstGeom prst="rect">
+                <a:avLst/>
+              </a:prstGeom>
+              <a:noFill/>
+              <a:ln w="3175" cap="flat" cmpd="sng" algn="ctr">
+                <a:noFill/>
+                <a:prstDash val="solid"/>
+                <a:round/>
+                <a:headEnd type="none" w="med" len="med"/>
+                <a:tailEnd type="none" w="med" len="med"/>
+              </a:ln>
+            </p:spPr>
+            <p:style>
+              <a:lnRef idx="0">
+                <a:scrgbClr r="0" g="0" b="0"/>
+              </a:lnRef>
+              <a:fillRef idx="0">
+                <a:scrgbClr r="0" g="0" b="0"/>
+              </a:fillRef>
+              <a:effectRef idx="0">
+                <a:scrgbClr r="0" g="0" b="0"/>
+              </a:effectRef>
+              <a:fontRef idx="minor">
+                <a:schemeClr val="dk1"/>
+              </a:fontRef>
+            </p:style>
+            <p:txBody>
+              <a:bodyPr rtlCol="0" anchor="ctr"/>
+              <a:lstStyle/>
+              <a:p>
+                <a:pPr algn="ctr"/>
+                <a:endParaRPr lang="en-GB"/>
+              </a:p>
+            </p:txBody>
+          </p:sp>
+        </p:grpSp>
+        <p:grpSp>
+          <p:nvGrpSpPr>
+            <p:cNvPr id="41" name="Group 40">
+              <a:extLst>
+                <a:ext uri="{FF2B5EF4-FFF2-40B4-BE49-F238E27FC236}">
+                  <a16:creationId xmlns:a16="http://schemas.microsoft.com/office/drawing/2014/main" id="{3BCF4AA7-2D58-862C-1A1F-6B071EC57CA7}"/>
+                </a:ext>
+              </a:extLst>
+            </p:cNvPr>
+            <p:cNvGrpSpPr>
+              <a:grpSpLocks noGrp="1" noUngrp="1" noRot="1" noMove="1" noResize="1"/>
+            </p:cNvGrpSpPr>
+            <p:nvPr/>
+          </p:nvGrpSpPr>
+          <p:grpSpPr>
+            <a:xfrm>
+              <a:off x="9798735" y="2767665"/>
+              <a:ext cx="473450" cy="468892"/>
+              <a:chOff x="7793183" y="2767665"/>
+              <a:chExt cx="473450" cy="468892"/>
+            </a:xfrm>
+          </p:grpSpPr>
+          <p:sp>
+            <p:nvSpPr>
+              <p:cNvPr id="42" name="TextBox 41">
+                <a:extLst>
+                  <a:ext uri="{FF2B5EF4-FFF2-40B4-BE49-F238E27FC236}">
+                    <a16:creationId xmlns:a16="http://schemas.microsoft.com/office/drawing/2014/main" id="{B36D7C60-C146-1D1A-B477-A55468E9FC67}"/>
+                  </a:ext>
+                </a:extLst>
+              </p:cNvPr>
+              <p:cNvSpPr txBox="1">
+                <a:spLocks noGrp="1" noRot="1" noMove="1" noResize="1" noEditPoints="1" noAdjustHandles="1" noChangeArrowheads="1" noChangeShapeType="1"/>
+              </p:cNvSpPr>
+              <p:nvPr/>
+            </p:nvSpPr>
+            <p:spPr>
+              <a:xfrm>
+                <a:off x="7793183" y="2928780"/>
+                <a:ext cx="203200" cy="307777"/>
+              </a:xfrm>
+              <a:prstGeom prst="rect">
+                <a:avLst/>
+              </a:prstGeom>
+              <a:noFill/>
+              <a:ln>
+                <a:noFill/>
+              </a:ln>
+            </p:spPr>
+            <p:txBody>
+              <a:bodyPr wrap="square" rtlCol="0">
+                <a:spAutoFit/>
+              </a:bodyPr>
+              <a:lstStyle/>
+              <a:p>
+                <a:r>
+                  <a:rPr lang="nb-NO" sz="1400" dirty="0"/>
+                  <a:t>P</a:t>
+                </a:r>
+                <a:endParaRPr lang="en-GB" sz="1400" dirty="0"/>
+              </a:p>
+            </p:txBody>
+          </p:sp>
+          <p:sp>
+            <p:nvSpPr>
+              <p:cNvPr id="43" name="TextBox 42">
+                <a:extLst>
+                  <a:ext uri="{FF2B5EF4-FFF2-40B4-BE49-F238E27FC236}">
+                    <a16:creationId xmlns:a16="http://schemas.microsoft.com/office/drawing/2014/main" id="{0C218A84-A778-0A42-5978-797FCC56EAB3}"/>
+                  </a:ext>
+                </a:extLst>
+              </p:cNvPr>
+              <p:cNvSpPr txBox="1">
+                <a:spLocks noGrp="1" noRot="1" noMove="1" noResize="1" noEditPoints="1" noAdjustHandles="1" noChangeArrowheads="1" noChangeShapeType="1"/>
+              </p:cNvSpPr>
+              <p:nvPr/>
+            </p:nvSpPr>
+            <p:spPr>
+              <a:xfrm rot="10800000">
+                <a:off x="8063433" y="2767665"/>
+                <a:ext cx="203200" cy="307777"/>
+              </a:xfrm>
+              <a:prstGeom prst="rect">
+                <a:avLst/>
+              </a:prstGeom>
+              <a:noFill/>
+              <a:ln>
+                <a:noFill/>
+              </a:ln>
+            </p:spPr>
+            <p:txBody>
+              <a:bodyPr wrap="square" rtlCol="0">
+                <a:spAutoFit/>
+              </a:bodyPr>
+              <a:lstStyle/>
+              <a:p>
+                <a:r>
+                  <a:rPr lang="nb-NO" sz="1400" dirty="0"/>
+                  <a:t>U</a:t>
+                </a:r>
+                <a:endParaRPr lang="en-GB" sz="1400" dirty="0"/>
+              </a:p>
+            </p:txBody>
+          </p:sp>
+          <p:sp>
+            <p:nvSpPr>
+              <p:cNvPr id="44" name="Rectangle 43">
+                <a:extLst>
+                  <a:ext uri="{FF2B5EF4-FFF2-40B4-BE49-F238E27FC236}">
+                    <a16:creationId xmlns:a16="http://schemas.microsoft.com/office/drawing/2014/main" id="{B6F57E3A-F911-C693-3148-1528E5ABEB16}"/>
+                  </a:ext>
+                </a:extLst>
+              </p:cNvPr>
+              <p:cNvSpPr>
+                <a:spLocks noGrp="1" noRot="1" noMove="1" noResize="1" noEditPoints="1" noAdjustHandles="1" noChangeArrowheads="1" noChangeShapeType="1"/>
+              </p:cNvSpPr>
+              <p:nvPr/>
+            </p:nvSpPr>
+            <p:spPr>
+              <a:xfrm>
+                <a:off x="7840908" y="2813111"/>
+                <a:ext cx="378000" cy="378000"/>
+              </a:xfrm>
+              <a:prstGeom prst="rect">
+                <a:avLst/>
+              </a:prstGeom>
+              <a:noFill/>
+              <a:ln w="3175" cap="flat" cmpd="sng" algn="ctr">
+                <a:noFill/>
+                <a:prstDash val="solid"/>
+                <a:round/>
+                <a:headEnd type="none" w="med" len="med"/>
+                <a:tailEnd type="none" w="med" len="med"/>
+              </a:ln>
+            </p:spPr>
+            <p:style>
+              <a:lnRef idx="0">
+                <a:scrgbClr r="0" g="0" b="0"/>
+              </a:lnRef>
+              <a:fillRef idx="0">
+                <a:scrgbClr r="0" g="0" b="0"/>
+              </a:fillRef>
+              <a:effectRef idx="0">
+                <a:scrgbClr r="0" g="0" b="0"/>
+              </a:effectRef>
+              <a:fontRef idx="minor">
+                <a:schemeClr val="dk1"/>
+              </a:fontRef>
+            </p:style>
+            <p:txBody>
+              <a:bodyPr rtlCol="0" anchor="ctr"/>
+              <a:lstStyle/>
+              <a:p>
+                <a:pPr algn="ctr"/>
+                <a:endParaRPr lang="en-GB"/>
+              </a:p>
+            </p:txBody>
+          </p:sp>
+        </p:grpSp>
+        <p:grpSp>
+          <p:nvGrpSpPr>
+            <p:cNvPr id="45" name="Group 44">
+              <a:extLst>
+                <a:ext uri="{FF2B5EF4-FFF2-40B4-BE49-F238E27FC236}">
+                  <a16:creationId xmlns:a16="http://schemas.microsoft.com/office/drawing/2014/main" id="{FDFD5142-3FCF-4CDA-1AF0-79B5191DE048}"/>
+                </a:ext>
+              </a:extLst>
+            </p:cNvPr>
+            <p:cNvGrpSpPr>
+              <a:grpSpLocks noGrp="1" noUngrp="1" noRot="1" noMove="1" noResize="1"/>
+            </p:cNvGrpSpPr>
+            <p:nvPr/>
+          </p:nvGrpSpPr>
+          <p:grpSpPr>
+            <a:xfrm>
+              <a:off x="9798735" y="629399"/>
+              <a:ext cx="473450" cy="468892"/>
+              <a:chOff x="7793183" y="2767665"/>
+              <a:chExt cx="473450" cy="468892"/>
+            </a:xfrm>
+          </p:grpSpPr>
+          <p:sp>
+            <p:nvSpPr>
+              <p:cNvPr id="46" name="TextBox 45">
+                <a:extLst>
+                  <a:ext uri="{FF2B5EF4-FFF2-40B4-BE49-F238E27FC236}">
+                    <a16:creationId xmlns:a16="http://schemas.microsoft.com/office/drawing/2014/main" id="{950A51C7-A262-CCF4-0F7B-B872B746AC45}"/>
+                  </a:ext>
+                </a:extLst>
+              </p:cNvPr>
+              <p:cNvSpPr txBox="1">
+                <a:spLocks noGrp="1" noRot="1" noMove="1" noResize="1" noEditPoints="1" noAdjustHandles="1" noChangeArrowheads="1" noChangeShapeType="1"/>
+              </p:cNvSpPr>
+              <p:nvPr/>
+            </p:nvSpPr>
+            <p:spPr>
+              <a:xfrm>
+                <a:off x="7793183" y="2928780"/>
+                <a:ext cx="203200" cy="307777"/>
+              </a:xfrm>
+              <a:prstGeom prst="rect">
+                <a:avLst/>
+              </a:prstGeom>
+              <a:noFill/>
+              <a:ln>
+                <a:noFill/>
+              </a:ln>
+            </p:spPr>
+            <p:txBody>
+              <a:bodyPr wrap="square" rtlCol="0">
+                <a:spAutoFit/>
+              </a:bodyPr>
+              <a:lstStyle/>
+              <a:p>
+                <a:r>
+                  <a:rPr lang="nb-NO" sz="1400" dirty="0"/>
+                  <a:t>P</a:t>
+                </a:r>
+                <a:endParaRPr lang="en-GB" sz="1400" dirty="0"/>
+              </a:p>
+            </p:txBody>
+          </p:sp>
+          <p:sp>
+            <p:nvSpPr>
+              <p:cNvPr id="47" name="TextBox 46">
+                <a:extLst>
+                  <a:ext uri="{FF2B5EF4-FFF2-40B4-BE49-F238E27FC236}">
+                    <a16:creationId xmlns:a16="http://schemas.microsoft.com/office/drawing/2014/main" id="{D88ECE78-FEA1-F4FD-583A-0D5731BE3F30}"/>
+                  </a:ext>
+                </a:extLst>
+              </p:cNvPr>
+              <p:cNvSpPr txBox="1">
+                <a:spLocks noGrp="1" noRot="1" noMove="1" noResize="1" noEditPoints="1" noAdjustHandles="1" noChangeArrowheads="1" noChangeShapeType="1"/>
+              </p:cNvSpPr>
+              <p:nvPr/>
+            </p:nvSpPr>
+            <p:spPr>
+              <a:xfrm rot="10800000">
+                <a:off x="8063433" y="2767665"/>
+                <a:ext cx="203200" cy="307777"/>
+              </a:xfrm>
+              <a:prstGeom prst="rect">
+                <a:avLst/>
+              </a:prstGeom>
+              <a:noFill/>
+              <a:ln>
+                <a:noFill/>
+              </a:ln>
+            </p:spPr>
+            <p:txBody>
+              <a:bodyPr wrap="square" rtlCol="0">
+                <a:spAutoFit/>
+              </a:bodyPr>
+              <a:lstStyle/>
+              <a:p>
+                <a:r>
+                  <a:rPr lang="nb-NO" sz="1400" dirty="0"/>
+                  <a:t>U</a:t>
+                </a:r>
+                <a:endParaRPr lang="en-GB" sz="1400" dirty="0"/>
+              </a:p>
+            </p:txBody>
+          </p:sp>
+          <p:sp>
+            <p:nvSpPr>
+              <p:cNvPr id="48" name="Rectangle 47">
+                <a:extLst>
+                  <a:ext uri="{FF2B5EF4-FFF2-40B4-BE49-F238E27FC236}">
+                    <a16:creationId xmlns:a16="http://schemas.microsoft.com/office/drawing/2014/main" id="{078EC59D-F465-5470-65EF-700B14DA6712}"/>
+                  </a:ext>
+                </a:extLst>
+              </p:cNvPr>
+              <p:cNvSpPr>
+                <a:spLocks noGrp="1" noRot="1" noMove="1" noResize="1" noEditPoints="1" noAdjustHandles="1" noChangeArrowheads="1" noChangeShapeType="1"/>
+              </p:cNvSpPr>
+              <p:nvPr/>
+            </p:nvSpPr>
+            <p:spPr>
+              <a:xfrm>
+                <a:off x="7840908" y="2813111"/>
+                <a:ext cx="378000" cy="378000"/>
+              </a:xfrm>
+              <a:prstGeom prst="rect">
+                <a:avLst/>
+              </a:prstGeom>
+              <a:noFill/>
+              <a:ln w="3175" cap="flat" cmpd="sng" algn="ctr">
+                <a:noFill/>
+                <a:prstDash val="solid"/>
+                <a:round/>
+                <a:headEnd type="none" w="med" len="med"/>
+                <a:tailEnd type="none" w="med" len="med"/>
+              </a:ln>
+            </p:spPr>
+            <p:style>
+              <a:lnRef idx="0">
+                <a:scrgbClr r="0" g="0" b="0"/>
+              </a:lnRef>
+              <a:fillRef idx="0">
+                <a:scrgbClr r="0" g="0" b="0"/>
+              </a:fillRef>
+              <a:effectRef idx="0">
+                <a:scrgbClr r="0" g="0" b="0"/>
+              </a:effectRef>
+              <a:fontRef idx="minor">
+                <a:schemeClr val="dk1"/>
+              </a:fontRef>
+            </p:style>
+            <p:txBody>
+              <a:bodyPr rtlCol="0" anchor="ctr"/>
+              <a:lstStyle/>
+              <a:p>
+                <a:pPr algn="ctr"/>
+                <a:endParaRPr lang="en-GB"/>
+              </a:p>
+            </p:txBody>
+          </p:sp>
+        </p:grpSp>
+        <p:grpSp>
+          <p:nvGrpSpPr>
+            <p:cNvPr id="49" name="Group 48">
+              <a:extLst>
+                <a:ext uri="{FF2B5EF4-FFF2-40B4-BE49-F238E27FC236}">
+                  <a16:creationId xmlns:a16="http://schemas.microsoft.com/office/drawing/2014/main" id="{CA8988DB-C78B-CEC0-7CF3-C4249151D90E}"/>
+                </a:ext>
+              </a:extLst>
+            </p:cNvPr>
+            <p:cNvGrpSpPr>
+              <a:grpSpLocks noGrp="1" noUngrp="1" noRot="1" noMove="1" noResize="1"/>
+            </p:cNvGrpSpPr>
+            <p:nvPr/>
+          </p:nvGrpSpPr>
+          <p:grpSpPr>
+            <a:xfrm>
+              <a:off x="7793183" y="629538"/>
+              <a:ext cx="473450" cy="468892"/>
+              <a:chOff x="7793183" y="2767665"/>
+              <a:chExt cx="473450" cy="468892"/>
+            </a:xfrm>
+          </p:grpSpPr>
+          <p:sp>
+            <p:nvSpPr>
+              <p:cNvPr id="50" name="TextBox 49">
+                <a:extLst>
+                  <a:ext uri="{FF2B5EF4-FFF2-40B4-BE49-F238E27FC236}">
+                    <a16:creationId xmlns:a16="http://schemas.microsoft.com/office/drawing/2014/main" id="{1B18CCC6-933E-2366-4EE1-99642A519FD5}"/>
+                  </a:ext>
+                </a:extLst>
+              </p:cNvPr>
+              <p:cNvSpPr txBox="1">
+                <a:spLocks noGrp="1" noRot="1" noMove="1" noResize="1" noEditPoints="1" noAdjustHandles="1" noChangeArrowheads="1" noChangeShapeType="1"/>
+              </p:cNvSpPr>
+              <p:nvPr/>
+            </p:nvSpPr>
+            <p:spPr>
+              <a:xfrm>
+                <a:off x="7793183" y="2928780"/>
+                <a:ext cx="203200" cy="307777"/>
+              </a:xfrm>
+              <a:prstGeom prst="rect">
+                <a:avLst/>
+              </a:prstGeom>
+              <a:noFill/>
+              <a:ln>
+                <a:noFill/>
+              </a:ln>
+            </p:spPr>
+            <p:txBody>
+              <a:bodyPr wrap="square" rtlCol="0">
+                <a:spAutoFit/>
+              </a:bodyPr>
+              <a:lstStyle/>
+              <a:p>
+                <a:r>
+                  <a:rPr lang="nb-NO" sz="1400" dirty="0"/>
+                  <a:t>P</a:t>
+                </a:r>
+                <a:endParaRPr lang="en-GB" sz="1400" dirty="0"/>
+              </a:p>
+            </p:txBody>
+          </p:sp>
+          <p:sp>
+            <p:nvSpPr>
+              <p:cNvPr id="51" name="TextBox 50">
+                <a:extLst>
+                  <a:ext uri="{FF2B5EF4-FFF2-40B4-BE49-F238E27FC236}">
+                    <a16:creationId xmlns:a16="http://schemas.microsoft.com/office/drawing/2014/main" id="{3E719021-53F9-0E94-706E-051D70D732BA}"/>
+                  </a:ext>
+                </a:extLst>
+              </p:cNvPr>
+              <p:cNvSpPr txBox="1">
+                <a:spLocks noGrp="1" noRot="1" noMove="1" noResize="1" noEditPoints="1" noAdjustHandles="1" noChangeArrowheads="1" noChangeShapeType="1"/>
+              </p:cNvSpPr>
+              <p:nvPr/>
+            </p:nvSpPr>
+            <p:spPr>
+              <a:xfrm rot="10800000">
+                <a:off x="8063433" y="2767665"/>
+                <a:ext cx="203200" cy="307777"/>
+              </a:xfrm>
+              <a:prstGeom prst="rect">
+                <a:avLst/>
+              </a:prstGeom>
+              <a:noFill/>
+              <a:ln>
+                <a:noFill/>
+              </a:ln>
+            </p:spPr>
+            <p:txBody>
+              <a:bodyPr wrap="square" rtlCol="0">
+                <a:spAutoFit/>
+              </a:bodyPr>
+              <a:lstStyle/>
+              <a:p>
+                <a:r>
+                  <a:rPr lang="nb-NO" sz="1400" dirty="0"/>
+                  <a:t>U</a:t>
+                </a:r>
+                <a:endParaRPr lang="en-GB" sz="1400" dirty="0"/>
+              </a:p>
+            </p:txBody>
+          </p:sp>
+          <p:sp>
+            <p:nvSpPr>
+              <p:cNvPr id="52" name="Rectangle 51">
+                <a:extLst>
+                  <a:ext uri="{FF2B5EF4-FFF2-40B4-BE49-F238E27FC236}">
+                    <a16:creationId xmlns:a16="http://schemas.microsoft.com/office/drawing/2014/main" id="{A6B538D8-5816-3E45-B779-9F935B56BA5D}"/>
+                  </a:ext>
+                </a:extLst>
+              </p:cNvPr>
+              <p:cNvSpPr>
+                <a:spLocks noGrp="1" noRot="1" noMove="1" noResize="1" noEditPoints="1" noAdjustHandles="1" noChangeArrowheads="1" noChangeShapeType="1"/>
+              </p:cNvSpPr>
+              <p:nvPr/>
+            </p:nvSpPr>
+            <p:spPr>
+              <a:xfrm>
+                <a:off x="7840908" y="2813111"/>
+                <a:ext cx="378000" cy="378000"/>
+              </a:xfrm>
+              <a:prstGeom prst="rect">
+                <a:avLst/>
+              </a:prstGeom>
+              <a:noFill/>
+              <a:ln w="3175" cap="flat" cmpd="sng" algn="ctr">
+                <a:noFill/>
+                <a:prstDash val="solid"/>
+                <a:round/>
+                <a:headEnd type="none" w="med" len="med"/>
+                <a:tailEnd type="none" w="med" len="med"/>
+              </a:ln>
+            </p:spPr>
+            <p:style>
+              <a:lnRef idx="0">
+                <a:scrgbClr r="0" g="0" b="0"/>
+              </a:lnRef>
+              <a:fillRef idx="0">
+                <a:scrgbClr r="0" g="0" b="0"/>
+              </a:fillRef>
+              <a:effectRef idx="0">
+                <a:scrgbClr r="0" g="0" b="0"/>
+              </a:effectRef>
+              <a:fontRef idx="minor">
+                <a:schemeClr val="dk1"/>
+              </a:fontRef>
+            </p:style>
+            <p:txBody>
+              <a:bodyPr rtlCol="0" anchor="ctr"/>
+              <a:lstStyle/>
+              <a:p>
+                <a:pPr algn="ctr"/>
+                <a:endParaRPr lang="en-GB"/>
+              </a:p>
+            </p:txBody>
+          </p:sp>
+        </p:grpSp>
+        <p:grpSp>
+          <p:nvGrpSpPr>
+            <p:cNvPr id="53" name="Group 52">
+              <a:extLst>
+                <a:ext uri="{FF2B5EF4-FFF2-40B4-BE49-F238E27FC236}">
+                  <a16:creationId xmlns:a16="http://schemas.microsoft.com/office/drawing/2014/main" id="{546D9345-FC9C-D607-7B83-221EAAD7740E}"/>
+                </a:ext>
+              </a:extLst>
+            </p:cNvPr>
+            <p:cNvGrpSpPr>
+              <a:grpSpLocks noGrp="1" noUngrp="1" noRot="1" noMove="1" noResize="1"/>
+            </p:cNvGrpSpPr>
+            <p:nvPr/>
+          </p:nvGrpSpPr>
+          <p:grpSpPr>
+            <a:xfrm>
+              <a:off x="2373581" y="41682"/>
+              <a:ext cx="473450" cy="468892"/>
+              <a:chOff x="7793183" y="2767665"/>
+              <a:chExt cx="473450" cy="468892"/>
+            </a:xfrm>
+          </p:grpSpPr>
+          <p:sp>
+            <p:nvSpPr>
+              <p:cNvPr id="54" name="TextBox 53">
+                <a:extLst>
+                  <a:ext uri="{FF2B5EF4-FFF2-40B4-BE49-F238E27FC236}">
+                    <a16:creationId xmlns:a16="http://schemas.microsoft.com/office/drawing/2014/main" id="{034A3403-EBA2-8A4C-67B3-06D99454342A}"/>
+                  </a:ext>
+                </a:extLst>
+              </p:cNvPr>
+              <p:cNvSpPr txBox="1">
+                <a:spLocks noGrp="1" noRot="1" noMove="1" noResize="1" noEditPoints="1" noAdjustHandles="1" noChangeArrowheads="1" noChangeShapeType="1"/>
+              </p:cNvSpPr>
+              <p:nvPr/>
+            </p:nvSpPr>
+            <p:spPr>
+              <a:xfrm>
+                <a:off x="7793183" y="2928780"/>
+                <a:ext cx="203200" cy="307777"/>
+              </a:xfrm>
+              <a:prstGeom prst="rect">
+                <a:avLst/>
+              </a:prstGeom>
+              <a:noFill/>
+              <a:ln>
+                <a:noFill/>
+              </a:ln>
+            </p:spPr>
+            <p:txBody>
+              <a:bodyPr wrap="square" rtlCol="0">
+                <a:spAutoFit/>
+              </a:bodyPr>
+              <a:lstStyle/>
+              <a:p>
+                <a:r>
+                  <a:rPr lang="nb-NO" sz="1400" dirty="0"/>
+                  <a:t>P</a:t>
+                </a:r>
+                <a:endParaRPr lang="en-GB" sz="1400" dirty="0"/>
+              </a:p>
+            </p:txBody>
+          </p:sp>
+          <p:sp>
+            <p:nvSpPr>
+              <p:cNvPr id="55" name="TextBox 54">
+                <a:extLst>
+                  <a:ext uri="{FF2B5EF4-FFF2-40B4-BE49-F238E27FC236}">
+                    <a16:creationId xmlns:a16="http://schemas.microsoft.com/office/drawing/2014/main" id="{57D09626-9584-8F2F-8A9F-07DCB811A237}"/>
+                  </a:ext>
+                </a:extLst>
+              </p:cNvPr>
+              <p:cNvSpPr txBox="1">
+                <a:spLocks noGrp="1" noRot="1" noMove="1" noResize="1" noEditPoints="1" noAdjustHandles="1" noChangeArrowheads="1" noChangeShapeType="1"/>
+              </p:cNvSpPr>
+              <p:nvPr/>
+            </p:nvSpPr>
+            <p:spPr>
+              <a:xfrm rot="10800000">
+                <a:off x="8063433" y="2767665"/>
+                <a:ext cx="203200" cy="307777"/>
+              </a:xfrm>
+              <a:prstGeom prst="rect">
+                <a:avLst/>
+              </a:prstGeom>
+              <a:noFill/>
+              <a:ln>
+                <a:noFill/>
+              </a:ln>
+            </p:spPr>
+            <p:txBody>
+              <a:bodyPr wrap="square" rtlCol="0">
+                <a:spAutoFit/>
+              </a:bodyPr>
+              <a:lstStyle/>
+              <a:p>
+                <a:r>
+                  <a:rPr lang="nb-NO" sz="1400" dirty="0"/>
+                  <a:t>U</a:t>
+                </a:r>
+                <a:endParaRPr lang="en-GB" sz="1400" dirty="0"/>
+              </a:p>
+            </p:txBody>
+          </p:sp>
+          <p:sp>
+            <p:nvSpPr>
+              <p:cNvPr id="56" name="Rectangle 55">
+                <a:extLst>
+                  <a:ext uri="{FF2B5EF4-FFF2-40B4-BE49-F238E27FC236}">
+                    <a16:creationId xmlns:a16="http://schemas.microsoft.com/office/drawing/2014/main" id="{D663AA4A-13A3-AF2C-3602-D188E08DDD2F}"/>
+                  </a:ext>
+                </a:extLst>
+              </p:cNvPr>
+              <p:cNvSpPr>
+                <a:spLocks noGrp="1" noRot="1" noMove="1" noResize="1" noEditPoints="1" noAdjustHandles="1" noChangeArrowheads="1" noChangeShapeType="1"/>
+              </p:cNvSpPr>
+              <p:nvPr/>
+            </p:nvSpPr>
+            <p:spPr>
+              <a:xfrm>
+                <a:off x="7840908" y="2813111"/>
+                <a:ext cx="378000" cy="378000"/>
+              </a:xfrm>
+              <a:prstGeom prst="rect">
+                <a:avLst/>
+              </a:prstGeom>
+              <a:noFill/>
+              <a:ln w="3175" cap="flat" cmpd="sng" algn="ctr">
+                <a:noFill/>
+                <a:prstDash val="solid"/>
+                <a:round/>
+                <a:headEnd type="none" w="med" len="med"/>
+                <a:tailEnd type="none" w="med" len="med"/>
+              </a:ln>
+            </p:spPr>
+            <p:style>
+              <a:lnRef idx="0">
+                <a:scrgbClr r="0" g="0" b="0"/>
+              </a:lnRef>
+              <a:fillRef idx="0">
+                <a:scrgbClr r="0" g="0" b="0"/>
+              </a:fillRef>
+              <a:effectRef idx="0">
+                <a:scrgbClr r="0" g="0" b="0"/>
+              </a:effectRef>
+              <a:fontRef idx="minor">
+                <a:schemeClr val="dk1"/>
+              </a:fontRef>
+            </p:style>
+            <p:txBody>
+              <a:bodyPr rtlCol="0" anchor="ctr"/>
+              <a:lstStyle/>
+              <a:p>
+                <a:pPr algn="ctr"/>
+                <a:endParaRPr lang="en-GB"/>
+              </a:p>
+            </p:txBody>
+          </p:sp>
+        </p:grpSp>
+        <p:grpSp>
+          <p:nvGrpSpPr>
+            <p:cNvPr id="57" name="Group 56">
+              <a:extLst>
+                <a:ext uri="{FF2B5EF4-FFF2-40B4-BE49-F238E27FC236}">
+                  <a16:creationId xmlns:a16="http://schemas.microsoft.com/office/drawing/2014/main" id="{306E55E2-E2BA-0CB7-052C-F3A44F250CAC}"/>
+                </a:ext>
+              </a:extLst>
+            </p:cNvPr>
+            <p:cNvGrpSpPr>
+              <a:grpSpLocks noGrp="1" noUngrp="1" noRot="1" noMove="1" noResize="1"/>
+            </p:cNvGrpSpPr>
+            <p:nvPr/>
+          </p:nvGrpSpPr>
+          <p:grpSpPr>
+            <a:xfrm>
+              <a:off x="1652221" y="2558345"/>
+              <a:ext cx="473450" cy="468892"/>
+              <a:chOff x="7793183" y="2767665"/>
+              <a:chExt cx="473450" cy="468892"/>
+            </a:xfrm>
+          </p:grpSpPr>
+          <p:sp>
+            <p:nvSpPr>
+              <p:cNvPr id="58" name="TextBox 57">
+                <a:extLst>
+                  <a:ext uri="{FF2B5EF4-FFF2-40B4-BE49-F238E27FC236}">
+                    <a16:creationId xmlns:a16="http://schemas.microsoft.com/office/drawing/2014/main" id="{64C8941B-41BC-61EF-C14F-817C3B07DE0A}"/>
+                  </a:ext>
+                </a:extLst>
+              </p:cNvPr>
+              <p:cNvSpPr txBox="1">
+                <a:spLocks noGrp="1" noRot="1" noMove="1" noResize="1" noEditPoints="1" noAdjustHandles="1" noChangeArrowheads="1" noChangeShapeType="1"/>
+              </p:cNvSpPr>
+              <p:nvPr/>
+            </p:nvSpPr>
+            <p:spPr>
+              <a:xfrm>
+                <a:off x="7793183" y="2928780"/>
+                <a:ext cx="203200" cy="307777"/>
+              </a:xfrm>
+              <a:prstGeom prst="rect">
+                <a:avLst/>
+              </a:prstGeom>
+              <a:noFill/>
+              <a:ln>
+                <a:noFill/>
+              </a:ln>
+            </p:spPr>
+            <p:txBody>
+              <a:bodyPr wrap="square" rtlCol="0">
+                <a:spAutoFit/>
+              </a:bodyPr>
+              <a:lstStyle/>
+              <a:p>
+                <a:r>
+                  <a:rPr lang="nb-NO" sz="1400" dirty="0"/>
+                  <a:t>P</a:t>
+                </a:r>
+                <a:endParaRPr lang="en-GB" sz="1400" dirty="0"/>
+              </a:p>
+            </p:txBody>
+          </p:sp>
+          <p:sp>
+            <p:nvSpPr>
+              <p:cNvPr id="59" name="TextBox 58">
+                <a:extLst>
+                  <a:ext uri="{FF2B5EF4-FFF2-40B4-BE49-F238E27FC236}">
+                    <a16:creationId xmlns:a16="http://schemas.microsoft.com/office/drawing/2014/main" id="{A05C93CE-F9BB-40C5-226F-E6A2908B1712}"/>
+                  </a:ext>
+                </a:extLst>
+              </p:cNvPr>
+              <p:cNvSpPr txBox="1">
+                <a:spLocks noGrp="1" noRot="1" noMove="1" noResize="1" noEditPoints="1" noAdjustHandles="1" noChangeArrowheads="1" noChangeShapeType="1"/>
+              </p:cNvSpPr>
+              <p:nvPr/>
+            </p:nvSpPr>
+            <p:spPr>
+              <a:xfrm rot="10800000">
+                <a:off x="8063433" y="2767665"/>
+                <a:ext cx="203200" cy="307777"/>
+              </a:xfrm>
+              <a:prstGeom prst="rect">
+                <a:avLst/>
+              </a:prstGeom>
+              <a:noFill/>
+              <a:ln>
+                <a:noFill/>
+              </a:ln>
+            </p:spPr>
+            <p:txBody>
+              <a:bodyPr wrap="square" rtlCol="0">
+                <a:spAutoFit/>
+              </a:bodyPr>
+              <a:lstStyle/>
+              <a:p>
+                <a:r>
+                  <a:rPr lang="nb-NO" sz="1400" dirty="0"/>
+                  <a:t>U</a:t>
+                </a:r>
+                <a:endParaRPr lang="en-GB" sz="1400" dirty="0"/>
+              </a:p>
+            </p:txBody>
+          </p:sp>
+          <p:sp>
+            <p:nvSpPr>
+              <p:cNvPr id="60" name="Rectangle 59">
+                <a:extLst>
+                  <a:ext uri="{FF2B5EF4-FFF2-40B4-BE49-F238E27FC236}">
+                    <a16:creationId xmlns:a16="http://schemas.microsoft.com/office/drawing/2014/main" id="{89C99FC5-A6A3-27A0-5FA3-63F58688ED4A}"/>
+                  </a:ext>
+                </a:extLst>
+              </p:cNvPr>
+              <p:cNvSpPr>
+                <a:spLocks noGrp="1" noRot="1" noMove="1" noResize="1" noEditPoints="1" noAdjustHandles="1" noChangeArrowheads="1" noChangeShapeType="1"/>
+              </p:cNvSpPr>
+              <p:nvPr/>
+            </p:nvSpPr>
+            <p:spPr>
+              <a:xfrm>
+                <a:off x="7840908" y="2813111"/>
+                <a:ext cx="378000" cy="378000"/>
+              </a:xfrm>
+              <a:prstGeom prst="rect">
+                <a:avLst/>
+              </a:prstGeom>
+              <a:noFill/>
+              <a:ln w="3175" cap="flat" cmpd="sng" algn="ctr">
+                <a:noFill/>
+                <a:prstDash val="solid"/>
+                <a:round/>
+                <a:headEnd type="none" w="med" len="med"/>
+                <a:tailEnd type="none" w="med" len="med"/>
+              </a:ln>
+            </p:spPr>
+            <p:style>
+              <a:lnRef idx="0">
+                <a:scrgbClr r="0" g="0" b="0"/>
+              </a:lnRef>
+              <a:fillRef idx="0">
+                <a:scrgbClr r="0" g="0" b="0"/>
+              </a:fillRef>
+              <a:effectRef idx="0">
+                <a:scrgbClr r="0" g="0" b="0"/>
+              </a:effectRef>
+              <a:fontRef idx="minor">
+                <a:schemeClr val="dk1"/>
+              </a:fontRef>
+            </p:style>
+            <p:txBody>
+              <a:bodyPr rtlCol="0" anchor="ctr"/>
+              <a:lstStyle/>
+              <a:p>
+                <a:pPr algn="ctr"/>
+                <a:endParaRPr lang="en-GB"/>
+              </a:p>
+            </p:txBody>
+          </p:sp>
+        </p:grpSp>
+        <p:grpSp>
+          <p:nvGrpSpPr>
+            <p:cNvPr id="61" name="Group 60">
+              <a:extLst>
+                <a:ext uri="{FF2B5EF4-FFF2-40B4-BE49-F238E27FC236}">
+                  <a16:creationId xmlns:a16="http://schemas.microsoft.com/office/drawing/2014/main" id="{C5290592-D70E-0C2B-D11A-F6A180F6CE48}"/>
+                </a:ext>
+              </a:extLst>
+            </p:cNvPr>
+            <p:cNvGrpSpPr>
+              <a:grpSpLocks noGrp="1" noUngrp="1" noRot="1" noMove="1" noResize="1"/>
+            </p:cNvGrpSpPr>
+            <p:nvPr/>
+          </p:nvGrpSpPr>
+          <p:grpSpPr>
+            <a:xfrm>
+              <a:off x="4179172" y="2558345"/>
+              <a:ext cx="473450" cy="468892"/>
+              <a:chOff x="7793183" y="2767665"/>
+              <a:chExt cx="473450" cy="468892"/>
+            </a:xfrm>
+          </p:grpSpPr>
+          <p:sp>
+            <p:nvSpPr>
+              <p:cNvPr id="62" name="TextBox 61">
+                <a:extLst>
+                  <a:ext uri="{FF2B5EF4-FFF2-40B4-BE49-F238E27FC236}">
+                    <a16:creationId xmlns:a16="http://schemas.microsoft.com/office/drawing/2014/main" id="{3F7861D8-2996-9AB1-A8FA-5C833B7E2E61}"/>
+                  </a:ext>
+                </a:extLst>
+              </p:cNvPr>
+              <p:cNvSpPr txBox="1">
+                <a:spLocks noGrp="1" noRot="1" noMove="1" noResize="1" noEditPoints="1" noAdjustHandles="1" noChangeArrowheads="1" noChangeShapeType="1"/>
+              </p:cNvSpPr>
+              <p:nvPr/>
+            </p:nvSpPr>
+            <p:spPr>
+              <a:xfrm>
+                <a:off x="7793183" y="2928780"/>
+                <a:ext cx="203200" cy="307777"/>
+              </a:xfrm>
+              <a:prstGeom prst="rect">
+                <a:avLst/>
+              </a:prstGeom>
+              <a:noFill/>
+              <a:ln>
+                <a:noFill/>
+              </a:ln>
+            </p:spPr>
+            <p:txBody>
+              <a:bodyPr wrap="square" rtlCol="0">
+                <a:spAutoFit/>
+              </a:bodyPr>
+              <a:lstStyle/>
+              <a:p>
+                <a:r>
+                  <a:rPr lang="nb-NO" sz="1400" dirty="0"/>
+                  <a:t>P</a:t>
+                </a:r>
+                <a:endParaRPr lang="en-GB" sz="1400" dirty="0"/>
+              </a:p>
+            </p:txBody>
+          </p:sp>
+          <p:sp>
+            <p:nvSpPr>
+              <p:cNvPr id="63" name="TextBox 62">
+                <a:extLst>
+                  <a:ext uri="{FF2B5EF4-FFF2-40B4-BE49-F238E27FC236}">
+                    <a16:creationId xmlns:a16="http://schemas.microsoft.com/office/drawing/2014/main" id="{67543D7C-DA34-91D4-5392-D22320FC8C51}"/>
+                  </a:ext>
+                </a:extLst>
+              </p:cNvPr>
+              <p:cNvSpPr txBox="1">
+                <a:spLocks noGrp="1" noRot="1" noMove="1" noResize="1" noEditPoints="1" noAdjustHandles="1" noChangeArrowheads="1" noChangeShapeType="1"/>
+              </p:cNvSpPr>
+              <p:nvPr/>
+            </p:nvSpPr>
+            <p:spPr>
+              <a:xfrm rot="10800000">
+                <a:off x="8063433" y="2767665"/>
+                <a:ext cx="203200" cy="307777"/>
+              </a:xfrm>
+              <a:prstGeom prst="rect">
+                <a:avLst/>
+              </a:prstGeom>
+              <a:noFill/>
+              <a:ln>
+                <a:noFill/>
+              </a:ln>
+            </p:spPr>
+            <p:txBody>
+              <a:bodyPr wrap="square" rtlCol="0">
+                <a:spAutoFit/>
+              </a:bodyPr>
+              <a:lstStyle/>
+              <a:p>
+                <a:r>
+                  <a:rPr lang="nb-NO" sz="1400" dirty="0"/>
+                  <a:t>U</a:t>
+                </a:r>
+                <a:endParaRPr lang="en-GB" sz="1400" dirty="0"/>
+              </a:p>
+            </p:txBody>
+          </p:sp>
+          <p:sp>
+            <p:nvSpPr>
+              <p:cNvPr id="64" name="Rectangle 63">
+                <a:extLst>
+                  <a:ext uri="{FF2B5EF4-FFF2-40B4-BE49-F238E27FC236}">
+                    <a16:creationId xmlns:a16="http://schemas.microsoft.com/office/drawing/2014/main" id="{B4F95DCE-14CF-51F8-C7D3-A0E6B68DCF0C}"/>
+                  </a:ext>
+                </a:extLst>
+              </p:cNvPr>
+              <p:cNvSpPr>
+                <a:spLocks noGrp="1" noRot="1" noMove="1" noResize="1" noEditPoints="1" noAdjustHandles="1" noChangeArrowheads="1" noChangeShapeType="1"/>
+              </p:cNvSpPr>
+              <p:nvPr/>
+            </p:nvSpPr>
+            <p:spPr>
+              <a:xfrm>
+                <a:off x="7840908" y="2813111"/>
+                <a:ext cx="378000" cy="378000"/>
+              </a:xfrm>
+              <a:prstGeom prst="rect">
+                <a:avLst/>
+              </a:prstGeom>
+              <a:noFill/>
+              <a:ln w="3175" cap="flat" cmpd="sng" algn="ctr">
+                <a:noFill/>
+                <a:prstDash val="solid"/>
+                <a:round/>
+                <a:headEnd type="none" w="med" len="med"/>
+                <a:tailEnd type="none" w="med" len="med"/>
+              </a:ln>
+            </p:spPr>
+            <p:style>
+              <a:lnRef idx="0">
+                <a:scrgbClr r="0" g="0" b="0"/>
+              </a:lnRef>
+              <a:fillRef idx="0">
+                <a:scrgbClr r="0" g="0" b="0"/>
+              </a:fillRef>
+              <a:effectRef idx="0">
+                <a:scrgbClr r="0" g="0" b="0"/>
+              </a:effectRef>
+              <a:fontRef idx="minor">
+                <a:schemeClr val="dk1"/>
+              </a:fontRef>
+            </p:style>
+            <p:txBody>
+              <a:bodyPr rtlCol="0" anchor="ctr"/>
+              <a:lstStyle/>
+              <a:p>
+                <a:pPr algn="ctr"/>
+                <a:endParaRPr lang="en-GB"/>
+              </a:p>
+            </p:txBody>
+          </p:sp>
+        </p:grpSp>
+        <p:grpSp>
+          <p:nvGrpSpPr>
+            <p:cNvPr id="65" name="Group 64">
+              <a:extLst>
+                <a:ext uri="{FF2B5EF4-FFF2-40B4-BE49-F238E27FC236}">
+                  <a16:creationId xmlns:a16="http://schemas.microsoft.com/office/drawing/2014/main" id="{06BAEE11-99C5-2041-3A52-E099EC65334A}"/>
+                </a:ext>
+              </a:extLst>
+            </p:cNvPr>
+            <p:cNvGrpSpPr>
+              <a:grpSpLocks noGrp="1" noUngrp="1" noRot="1" noMove="1" noResize="1"/>
+            </p:cNvGrpSpPr>
+            <p:nvPr/>
+          </p:nvGrpSpPr>
+          <p:grpSpPr>
+            <a:xfrm>
+              <a:off x="5289056" y="4265229"/>
+              <a:ext cx="473450" cy="468892"/>
+              <a:chOff x="7793183" y="2767665"/>
+              <a:chExt cx="473450" cy="468892"/>
+            </a:xfrm>
+          </p:grpSpPr>
+          <p:sp>
+            <p:nvSpPr>
+              <p:cNvPr id="66" name="TextBox 65">
+                <a:extLst>
+                  <a:ext uri="{FF2B5EF4-FFF2-40B4-BE49-F238E27FC236}">
+                    <a16:creationId xmlns:a16="http://schemas.microsoft.com/office/drawing/2014/main" id="{2454B690-5C9C-CB85-18C5-A3AA104734B7}"/>
+                  </a:ext>
+                </a:extLst>
+              </p:cNvPr>
+              <p:cNvSpPr txBox="1">
+                <a:spLocks noGrp="1" noRot="1" noMove="1" noResize="1" noEditPoints="1" noAdjustHandles="1" noChangeArrowheads="1" noChangeShapeType="1"/>
+              </p:cNvSpPr>
+              <p:nvPr/>
+            </p:nvSpPr>
+            <p:spPr>
+              <a:xfrm>
+                <a:off x="7793183" y="2928780"/>
+                <a:ext cx="203200" cy="307777"/>
+              </a:xfrm>
+              <a:prstGeom prst="rect">
+                <a:avLst/>
+              </a:prstGeom>
+              <a:noFill/>
+              <a:ln>
+                <a:noFill/>
+              </a:ln>
+            </p:spPr>
+            <p:txBody>
+              <a:bodyPr wrap="square" rtlCol="0">
+                <a:spAutoFit/>
+              </a:bodyPr>
+              <a:lstStyle/>
+              <a:p>
+                <a:r>
+                  <a:rPr lang="nb-NO" sz="1400" dirty="0"/>
+                  <a:t>P</a:t>
+                </a:r>
+                <a:endParaRPr lang="en-GB" sz="1400" dirty="0"/>
+              </a:p>
+            </p:txBody>
+          </p:sp>
+          <p:sp>
+            <p:nvSpPr>
+              <p:cNvPr id="67" name="TextBox 66">
+                <a:extLst>
+                  <a:ext uri="{FF2B5EF4-FFF2-40B4-BE49-F238E27FC236}">
+                    <a16:creationId xmlns:a16="http://schemas.microsoft.com/office/drawing/2014/main" id="{2905DD0C-B531-95A5-F985-8D3D10D88E4A}"/>
+                  </a:ext>
+                </a:extLst>
+              </p:cNvPr>
+              <p:cNvSpPr txBox="1">
+                <a:spLocks noGrp="1" noRot="1" noMove="1" noResize="1" noEditPoints="1" noAdjustHandles="1" noChangeArrowheads="1" noChangeShapeType="1"/>
+              </p:cNvSpPr>
+              <p:nvPr/>
+            </p:nvSpPr>
+            <p:spPr>
+              <a:xfrm rot="10800000">
+                <a:off x="8063433" y="2767665"/>
+                <a:ext cx="203200" cy="307777"/>
+              </a:xfrm>
+              <a:prstGeom prst="rect">
+                <a:avLst/>
+              </a:prstGeom>
+              <a:noFill/>
+              <a:ln>
+                <a:noFill/>
+              </a:ln>
+            </p:spPr>
+            <p:txBody>
+              <a:bodyPr wrap="square" rtlCol="0">
+                <a:spAutoFit/>
+              </a:bodyPr>
+              <a:lstStyle/>
+              <a:p>
+                <a:r>
+                  <a:rPr lang="nb-NO" sz="1400" dirty="0"/>
+                  <a:t>U</a:t>
+                </a:r>
+                <a:endParaRPr lang="en-GB" sz="1400" dirty="0"/>
+              </a:p>
+            </p:txBody>
+          </p:sp>
+          <p:sp>
+            <p:nvSpPr>
+              <p:cNvPr id="68" name="Rectangle 67">
+                <a:extLst>
+                  <a:ext uri="{FF2B5EF4-FFF2-40B4-BE49-F238E27FC236}">
+                    <a16:creationId xmlns:a16="http://schemas.microsoft.com/office/drawing/2014/main" id="{93D1E1E2-5BBD-8932-978E-C94DA54A6367}"/>
+                  </a:ext>
+                </a:extLst>
+              </p:cNvPr>
+              <p:cNvSpPr>
+                <a:spLocks noGrp="1" noRot="1" noMove="1" noResize="1" noEditPoints="1" noAdjustHandles="1" noChangeArrowheads="1" noChangeShapeType="1"/>
+              </p:cNvSpPr>
+              <p:nvPr/>
+            </p:nvSpPr>
+            <p:spPr>
+              <a:xfrm>
+                <a:off x="7840908" y="2813111"/>
+                <a:ext cx="378000" cy="378000"/>
+              </a:xfrm>
+              <a:prstGeom prst="rect">
+                <a:avLst/>
+              </a:prstGeom>
+              <a:noFill/>
+              <a:ln w="3175" cap="flat" cmpd="sng" algn="ctr">
+                <a:noFill/>
+                <a:prstDash val="solid"/>
+                <a:round/>
+                <a:headEnd type="none" w="med" len="med"/>
+                <a:tailEnd type="none" w="med" len="med"/>
+              </a:ln>
+            </p:spPr>
+            <p:style>
+              <a:lnRef idx="0">
+                <a:scrgbClr r="0" g="0" b="0"/>
+              </a:lnRef>
+              <a:fillRef idx="0">
+                <a:scrgbClr r="0" g="0" b="0"/>
+              </a:fillRef>
+              <a:effectRef idx="0">
+                <a:scrgbClr r="0" g="0" b="0"/>
+              </a:effectRef>
+              <a:fontRef idx="minor">
+                <a:schemeClr val="dk1"/>
+              </a:fontRef>
+            </p:style>
+            <p:txBody>
+              <a:bodyPr rtlCol="0" anchor="ctr"/>
+              <a:lstStyle/>
+              <a:p>
+                <a:pPr algn="ctr"/>
+                <a:endParaRPr lang="en-GB"/>
+              </a:p>
+            </p:txBody>
+          </p:sp>
+        </p:grpSp>
+      </p:grpSp>
+      <p:sp>
+        <p:nvSpPr>
+          <p:cNvPr id="80" name="Rectangle: Rounded Corners 79">
+            <a:extLst>
+              <a:ext uri="{FF2B5EF4-FFF2-40B4-BE49-F238E27FC236}">
+                <a16:creationId xmlns:a16="http://schemas.microsoft.com/office/drawing/2014/main" id="{5987DDD1-4072-5265-1AFA-16822BADA7D9}"/>
+              </a:ext>
+            </a:extLst>
+          </p:cNvPr>
+          <p:cNvSpPr/>
+          <p:nvPr/>
+        </p:nvSpPr>
+        <p:spPr>
+          <a:xfrm>
+            <a:off x="5465291" y="87128"/>
+            <a:ext cx="1424497" cy="432000"/>
+          </a:xfrm>
+          <a:prstGeom prst="roundRect">
+            <a:avLst/>
+          </a:prstGeom>
+          <a:ln w="38100">
+            <a:solidFill>
+              <a:schemeClr val="tx1"/>
+            </a:solidFill>
+          </a:ln>
+        </p:spPr>
+        <p:style>
+          <a:lnRef idx="2">
+            <a:schemeClr val="dk1"/>
+          </a:lnRef>
+          <a:fillRef idx="1">
+            <a:schemeClr val="lt1"/>
+          </a:fillRef>
+          <a:effectRef idx="0">
+            <a:schemeClr val="dk1"/>
+          </a:effectRef>
+          <a:fontRef idx="minor">
+            <a:schemeClr val="dk1"/>
+          </a:fontRef>
+        </p:style>
+        <p:txBody>
+          <a:bodyPr rtlCol="0" anchor="ctr"/>
+          <a:lstStyle/>
+          <a:p>
+            <a:pPr algn="ctr">
+              <a:buClr>
+                <a:srgbClr val="41BF9E"/>
+              </a:buClr>
+            </a:pPr>
+            <a:r>
+              <a:rPr lang="nb-NO" sz="1600" dirty="0"/>
+              <a:t>Components</a:t>
+            </a:r>
+          </a:p>
+        </p:txBody>
+      </p:sp>
+    </p:spTree>
+    <p:extLst>
+      <p:ext uri="{BB962C8B-B14F-4D97-AF65-F5344CB8AC3E}">
+        <p14:creationId xmlns:p14="http://schemas.microsoft.com/office/powerpoint/2010/main" val="1391313561"/>
+      </p:ext>
+    </p:extLst>
+  </p:cSld>
+  <p:clrMapOvr>
+    <a:masterClrMapping/>
+  </p:clrMapOvr>
+</p:sld>
+</file>
+
+<file path=ppt/slides/slide6.xml><?xml version="1.0" encoding="utf-8"?>
+<p:sld xmlns:a="http://schemas.openxmlformats.org/drawingml/2006/main" xmlns:r="http://schemas.openxmlformats.org/officeDocument/2006/relationships" xmlns:p="http://schemas.openxmlformats.org/presentationml/2006/main">
+  <p:cSld>
+    <p:spTree>
+      <p:nvGrpSpPr>
         <p:cNvPr id="1" name="">
           <a:extLst>
             <a:ext uri="{FF2B5EF4-FFF2-40B4-BE49-F238E27FC236}">
@@ -4353,6 +10713,35 @@
           <a:chExt cx="0" cy="0"/>
         </a:xfrm>
       </p:grpSpPr>
+      <p:pic>
+        <p:nvPicPr>
+          <p:cNvPr id="5" name="Picture 4">
+            <a:extLst>
+              <a:ext uri="{FF2B5EF4-FFF2-40B4-BE49-F238E27FC236}">
+                <a16:creationId xmlns:a16="http://schemas.microsoft.com/office/drawing/2014/main" id="{2625F458-0ED9-61D3-57EC-AB6123FD95DD}"/>
+              </a:ext>
+            </a:extLst>
+          </p:cNvPr>
+          <p:cNvPicPr>
+            <a:picLocks noChangeAspect="1"/>
+          </p:cNvPicPr>
+          <p:nvPr/>
+        </p:nvPicPr>
+        <p:blipFill>
+          <a:blip r:embed="rId3"/>
+          <a:srcRect l="34647" t="15312" r="22077" b="13928"/>
+          <a:stretch/>
+        </p:blipFill>
+        <p:spPr>
+          <a:xfrm>
+            <a:off x="442047" y="-196768"/>
+            <a:ext cx="11553930" cy="7226960"/>
+          </a:xfrm>
+          <a:prstGeom prst="rect">
+            <a:avLst/>
+          </a:prstGeom>
+        </p:spPr>
+      </p:pic>
       <p:grpSp>
         <p:nvGrpSpPr>
           <p:cNvPr id="144" name="Group 143">
@@ -6794,112 +13183,6 @@
           </p:sp>
         </p:grpSp>
       </p:grpSp>
-      <p:grpSp>
-        <p:nvGrpSpPr>
-          <p:cNvPr id="70" name="Group 69">
-            <a:extLst>
-              <a:ext uri="{FF2B5EF4-FFF2-40B4-BE49-F238E27FC236}">
-                <a16:creationId xmlns:a16="http://schemas.microsoft.com/office/drawing/2014/main" id="{39553F7D-68F9-A92B-63BA-221B042B8C48}"/>
-              </a:ext>
-            </a:extLst>
-          </p:cNvPr>
-          <p:cNvGrpSpPr>
-            <a:grpSpLocks noGrp="1" noUngrp="1" noRot="1" noMove="1" noResize="1"/>
-          </p:cNvGrpSpPr>
-          <p:nvPr/>
-        </p:nvGrpSpPr>
-        <p:grpSpPr>
-          <a:xfrm>
-            <a:off x="441156" y="-567000"/>
-            <a:ext cx="11309687" cy="7992000"/>
-            <a:chOff x="441156" y="-567000"/>
-            <a:chExt cx="11309687" cy="7992000"/>
-          </a:xfrm>
-        </p:grpSpPr>
-        <p:pic>
-          <p:nvPicPr>
-            <p:cNvPr id="71" name="Graphic 70">
-              <a:extLst>
-                <a:ext uri="{FF2B5EF4-FFF2-40B4-BE49-F238E27FC236}">
-                  <a16:creationId xmlns:a16="http://schemas.microsoft.com/office/drawing/2014/main" id="{B42DA613-6D44-6ED1-824D-16513F6679BB}"/>
-                </a:ext>
-              </a:extLst>
-            </p:cNvPr>
-            <p:cNvPicPr>
-              <a:picLocks noGrp="1" noRot="1" noMove="1" noResize="1" noEditPoints="1" noAdjustHandles="1" noChangeArrowheads="1" noChangeShapeType="1" noCrop="1"/>
-            </p:cNvPicPr>
-            <p:nvPr/>
-          </p:nvPicPr>
-          <p:blipFill>
-            <a:blip r:embed="rId3">
-              <a:extLst>
-                <a:ext uri="{96DAC541-7B7A-43D3-8B79-37D633B846F1}">
-                  <asvg:svgBlip xmlns:asvg="http://schemas.microsoft.com/office/drawing/2016/SVG/main" r:embed="rId4"/>
-                </a:ext>
-              </a:extLst>
-            </a:blip>
-            <a:stretch>
-              <a:fillRect/>
-            </a:stretch>
-          </p:blipFill>
-          <p:spPr>
-            <a:xfrm>
-              <a:off x="441156" y="-567000"/>
-              <a:ext cx="11309687" cy="7992000"/>
-            </a:xfrm>
-            <a:prstGeom prst="rect">
-              <a:avLst/>
-            </a:prstGeom>
-          </p:spPr>
-        </p:pic>
-        <p:sp>
-          <p:nvSpPr>
-            <p:cNvPr id="73" name="Isosceles Triangle 72">
-              <a:extLst>
-                <a:ext uri="{FF2B5EF4-FFF2-40B4-BE49-F238E27FC236}">
-                  <a16:creationId xmlns:a16="http://schemas.microsoft.com/office/drawing/2014/main" id="{1F456FBF-36BC-AF7D-DD51-D9492633A7E4}"/>
-                </a:ext>
-              </a:extLst>
-            </p:cNvPr>
-            <p:cNvSpPr>
-              <a:spLocks noGrp="1" noRot="1" noMove="1" noResize="1" noEditPoints="1" noAdjustHandles="1" noChangeArrowheads="1" noChangeShapeType="1"/>
-            </p:cNvSpPr>
-            <p:nvPr/>
-          </p:nvSpPr>
-          <p:spPr>
-            <a:xfrm rot="10800000">
-              <a:off x="3198494" y="3942080"/>
-              <a:ext cx="78105" cy="92710"/>
-            </a:xfrm>
-            <a:prstGeom prst="triangle">
-              <a:avLst/>
-            </a:prstGeom>
-            <a:ln w="9525"/>
-          </p:spPr>
-          <p:style>
-            <a:lnRef idx="2">
-              <a:schemeClr val="dk1"/>
-            </a:lnRef>
-            <a:fillRef idx="1">
-              <a:schemeClr val="lt1"/>
-            </a:fillRef>
-            <a:effectRef idx="0">
-              <a:schemeClr val="dk1"/>
-            </a:effectRef>
-            <a:fontRef idx="minor">
-              <a:schemeClr val="dk1"/>
-            </a:fontRef>
-          </p:style>
-          <p:txBody>
-            <a:bodyPr rtlCol="0" anchor="ctr"/>
-            <a:lstStyle/>
-            <a:p>
-              <a:pPr algn="ctr"/>
-              <a:endParaRPr lang="en-GB"/>
-            </a:p>
-          </p:txBody>
-        </p:sp>
-      </p:grpSp>
       <p:sp>
         <p:nvSpPr>
           <p:cNvPr id="80" name="Rectangle: Rounded Corners 79">
@@ -6969,7 +13252,7 @@
 </p:sld>
 </file>
 
-<file path=ppt/slides/slide3.xml><?xml version="1.0" encoding="utf-8"?>
+<file path=ppt/slides/slide7.xml><?xml version="1.0" encoding="utf-8"?>
 <p:sld xmlns:a="http://schemas.openxmlformats.org/drawingml/2006/main" xmlns:r="http://schemas.openxmlformats.org/officeDocument/2006/relationships" xmlns:p="http://schemas.openxmlformats.org/presentationml/2006/main">
   <p:cSld>
     <p:spTree>
@@ -7691,7 +13974,7 @@
 </p:sld>
 </file>
 
-<file path=ppt/slides/slide4.xml><?xml version="1.0" encoding="utf-8"?>
+<file path=ppt/slides/slide8.xml><?xml version="1.0" encoding="utf-8"?>
 <p:sld xmlns:a="http://schemas.openxmlformats.org/drawingml/2006/main" xmlns:r="http://schemas.openxmlformats.org/officeDocument/2006/relationships" xmlns:p="http://schemas.openxmlformats.org/presentationml/2006/main">
   <p:cSld>
     <p:spTree>
@@ -7714,6 +13997,35 @@
           <a:chExt cx="0" cy="0"/>
         </a:xfrm>
       </p:grpSpPr>
+      <p:pic>
+        <p:nvPicPr>
+          <p:cNvPr id="2" name="Picture 1">
+            <a:extLst>
+              <a:ext uri="{FF2B5EF4-FFF2-40B4-BE49-F238E27FC236}">
+                <a16:creationId xmlns:a16="http://schemas.microsoft.com/office/drawing/2014/main" id="{76C04C2F-C833-AA0F-F26B-815327AE10A4}"/>
+              </a:ext>
+            </a:extLst>
+          </p:cNvPr>
+          <p:cNvPicPr>
+            <a:picLocks noGrp="1" noRot="1" noChangeAspect="1" noMove="1" noResize="1" noEditPoints="1" noAdjustHandles="1" noChangeArrowheads="1" noChangeShapeType="1" noCrop="1"/>
+          </p:cNvPicPr>
+          <p:nvPr/>
+        </p:nvPicPr>
+        <p:blipFill>
+          <a:blip r:embed="rId3"/>
+          <a:srcRect l="34647" t="15312" r="22077" b="13928"/>
+          <a:stretch/>
+        </p:blipFill>
+        <p:spPr>
+          <a:xfrm>
+            <a:off x="442047" y="-196768"/>
+            <a:ext cx="11553930" cy="7226960"/>
+          </a:xfrm>
+          <a:prstGeom prst="rect">
+            <a:avLst/>
+          </a:prstGeom>
+        </p:spPr>
+      </p:pic>
       <p:sp>
         <p:nvSpPr>
           <p:cNvPr id="21" name="Rectangle: Rounded Corners 20">
@@ -10195,112 +16507,6 @@
           </p:sp>
         </p:grpSp>
       </p:grpSp>
-      <p:grpSp>
-        <p:nvGrpSpPr>
-          <p:cNvPr id="70" name="Group 69">
-            <a:extLst>
-              <a:ext uri="{FF2B5EF4-FFF2-40B4-BE49-F238E27FC236}">
-                <a16:creationId xmlns:a16="http://schemas.microsoft.com/office/drawing/2014/main" id="{FB1D921E-DD79-04F7-36FA-EC5C1050BDAA}"/>
-              </a:ext>
-            </a:extLst>
-          </p:cNvPr>
-          <p:cNvGrpSpPr>
-            <a:grpSpLocks noGrp="1" noUngrp="1" noRot="1" noMove="1" noResize="1"/>
-          </p:cNvGrpSpPr>
-          <p:nvPr/>
-        </p:nvGrpSpPr>
-        <p:grpSpPr>
-          <a:xfrm>
-            <a:off x="441156" y="-567000"/>
-            <a:ext cx="11309687" cy="7992000"/>
-            <a:chOff x="441156" y="-567000"/>
-            <a:chExt cx="11309687" cy="7992000"/>
-          </a:xfrm>
-        </p:grpSpPr>
-        <p:pic>
-          <p:nvPicPr>
-            <p:cNvPr id="71" name="Graphic 70">
-              <a:extLst>
-                <a:ext uri="{FF2B5EF4-FFF2-40B4-BE49-F238E27FC236}">
-                  <a16:creationId xmlns:a16="http://schemas.microsoft.com/office/drawing/2014/main" id="{31548A86-987A-2E45-7CBE-A7C3458CCA67}"/>
-                </a:ext>
-              </a:extLst>
-            </p:cNvPr>
-            <p:cNvPicPr>
-              <a:picLocks noGrp="1" noRot="1" noMove="1" noResize="1" noEditPoints="1" noAdjustHandles="1" noChangeArrowheads="1" noChangeShapeType="1" noCrop="1"/>
-            </p:cNvPicPr>
-            <p:nvPr/>
-          </p:nvPicPr>
-          <p:blipFill>
-            <a:blip r:embed="rId3">
-              <a:extLst>
-                <a:ext uri="{96DAC541-7B7A-43D3-8B79-37D633B846F1}">
-                  <asvg:svgBlip xmlns:asvg="http://schemas.microsoft.com/office/drawing/2016/SVG/main" r:embed="rId4"/>
-                </a:ext>
-              </a:extLst>
-            </a:blip>
-            <a:stretch>
-              <a:fillRect/>
-            </a:stretch>
-          </p:blipFill>
-          <p:spPr>
-            <a:xfrm>
-              <a:off x="441156" y="-567000"/>
-              <a:ext cx="11309687" cy="7992000"/>
-            </a:xfrm>
-            <a:prstGeom prst="rect">
-              <a:avLst/>
-            </a:prstGeom>
-          </p:spPr>
-        </p:pic>
-        <p:sp>
-          <p:nvSpPr>
-            <p:cNvPr id="72" name="Isosceles Triangle 71">
-              <a:extLst>
-                <a:ext uri="{FF2B5EF4-FFF2-40B4-BE49-F238E27FC236}">
-                  <a16:creationId xmlns:a16="http://schemas.microsoft.com/office/drawing/2014/main" id="{120BFB22-9CF3-1953-5625-009F62C5FDE7}"/>
-                </a:ext>
-              </a:extLst>
-            </p:cNvPr>
-            <p:cNvSpPr>
-              <a:spLocks noGrp="1" noRot="1" noMove="1" noResize="1" noEditPoints="1" noAdjustHandles="1" noChangeArrowheads="1" noChangeShapeType="1"/>
-            </p:cNvSpPr>
-            <p:nvPr/>
-          </p:nvSpPr>
-          <p:spPr>
-            <a:xfrm rot="10800000">
-              <a:off x="3198494" y="3942080"/>
-              <a:ext cx="78105" cy="92710"/>
-            </a:xfrm>
-            <a:prstGeom prst="triangle">
-              <a:avLst/>
-            </a:prstGeom>
-            <a:ln w="9525"/>
-          </p:spPr>
-          <p:style>
-            <a:lnRef idx="2">
-              <a:schemeClr val="dk1"/>
-            </a:lnRef>
-            <a:fillRef idx="1">
-              <a:schemeClr val="lt1"/>
-            </a:fillRef>
-            <a:effectRef idx="0">
-              <a:schemeClr val="dk1"/>
-            </a:effectRef>
-            <a:fontRef idx="minor">
-              <a:schemeClr val="dk1"/>
-            </a:fontRef>
-          </p:style>
-          <p:txBody>
-            <a:bodyPr rtlCol="0" anchor="ctr"/>
-            <a:lstStyle/>
-            <a:p>
-              <a:pPr algn="ctr"/>
-              <a:endParaRPr lang="en-GB"/>
-            </a:p>
-          </p:txBody>
-        </p:sp>
-      </p:grpSp>
       <p:sp>
         <p:nvSpPr>
           <p:cNvPr id="80" name="Rectangle: Rounded Corners 79">
@@ -10354,7 +16560,7 @@
             </a:pPr>
             <a:r>
               <a:rPr lang="nb-NO" sz="1600" dirty="0"/>
-              <a:t>Simulink</a:t>
+              <a:t>Sensors</a:t>
             </a:r>
           </a:p>
         </p:txBody>
@@ -10372,7 +16578,7 @@
 </p:sld>
 </file>
 
-<file path=ppt/slides/slide5.xml><?xml version="1.0" encoding="utf-8"?>
+<file path=ppt/slides/slide9.xml><?xml version="1.0" encoding="utf-8"?>
 <p:sld xmlns:a="http://schemas.openxmlformats.org/drawingml/2006/main" xmlns:r="http://schemas.openxmlformats.org/officeDocument/2006/relationships" xmlns:p="http://schemas.openxmlformats.org/presentationml/2006/main">
   <p:cSld>
     <p:spTree>
@@ -12699,112 +18905,6 @@
           </p:sp>
         </p:grpSp>
       </p:grpSp>
-      <p:grpSp>
-        <p:nvGrpSpPr>
-          <p:cNvPr id="70" name="Group 69">
-            <a:extLst>
-              <a:ext uri="{FF2B5EF4-FFF2-40B4-BE49-F238E27FC236}">
-                <a16:creationId xmlns:a16="http://schemas.microsoft.com/office/drawing/2014/main" id="{EDAF93F4-C04F-C36B-B7FB-36C281F3017D}"/>
-              </a:ext>
-            </a:extLst>
-          </p:cNvPr>
-          <p:cNvGrpSpPr>
-            <a:grpSpLocks noGrp="1" noUngrp="1" noRot="1" noMove="1" noResize="1"/>
-          </p:cNvGrpSpPr>
-          <p:nvPr/>
-        </p:nvGrpSpPr>
-        <p:grpSpPr>
-          <a:xfrm>
-            <a:off x="441156" y="-567000"/>
-            <a:ext cx="11309687" cy="7992000"/>
-            <a:chOff x="441156" y="-567000"/>
-            <a:chExt cx="11309687" cy="7992000"/>
-          </a:xfrm>
-        </p:grpSpPr>
-        <p:pic>
-          <p:nvPicPr>
-            <p:cNvPr id="71" name="Graphic 70">
-              <a:extLst>
-                <a:ext uri="{FF2B5EF4-FFF2-40B4-BE49-F238E27FC236}">
-                  <a16:creationId xmlns:a16="http://schemas.microsoft.com/office/drawing/2014/main" id="{0AC0E4BD-9AF2-89D4-B112-BBB5B5EED1A7}"/>
-                </a:ext>
-              </a:extLst>
-            </p:cNvPr>
-            <p:cNvPicPr>
-              <a:picLocks noGrp="1" noRot="1" noMove="1" noResize="1" noEditPoints="1" noAdjustHandles="1" noChangeArrowheads="1" noChangeShapeType="1" noCrop="1"/>
-            </p:cNvPicPr>
-            <p:nvPr/>
-          </p:nvPicPr>
-          <p:blipFill>
-            <a:blip r:embed="rId3">
-              <a:extLst>
-                <a:ext uri="{96DAC541-7B7A-43D3-8B79-37D633B846F1}">
-                  <asvg:svgBlip xmlns:asvg="http://schemas.microsoft.com/office/drawing/2016/SVG/main" r:embed="rId4"/>
-                </a:ext>
-              </a:extLst>
-            </a:blip>
-            <a:stretch>
-              <a:fillRect/>
-            </a:stretch>
-          </p:blipFill>
-          <p:spPr>
-            <a:xfrm>
-              <a:off x="441156" y="-567000"/>
-              <a:ext cx="11309687" cy="7992000"/>
-            </a:xfrm>
-            <a:prstGeom prst="rect">
-              <a:avLst/>
-            </a:prstGeom>
-          </p:spPr>
-        </p:pic>
-        <p:sp>
-          <p:nvSpPr>
-            <p:cNvPr id="72" name="Isosceles Triangle 71">
-              <a:extLst>
-                <a:ext uri="{FF2B5EF4-FFF2-40B4-BE49-F238E27FC236}">
-                  <a16:creationId xmlns:a16="http://schemas.microsoft.com/office/drawing/2014/main" id="{A8FE4782-98BA-C7BE-20F0-7D906850CB4D}"/>
-                </a:ext>
-              </a:extLst>
-            </p:cNvPr>
-            <p:cNvSpPr>
-              <a:spLocks noGrp="1" noRot="1" noMove="1" noResize="1" noEditPoints="1" noAdjustHandles="1" noChangeArrowheads="1" noChangeShapeType="1"/>
-            </p:cNvSpPr>
-            <p:nvPr/>
-          </p:nvSpPr>
-          <p:spPr>
-            <a:xfrm rot="10800000">
-              <a:off x="3198494" y="3942080"/>
-              <a:ext cx="78105" cy="92710"/>
-            </a:xfrm>
-            <a:prstGeom prst="triangle">
-              <a:avLst/>
-            </a:prstGeom>
-            <a:ln w="9525"/>
-          </p:spPr>
-          <p:style>
-            <a:lnRef idx="2">
-              <a:schemeClr val="dk1"/>
-            </a:lnRef>
-            <a:fillRef idx="1">
-              <a:schemeClr val="lt1"/>
-            </a:fillRef>
-            <a:effectRef idx="0">
-              <a:schemeClr val="dk1"/>
-            </a:effectRef>
-            <a:fontRef idx="minor">
-              <a:schemeClr val="dk1"/>
-            </a:fontRef>
-          </p:style>
-          <p:txBody>
-            <a:bodyPr rtlCol="0" anchor="ctr"/>
-            <a:lstStyle/>
-            <a:p>
-              <a:pPr algn="ctr"/>
-              <a:endParaRPr lang="en-GB"/>
-            </a:p>
-          </p:txBody>
-        </p:sp>
-      </p:grpSp>
       <p:sp>
         <p:nvSpPr>
           <p:cNvPr id="2" name="Rectangle: Rounded Corners 1">
@@ -13040,6 +19140,35 @@
           </a:p>
         </p:txBody>
       </p:sp>
+      <p:pic>
+        <p:nvPicPr>
+          <p:cNvPr id="4" name="Picture 3">
+            <a:extLst>
+              <a:ext uri="{FF2B5EF4-FFF2-40B4-BE49-F238E27FC236}">
+                <a16:creationId xmlns:a16="http://schemas.microsoft.com/office/drawing/2014/main" id="{33506E55-E733-7981-A455-CACD0E67CF25}"/>
+              </a:ext>
+            </a:extLst>
+          </p:cNvPr>
+          <p:cNvPicPr>
+            <a:picLocks noChangeAspect="1"/>
+          </p:cNvPicPr>
+          <p:nvPr/>
+        </p:nvPicPr>
+        <p:blipFill>
+          <a:blip r:embed="rId3"/>
+          <a:srcRect l="34647" t="15312" r="22077" b="13928"/>
+          <a:stretch/>
+        </p:blipFill>
+        <p:spPr>
+          <a:xfrm>
+            <a:off x="442047" y="-196768"/>
+            <a:ext cx="11553930" cy="7226960"/>
+          </a:xfrm>
+          <a:prstGeom prst="rect">
+            <a:avLst/>
+          </a:prstGeom>
+        </p:spPr>
+      </p:pic>
     </p:spTree>
     <p:extLst>
       <p:ext uri="{BB962C8B-B14F-4D97-AF65-F5344CB8AC3E}">
